--- a/scratchClientTutorial/UK---English/UK - 2 - scratchCl Intermediate Tutorial.pptx
+++ b/scratchClientTutorial/UK---English/UK - 2 - scratchCl Intermediate Tutorial.pptx
@@ -2,10 +2,10 @@
 <file path=ppt/presentation.xml><?xml version="1.0" encoding="utf-8"?>
 <p:presentation xmlns:a="http://schemas.openxmlformats.org/drawingml/2006/main" xmlns:r="http://schemas.openxmlformats.org/officeDocument/2006/relationships" xmlns:p="http://schemas.openxmlformats.org/presentationml/2006/main" saveSubsetFonts="1">
   <p:sldMasterIdLst>
-    <p:sldMasterId id="2147483672" r:id="rId1"/>
+    <p:sldMasterId id="2147483685" r:id="rId1"/>
   </p:sldMasterIdLst>
   <p:notesMasterIdLst>
-    <p:notesMasterId r:id="rId37"/>
+    <p:notesMasterId r:id="rId25"/>
   </p:notesMasterIdLst>
   <p:sldIdLst>
     <p:sldId id="481" r:id="rId2"/>
@@ -28,21 +28,9 @@
     <p:sldId id="397" r:id="rId19"/>
     <p:sldId id="368" r:id="rId20"/>
     <p:sldId id="317" r:id="rId21"/>
-    <p:sldId id="370" r:id="rId22"/>
-    <p:sldId id="401" r:id="rId23"/>
-    <p:sldId id="403" r:id="rId24"/>
-    <p:sldId id="404" r:id="rId25"/>
-    <p:sldId id="398" r:id="rId26"/>
-    <p:sldId id="336" r:id="rId27"/>
-    <p:sldId id="446" r:id="rId28"/>
-    <p:sldId id="447" r:id="rId29"/>
-    <p:sldId id="482" r:id="rId30"/>
-    <p:sldId id="448" r:id="rId31"/>
-    <p:sldId id="373" r:id="rId32"/>
-    <p:sldId id="375" r:id="rId33"/>
-    <p:sldId id="376" r:id="rId34"/>
-    <p:sldId id="282" r:id="rId35"/>
-    <p:sldId id="333" r:id="rId36"/>
+    <p:sldId id="482" r:id="rId22"/>
+    <p:sldId id="483" r:id="rId23"/>
+    <p:sldId id="484" r:id="rId24"/>
   </p:sldIdLst>
   <p:sldSz cx="9144000" cy="5143500" type="screen16x9"/>
   <p:notesSz cx="6858000" cy="9144000"/>
@@ -233,7 +221,7 @@
             <a:fld id="{DB6A203D-5BB1-439B-9A8B-0C4974EC0C08}" type="datetimeFigureOut">
               <a:rPr lang="nl-NL" smtClean="0"/>
               <a:pPr/>
-              <a:t>22-2-2018</a:t>
+              <a:t>21-5-2018</a:t>
             </a:fld>
             <a:endParaRPr lang="nl-NL"/>
           </a:p>
@@ -1811,498 +1799,6 @@
 </p:notes>
 </file>
 
-<file path=ppt/notesSlides/notesSlide24.xml><?xml version="1.0" encoding="utf-8"?>
-<p:notes xmlns:a="http://schemas.openxmlformats.org/drawingml/2006/main" xmlns:r="http://schemas.openxmlformats.org/officeDocument/2006/relationships" xmlns:p="http://schemas.openxmlformats.org/presentationml/2006/main">
-  <p:cSld>
-    <p:spTree>
-      <p:nvGrpSpPr>
-        <p:cNvPr id="1" name=""/>
-        <p:cNvGrpSpPr/>
-        <p:nvPr/>
-      </p:nvGrpSpPr>
-      <p:grpSpPr>
-        <a:xfrm>
-          <a:off x="0" y="0"/>
-          <a:ext cx="0" cy="0"/>
-          <a:chOff x="0" y="0"/>
-          <a:chExt cx="0" cy="0"/>
-        </a:xfrm>
-      </p:grpSpPr>
-      <p:sp>
-        <p:nvSpPr>
-          <p:cNvPr id="2" name="Tijdelijke aanduiding voor dia-afbeelding 1"/>
-          <p:cNvSpPr>
-            <a:spLocks noGrp="1" noRot="1" noChangeAspect="1"/>
-          </p:cNvSpPr>
-          <p:nvPr>
-            <p:ph type="sldImg"/>
-          </p:nvPr>
-        </p:nvSpPr>
-        <p:spPr/>
-      </p:sp>
-      <p:sp>
-        <p:nvSpPr>
-          <p:cNvPr id="3" name="Tijdelijke aanduiding voor notities 2"/>
-          <p:cNvSpPr>
-            <a:spLocks noGrp="1"/>
-          </p:cNvSpPr>
-          <p:nvPr>
-            <p:ph type="body" idx="1"/>
-          </p:nvPr>
-        </p:nvSpPr>
-        <p:spPr/>
-        <p:txBody>
-          <a:bodyPr>
-            <a:normAutofit/>
-          </a:bodyPr>
-          <a:lstStyle/>
-          <a:p>
-            <a:endParaRPr lang="nl-NL"/>
-          </a:p>
-        </p:txBody>
-      </p:sp>
-      <p:sp>
-        <p:nvSpPr>
-          <p:cNvPr id="4" name="Tijdelijke aanduiding voor dianummer 3"/>
-          <p:cNvSpPr>
-            <a:spLocks noGrp="1"/>
-          </p:cNvSpPr>
-          <p:nvPr>
-            <p:ph type="sldNum" sz="quarter" idx="10"/>
-          </p:nvPr>
-        </p:nvSpPr>
-        <p:spPr/>
-        <p:txBody>
-          <a:bodyPr/>
-          <a:lstStyle/>
-          <a:p>
-            <a:fld id="{DD9ECD2A-2AC8-46C2-8FC7-36BC96A5D084}" type="slidenum">
-              <a:rPr lang="nl-NL" smtClean="0"/>
-              <a:pPr/>
-              <a:t>24</a:t>
-            </a:fld>
-            <a:endParaRPr lang="nl-NL"/>
-          </a:p>
-        </p:txBody>
-      </p:sp>
-    </p:spTree>
-  </p:cSld>
-  <p:clrMapOvr>
-    <a:masterClrMapping/>
-  </p:clrMapOvr>
-</p:notes>
-</file>
-
-<file path=ppt/notesSlides/notesSlide25.xml><?xml version="1.0" encoding="utf-8"?>
-<p:notes xmlns:a="http://schemas.openxmlformats.org/drawingml/2006/main" xmlns:r="http://schemas.openxmlformats.org/officeDocument/2006/relationships" xmlns:p="http://schemas.openxmlformats.org/presentationml/2006/main">
-  <p:cSld>
-    <p:spTree>
-      <p:nvGrpSpPr>
-        <p:cNvPr id="1" name=""/>
-        <p:cNvGrpSpPr/>
-        <p:nvPr/>
-      </p:nvGrpSpPr>
-      <p:grpSpPr>
-        <a:xfrm>
-          <a:off x="0" y="0"/>
-          <a:ext cx="0" cy="0"/>
-          <a:chOff x="0" y="0"/>
-          <a:chExt cx="0" cy="0"/>
-        </a:xfrm>
-      </p:grpSpPr>
-      <p:sp>
-        <p:nvSpPr>
-          <p:cNvPr id="2" name="Tijdelijke aanduiding voor dia-afbeelding 1"/>
-          <p:cNvSpPr>
-            <a:spLocks noGrp="1" noRot="1" noChangeAspect="1"/>
-          </p:cNvSpPr>
-          <p:nvPr>
-            <p:ph type="sldImg"/>
-          </p:nvPr>
-        </p:nvSpPr>
-        <p:spPr/>
-      </p:sp>
-      <p:sp>
-        <p:nvSpPr>
-          <p:cNvPr id="3" name="Tijdelijke aanduiding voor notities 2"/>
-          <p:cNvSpPr>
-            <a:spLocks noGrp="1"/>
-          </p:cNvSpPr>
-          <p:nvPr>
-            <p:ph type="body" idx="1"/>
-          </p:nvPr>
-        </p:nvSpPr>
-        <p:spPr/>
-        <p:txBody>
-          <a:bodyPr>
-            <a:normAutofit/>
-          </a:bodyPr>
-          <a:lstStyle/>
-          <a:p>
-            <a:endParaRPr lang="nl-NL"/>
-          </a:p>
-        </p:txBody>
-      </p:sp>
-      <p:sp>
-        <p:nvSpPr>
-          <p:cNvPr id="4" name="Tijdelijke aanduiding voor dianummer 3"/>
-          <p:cNvSpPr>
-            <a:spLocks noGrp="1"/>
-          </p:cNvSpPr>
-          <p:nvPr>
-            <p:ph type="sldNum" sz="quarter" idx="10"/>
-          </p:nvPr>
-        </p:nvSpPr>
-        <p:spPr/>
-        <p:txBody>
-          <a:bodyPr/>
-          <a:lstStyle/>
-          <a:p>
-            <a:fld id="{DD9ECD2A-2AC8-46C2-8FC7-36BC96A5D084}" type="slidenum">
-              <a:rPr lang="nl-NL" smtClean="0"/>
-              <a:pPr/>
-              <a:t>25</a:t>
-            </a:fld>
-            <a:endParaRPr lang="nl-NL"/>
-          </a:p>
-        </p:txBody>
-      </p:sp>
-    </p:spTree>
-  </p:cSld>
-  <p:clrMapOvr>
-    <a:masterClrMapping/>
-  </p:clrMapOvr>
-</p:notes>
-</file>
-
-<file path=ppt/notesSlides/notesSlide26.xml><?xml version="1.0" encoding="utf-8"?>
-<p:notes xmlns:a="http://schemas.openxmlformats.org/drawingml/2006/main" xmlns:r="http://schemas.openxmlformats.org/officeDocument/2006/relationships" xmlns:p="http://schemas.openxmlformats.org/presentationml/2006/main">
-  <p:cSld>
-    <p:spTree>
-      <p:nvGrpSpPr>
-        <p:cNvPr id="1" name=""/>
-        <p:cNvGrpSpPr/>
-        <p:nvPr/>
-      </p:nvGrpSpPr>
-      <p:grpSpPr>
-        <a:xfrm>
-          <a:off x="0" y="0"/>
-          <a:ext cx="0" cy="0"/>
-          <a:chOff x="0" y="0"/>
-          <a:chExt cx="0" cy="0"/>
-        </a:xfrm>
-      </p:grpSpPr>
-      <p:sp>
-        <p:nvSpPr>
-          <p:cNvPr id="2" name="Tijdelijke aanduiding voor dia-afbeelding 1"/>
-          <p:cNvSpPr>
-            <a:spLocks noGrp="1" noRot="1" noChangeAspect="1"/>
-          </p:cNvSpPr>
-          <p:nvPr>
-            <p:ph type="sldImg"/>
-          </p:nvPr>
-        </p:nvSpPr>
-        <p:spPr/>
-      </p:sp>
-      <p:sp>
-        <p:nvSpPr>
-          <p:cNvPr id="3" name="Tijdelijke aanduiding voor notities 2"/>
-          <p:cNvSpPr>
-            <a:spLocks noGrp="1"/>
-          </p:cNvSpPr>
-          <p:nvPr>
-            <p:ph type="body" idx="1"/>
-          </p:nvPr>
-        </p:nvSpPr>
-        <p:spPr/>
-        <p:txBody>
-          <a:bodyPr>
-            <a:normAutofit/>
-          </a:bodyPr>
-          <a:lstStyle/>
-          <a:p>
-            <a:endParaRPr lang="nl-NL"/>
-          </a:p>
-        </p:txBody>
-      </p:sp>
-      <p:sp>
-        <p:nvSpPr>
-          <p:cNvPr id="4" name="Tijdelijke aanduiding voor dianummer 3"/>
-          <p:cNvSpPr>
-            <a:spLocks noGrp="1"/>
-          </p:cNvSpPr>
-          <p:nvPr>
-            <p:ph type="sldNum" sz="quarter" idx="10"/>
-          </p:nvPr>
-        </p:nvSpPr>
-        <p:spPr/>
-        <p:txBody>
-          <a:bodyPr/>
-          <a:lstStyle/>
-          <a:p>
-            <a:fld id="{DD9ECD2A-2AC8-46C2-8FC7-36BC96A5D084}" type="slidenum">
-              <a:rPr lang="nl-NL" smtClean="0"/>
-              <a:pPr/>
-              <a:t>26</a:t>
-            </a:fld>
-            <a:endParaRPr lang="nl-NL"/>
-          </a:p>
-        </p:txBody>
-      </p:sp>
-    </p:spTree>
-  </p:cSld>
-  <p:clrMapOvr>
-    <a:masterClrMapping/>
-  </p:clrMapOvr>
-</p:notes>
-</file>
-
-<file path=ppt/notesSlides/notesSlide27.xml><?xml version="1.0" encoding="utf-8"?>
-<p:notes xmlns:a="http://schemas.openxmlformats.org/drawingml/2006/main" xmlns:r="http://schemas.openxmlformats.org/officeDocument/2006/relationships" xmlns:p="http://schemas.openxmlformats.org/presentationml/2006/main">
-  <p:cSld>
-    <p:spTree>
-      <p:nvGrpSpPr>
-        <p:cNvPr id="1" name=""/>
-        <p:cNvGrpSpPr/>
-        <p:nvPr/>
-      </p:nvGrpSpPr>
-      <p:grpSpPr>
-        <a:xfrm>
-          <a:off x="0" y="0"/>
-          <a:ext cx="0" cy="0"/>
-          <a:chOff x="0" y="0"/>
-          <a:chExt cx="0" cy="0"/>
-        </a:xfrm>
-      </p:grpSpPr>
-      <p:sp>
-        <p:nvSpPr>
-          <p:cNvPr id="2" name="Tijdelijke aanduiding voor dia-afbeelding 1"/>
-          <p:cNvSpPr>
-            <a:spLocks noGrp="1" noRot="1" noChangeAspect="1"/>
-          </p:cNvSpPr>
-          <p:nvPr>
-            <p:ph type="sldImg"/>
-          </p:nvPr>
-        </p:nvSpPr>
-        <p:spPr/>
-      </p:sp>
-      <p:sp>
-        <p:nvSpPr>
-          <p:cNvPr id="3" name="Tijdelijke aanduiding voor notities 2"/>
-          <p:cNvSpPr>
-            <a:spLocks noGrp="1"/>
-          </p:cNvSpPr>
-          <p:nvPr>
-            <p:ph type="body" idx="1"/>
-          </p:nvPr>
-        </p:nvSpPr>
-        <p:spPr/>
-        <p:txBody>
-          <a:bodyPr>
-            <a:normAutofit/>
-          </a:bodyPr>
-          <a:lstStyle/>
-          <a:p>
-            <a:endParaRPr lang="nl-NL"/>
-          </a:p>
-        </p:txBody>
-      </p:sp>
-      <p:sp>
-        <p:nvSpPr>
-          <p:cNvPr id="4" name="Tijdelijke aanduiding voor dianummer 3"/>
-          <p:cNvSpPr>
-            <a:spLocks noGrp="1"/>
-          </p:cNvSpPr>
-          <p:nvPr>
-            <p:ph type="sldNum" sz="quarter" idx="10"/>
-          </p:nvPr>
-        </p:nvSpPr>
-        <p:spPr/>
-        <p:txBody>
-          <a:bodyPr/>
-          <a:lstStyle/>
-          <a:p>
-            <a:fld id="{DD9ECD2A-2AC8-46C2-8FC7-36BC96A5D084}" type="slidenum">
-              <a:rPr lang="nl-NL" smtClean="0"/>
-              <a:pPr/>
-              <a:t>27</a:t>
-            </a:fld>
-            <a:endParaRPr lang="nl-NL"/>
-          </a:p>
-        </p:txBody>
-      </p:sp>
-    </p:spTree>
-  </p:cSld>
-  <p:clrMapOvr>
-    <a:masterClrMapping/>
-  </p:clrMapOvr>
-</p:notes>
-</file>
-
-<file path=ppt/notesSlides/notesSlide28.xml><?xml version="1.0" encoding="utf-8"?>
-<p:notes xmlns:a="http://schemas.openxmlformats.org/drawingml/2006/main" xmlns:r="http://schemas.openxmlformats.org/officeDocument/2006/relationships" xmlns:p="http://schemas.openxmlformats.org/presentationml/2006/main">
-  <p:cSld>
-    <p:spTree>
-      <p:nvGrpSpPr>
-        <p:cNvPr id="1" name=""/>
-        <p:cNvGrpSpPr/>
-        <p:nvPr/>
-      </p:nvGrpSpPr>
-      <p:grpSpPr>
-        <a:xfrm>
-          <a:off x="0" y="0"/>
-          <a:ext cx="0" cy="0"/>
-          <a:chOff x="0" y="0"/>
-          <a:chExt cx="0" cy="0"/>
-        </a:xfrm>
-      </p:grpSpPr>
-      <p:sp>
-        <p:nvSpPr>
-          <p:cNvPr id="2" name="Tijdelijke aanduiding voor dia-afbeelding 1"/>
-          <p:cNvSpPr>
-            <a:spLocks noGrp="1" noRot="1" noChangeAspect="1"/>
-          </p:cNvSpPr>
-          <p:nvPr>
-            <p:ph type="sldImg"/>
-          </p:nvPr>
-        </p:nvSpPr>
-        <p:spPr/>
-      </p:sp>
-      <p:sp>
-        <p:nvSpPr>
-          <p:cNvPr id="3" name="Tijdelijke aanduiding voor notities 2"/>
-          <p:cNvSpPr>
-            <a:spLocks noGrp="1"/>
-          </p:cNvSpPr>
-          <p:nvPr>
-            <p:ph type="body" idx="1"/>
-          </p:nvPr>
-        </p:nvSpPr>
-        <p:spPr/>
-        <p:txBody>
-          <a:bodyPr>
-            <a:normAutofit/>
-          </a:bodyPr>
-          <a:lstStyle/>
-          <a:p>
-            <a:endParaRPr lang="nl-NL"/>
-          </a:p>
-        </p:txBody>
-      </p:sp>
-      <p:sp>
-        <p:nvSpPr>
-          <p:cNvPr id="4" name="Tijdelijke aanduiding voor dianummer 3"/>
-          <p:cNvSpPr>
-            <a:spLocks noGrp="1"/>
-          </p:cNvSpPr>
-          <p:nvPr>
-            <p:ph type="sldNum" sz="quarter" idx="10"/>
-          </p:nvPr>
-        </p:nvSpPr>
-        <p:spPr/>
-        <p:txBody>
-          <a:bodyPr/>
-          <a:lstStyle/>
-          <a:p>
-            <a:fld id="{DD9ECD2A-2AC8-46C2-8FC7-36BC96A5D084}" type="slidenum">
-              <a:rPr lang="nl-NL" smtClean="0"/>
-              <a:pPr/>
-              <a:t>28</a:t>
-            </a:fld>
-            <a:endParaRPr lang="nl-NL"/>
-          </a:p>
-        </p:txBody>
-      </p:sp>
-    </p:spTree>
-  </p:cSld>
-  <p:clrMapOvr>
-    <a:masterClrMapping/>
-  </p:clrMapOvr>
-</p:notes>
-</file>
-
-<file path=ppt/notesSlides/notesSlide29.xml><?xml version="1.0" encoding="utf-8"?>
-<p:notes xmlns:a="http://schemas.openxmlformats.org/drawingml/2006/main" xmlns:r="http://schemas.openxmlformats.org/officeDocument/2006/relationships" xmlns:p="http://schemas.openxmlformats.org/presentationml/2006/main">
-  <p:cSld>
-    <p:spTree>
-      <p:nvGrpSpPr>
-        <p:cNvPr id="1" name=""/>
-        <p:cNvGrpSpPr/>
-        <p:nvPr/>
-      </p:nvGrpSpPr>
-      <p:grpSpPr>
-        <a:xfrm>
-          <a:off x="0" y="0"/>
-          <a:ext cx="0" cy="0"/>
-          <a:chOff x="0" y="0"/>
-          <a:chExt cx="0" cy="0"/>
-        </a:xfrm>
-      </p:grpSpPr>
-      <p:sp>
-        <p:nvSpPr>
-          <p:cNvPr id="2" name="Tijdelijke aanduiding voor dia-afbeelding 1"/>
-          <p:cNvSpPr>
-            <a:spLocks noGrp="1" noRot="1" noChangeAspect="1"/>
-          </p:cNvSpPr>
-          <p:nvPr>
-            <p:ph type="sldImg"/>
-          </p:nvPr>
-        </p:nvSpPr>
-        <p:spPr/>
-      </p:sp>
-      <p:sp>
-        <p:nvSpPr>
-          <p:cNvPr id="3" name="Tijdelijke aanduiding voor notities 2"/>
-          <p:cNvSpPr>
-            <a:spLocks noGrp="1"/>
-          </p:cNvSpPr>
-          <p:nvPr>
-            <p:ph type="body" idx="1"/>
-          </p:nvPr>
-        </p:nvSpPr>
-        <p:spPr/>
-        <p:txBody>
-          <a:bodyPr>
-            <a:normAutofit/>
-          </a:bodyPr>
-          <a:lstStyle/>
-          <a:p>
-            <a:endParaRPr lang="nl-NL"/>
-          </a:p>
-        </p:txBody>
-      </p:sp>
-      <p:sp>
-        <p:nvSpPr>
-          <p:cNvPr id="4" name="Tijdelijke aanduiding voor dianummer 3"/>
-          <p:cNvSpPr>
-            <a:spLocks noGrp="1"/>
-          </p:cNvSpPr>
-          <p:nvPr>
-            <p:ph type="sldNum" sz="quarter" idx="10"/>
-          </p:nvPr>
-        </p:nvSpPr>
-        <p:spPr/>
-        <p:txBody>
-          <a:bodyPr/>
-          <a:lstStyle/>
-          <a:p>
-            <a:fld id="{DD9ECD2A-2AC8-46C2-8FC7-36BC96A5D084}" type="slidenum">
-              <a:rPr lang="nl-NL" smtClean="0"/>
-              <a:pPr/>
-              <a:t>29</a:t>
-            </a:fld>
-            <a:endParaRPr lang="nl-NL"/>
-          </a:p>
-        </p:txBody>
-      </p:sp>
-    </p:spTree>
-  </p:cSld>
-  <p:clrMapOvr>
-    <a:masterClrMapping/>
-  </p:clrMapOvr>
-</p:notes>
-</file>
-
 <file path=ppt/notesSlides/notesSlide3.xml><?xml version="1.0" encoding="utf-8"?>
 <p:notes xmlns:a="http://schemas.openxmlformats.org/drawingml/2006/main" xmlns:r="http://schemas.openxmlformats.org/officeDocument/2006/relationships" xmlns:p="http://schemas.openxmlformats.org/presentationml/2006/main">
   <p:cSld>
@@ -2372,498 +1868,6 @@
               <a:rPr lang="nl-NL" smtClean="0"/>
               <a:pPr/>
               <a:t>3</a:t>
-            </a:fld>
-            <a:endParaRPr lang="nl-NL"/>
-          </a:p>
-        </p:txBody>
-      </p:sp>
-    </p:spTree>
-  </p:cSld>
-  <p:clrMapOvr>
-    <a:masterClrMapping/>
-  </p:clrMapOvr>
-</p:notes>
-</file>
-
-<file path=ppt/notesSlides/notesSlide30.xml><?xml version="1.0" encoding="utf-8"?>
-<p:notes xmlns:a="http://schemas.openxmlformats.org/drawingml/2006/main" xmlns:r="http://schemas.openxmlformats.org/officeDocument/2006/relationships" xmlns:p="http://schemas.openxmlformats.org/presentationml/2006/main">
-  <p:cSld>
-    <p:spTree>
-      <p:nvGrpSpPr>
-        <p:cNvPr id="1" name=""/>
-        <p:cNvGrpSpPr/>
-        <p:nvPr/>
-      </p:nvGrpSpPr>
-      <p:grpSpPr>
-        <a:xfrm>
-          <a:off x="0" y="0"/>
-          <a:ext cx="0" cy="0"/>
-          <a:chOff x="0" y="0"/>
-          <a:chExt cx="0" cy="0"/>
-        </a:xfrm>
-      </p:grpSpPr>
-      <p:sp>
-        <p:nvSpPr>
-          <p:cNvPr id="2" name="Tijdelijke aanduiding voor dia-afbeelding 1"/>
-          <p:cNvSpPr>
-            <a:spLocks noGrp="1" noRot="1" noChangeAspect="1"/>
-          </p:cNvSpPr>
-          <p:nvPr>
-            <p:ph type="sldImg"/>
-          </p:nvPr>
-        </p:nvSpPr>
-        <p:spPr/>
-      </p:sp>
-      <p:sp>
-        <p:nvSpPr>
-          <p:cNvPr id="3" name="Tijdelijke aanduiding voor notities 2"/>
-          <p:cNvSpPr>
-            <a:spLocks noGrp="1"/>
-          </p:cNvSpPr>
-          <p:nvPr>
-            <p:ph type="body" idx="1"/>
-          </p:nvPr>
-        </p:nvSpPr>
-        <p:spPr/>
-        <p:txBody>
-          <a:bodyPr>
-            <a:normAutofit/>
-          </a:bodyPr>
-          <a:lstStyle/>
-          <a:p>
-            <a:endParaRPr lang="nl-NL"/>
-          </a:p>
-        </p:txBody>
-      </p:sp>
-      <p:sp>
-        <p:nvSpPr>
-          <p:cNvPr id="4" name="Tijdelijke aanduiding voor dianummer 3"/>
-          <p:cNvSpPr>
-            <a:spLocks noGrp="1"/>
-          </p:cNvSpPr>
-          <p:nvPr>
-            <p:ph type="sldNum" sz="quarter" idx="10"/>
-          </p:nvPr>
-        </p:nvSpPr>
-        <p:spPr/>
-        <p:txBody>
-          <a:bodyPr/>
-          <a:lstStyle/>
-          <a:p>
-            <a:fld id="{DD9ECD2A-2AC8-46C2-8FC7-36BC96A5D084}" type="slidenum">
-              <a:rPr lang="nl-NL" smtClean="0"/>
-              <a:pPr/>
-              <a:t>30</a:t>
-            </a:fld>
-            <a:endParaRPr lang="nl-NL"/>
-          </a:p>
-        </p:txBody>
-      </p:sp>
-    </p:spTree>
-  </p:cSld>
-  <p:clrMapOvr>
-    <a:masterClrMapping/>
-  </p:clrMapOvr>
-</p:notes>
-</file>
-
-<file path=ppt/notesSlides/notesSlide31.xml><?xml version="1.0" encoding="utf-8"?>
-<p:notes xmlns:a="http://schemas.openxmlformats.org/drawingml/2006/main" xmlns:r="http://schemas.openxmlformats.org/officeDocument/2006/relationships" xmlns:p="http://schemas.openxmlformats.org/presentationml/2006/main">
-  <p:cSld>
-    <p:spTree>
-      <p:nvGrpSpPr>
-        <p:cNvPr id="1" name=""/>
-        <p:cNvGrpSpPr/>
-        <p:nvPr/>
-      </p:nvGrpSpPr>
-      <p:grpSpPr>
-        <a:xfrm>
-          <a:off x="0" y="0"/>
-          <a:ext cx="0" cy="0"/>
-          <a:chOff x="0" y="0"/>
-          <a:chExt cx="0" cy="0"/>
-        </a:xfrm>
-      </p:grpSpPr>
-      <p:sp>
-        <p:nvSpPr>
-          <p:cNvPr id="2" name="Tijdelijke aanduiding voor dia-afbeelding 1"/>
-          <p:cNvSpPr>
-            <a:spLocks noGrp="1" noRot="1" noChangeAspect="1"/>
-          </p:cNvSpPr>
-          <p:nvPr>
-            <p:ph type="sldImg"/>
-          </p:nvPr>
-        </p:nvSpPr>
-        <p:spPr/>
-      </p:sp>
-      <p:sp>
-        <p:nvSpPr>
-          <p:cNvPr id="3" name="Tijdelijke aanduiding voor notities 2"/>
-          <p:cNvSpPr>
-            <a:spLocks noGrp="1"/>
-          </p:cNvSpPr>
-          <p:nvPr>
-            <p:ph type="body" idx="1"/>
-          </p:nvPr>
-        </p:nvSpPr>
-        <p:spPr/>
-        <p:txBody>
-          <a:bodyPr>
-            <a:normAutofit/>
-          </a:bodyPr>
-          <a:lstStyle/>
-          <a:p>
-            <a:endParaRPr lang="nl-NL"/>
-          </a:p>
-        </p:txBody>
-      </p:sp>
-      <p:sp>
-        <p:nvSpPr>
-          <p:cNvPr id="4" name="Tijdelijke aanduiding voor dianummer 3"/>
-          <p:cNvSpPr>
-            <a:spLocks noGrp="1"/>
-          </p:cNvSpPr>
-          <p:nvPr>
-            <p:ph type="sldNum" sz="quarter" idx="10"/>
-          </p:nvPr>
-        </p:nvSpPr>
-        <p:spPr/>
-        <p:txBody>
-          <a:bodyPr/>
-          <a:lstStyle/>
-          <a:p>
-            <a:fld id="{DD9ECD2A-2AC8-46C2-8FC7-36BC96A5D084}" type="slidenum">
-              <a:rPr lang="nl-NL" smtClean="0"/>
-              <a:pPr/>
-              <a:t>31</a:t>
-            </a:fld>
-            <a:endParaRPr lang="nl-NL"/>
-          </a:p>
-        </p:txBody>
-      </p:sp>
-    </p:spTree>
-  </p:cSld>
-  <p:clrMapOvr>
-    <a:masterClrMapping/>
-  </p:clrMapOvr>
-</p:notes>
-</file>
-
-<file path=ppt/notesSlides/notesSlide32.xml><?xml version="1.0" encoding="utf-8"?>
-<p:notes xmlns:a="http://schemas.openxmlformats.org/drawingml/2006/main" xmlns:r="http://schemas.openxmlformats.org/officeDocument/2006/relationships" xmlns:p="http://schemas.openxmlformats.org/presentationml/2006/main">
-  <p:cSld>
-    <p:spTree>
-      <p:nvGrpSpPr>
-        <p:cNvPr id="1" name=""/>
-        <p:cNvGrpSpPr/>
-        <p:nvPr/>
-      </p:nvGrpSpPr>
-      <p:grpSpPr>
-        <a:xfrm>
-          <a:off x="0" y="0"/>
-          <a:ext cx="0" cy="0"/>
-          <a:chOff x="0" y="0"/>
-          <a:chExt cx="0" cy="0"/>
-        </a:xfrm>
-      </p:grpSpPr>
-      <p:sp>
-        <p:nvSpPr>
-          <p:cNvPr id="2" name="Tijdelijke aanduiding voor dia-afbeelding 1"/>
-          <p:cNvSpPr>
-            <a:spLocks noGrp="1" noRot="1" noChangeAspect="1"/>
-          </p:cNvSpPr>
-          <p:nvPr>
-            <p:ph type="sldImg"/>
-          </p:nvPr>
-        </p:nvSpPr>
-        <p:spPr/>
-      </p:sp>
-      <p:sp>
-        <p:nvSpPr>
-          <p:cNvPr id="3" name="Tijdelijke aanduiding voor notities 2"/>
-          <p:cNvSpPr>
-            <a:spLocks noGrp="1"/>
-          </p:cNvSpPr>
-          <p:nvPr>
-            <p:ph type="body" idx="1"/>
-          </p:nvPr>
-        </p:nvSpPr>
-        <p:spPr/>
-        <p:txBody>
-          <a:bodyPr>
-            <a:normAutofit/>
-          </a:bodyPr>
-          <a:lstStyle/>
-          <a:p>
-            <a:endParaRPr lang="nl-NL"/>
-          </a:p>
-        </p:txBody>
-      </p:sp>
-      <p:sp>
-        <p:nvSpPr>
-          <p:cNvPr id="4" name="Tijdelijke aanduiding voor dianummer 3"/>
-          <p:cNvSpPr>
-            <a:spLocks noGrp="1"/>
-          </p:cNvSpPr>
-          <p:nvPr>
-            <p:ph type="sldNum" sz="quarter" idx="10"/>
-          </p:nvPr>
-        </p:nvSpPr>
-        <p:spPr/>
-        <p:txBody>
-          <a:bodyPr/>
-          <a:lstStyle/>
-          <a:p>
-            <a:fld id="{DD9ECD2A-2AC8-46C2-8FC7-36BC96A5D084}" type="slidenum">
-              <a:rPr lang="nl-NL" smtClean="0"/>
-              <a:pPr/>
-              <a:t>32</a:t>
-            </a:fld>
-            <a:endParaRPr lang="nl-NL"/>
-          </a:p>
-        </p:txBody>
-      </p:sp>
-    </p:spTree>
-  </p:cSld>
-  <p:clrMapOvr>
-    <a:masterClrMapping/>
-  </p:clrMapOvr>
-</p:notes>
-</file>
-
-<file path=ppt/notesSlides/notesSlide33.xml><?xml version="1.0" encoding="utf-8"?>
-<p:notes xmlns:a="http://schemas.openxmlformats.org/drawingml/2006/main" xmlns:r="http://schemas.openxmlformats.org/officeDocument/2006/relationships" xmlns:p="http://schemas.openxmlformats.org/presentationml/2006/main">
-  <p:cSld>
-    <p:spTree>
-      <p:nvGrpSpPr>
-        <p:cNvPr id="1" name=""/>
-        <p:cNvGrpSpPr/>
-        <p:nvPr/>
-      </p:nvGrpSpPr>
-      <p:grpSpPr>
-        <a:xfrm>
-          <a:off x="0" y="0"/>
-          <a:ext cx="0" cy="0"/>
-          <a:chOff x="0" y="0"/>
-          <a:chExt cx="0" cy="0"/>
-        </a:xfrm>
-      </p:grpSpPr>
-      <p:sp>
-        <p:nvSpPr>
-          <p:cNvPr id="2" name="Tijdelijke aanduiding voor dia-afbeelding 1"/>
-          <p:cNvSpPr>
-            <a:spLocks noGrp="1" noRot="1" noChangeAspect="1"/>
-          </p:cNvSpPr>
-          <p:nvPr>
-            <p:ph type="sldImg"/>
-          </p:nvPr>
-        </p:nvSpPr>
-        <p:spPr/>
-      </p:sp>
-      <p:sp>
-        <p:nvSpPr>
-          <p:cNvPr id="3" name="Tijdelijke aanduiding voor notities 2"/>
-          <p:cNvSpPr>
-            <a:spLocks noGrp="1"/>
-          </p:cNvSpPr>
-          <p:nvPr>
-            <p:ph type="body" idx="1"/>
-          </p:nvPr>
-        </p:nvSpPr>
-        <p:spPr/>
-        <p:txBody>
-          <a:bodyPr>
-            <a:normAutofit/>
-          </a:bodyPr>
-          <a:lstStyle/>
-          <a:p>
-            <a:endParaRPr lang="nl-NL"/>
-          </a:p>
-        </p:txBody>
-      </p:sp>
-      <p:sp>
-        <p:nvSpPr>
-          <p:cNvPr id="4" name="Tijdelijke aanduiding voor dianummer 3"/>
-          <p:cNvSpPr>
-            <a:spLocks noGrp="1"/>
-          </p:cNvSpPr>
-          <p:nvPr>
-            <p:ph type="sldNum" sz="quarter" idx="10"/>
-          </p:nvPr>
-        </p:nvSpPr>
-        <p:spPr/>
-        <p:txBody>
-          <a:bodyPr/>
-          <a:lstStyle/>
-          <a:p>
-            <a:fld id="{DD9ECD2A-2AC8-46C2-8FC7-36BC96A5D084}" type="slidenum">
-              <a:rPr lang="nl-NL" smtClean="0"/>
-              <a:pPr/>
-              <a:t>33</a:t>
-            </a:fld>
-            <a:endParaRPr lang="nl-NL"/>
-          </a:p>
-        </p:txBody>
-      </p:sp>
-    </p:spTree>
-  </p:cSld>
-  <p:clrMapOvr>
-    <a:masterClrMapping/>
-  </p:clrMapOvr>
-</p:notes>
-</file>
-
-<file path=ppt/notesSlides/notesSlide34.xml><?xml version="1.0" encoding="utf-8"?>
-<p:notes xmlns:a="http://schemas.openxmlformats.org/drawingml/2006/main" xmlns:r="http://schemas.openxmlformats.org/officeDocument/2006/relationships" xmlns:p="http://schemas.openxmlformats.org/presentationml/2006/main">
-  <p:cSld>
-    <p:spTree>
-      <p:nvGrpSpPr>
-        <p:cNvPr id="1" name=""/>
-        <p:cNvGrpSpPr/>
-        <p:nvPr/>
-      </p:nvGrpSpPr>
-      <p:grpSpPr>
-        <a:xfrm>
-          <a:off x="0" y="0"/>
-          <a:ext cx="0" cy="0"/>
-          <a:chOff x="0" y="0"/>
-          <a:chExt cx="0" cy="0"/>
-        </a:xfrm>
-      </p:grpSpPr>
-      <p:sp>
-        <p:nvSpPr>
-          <p:cNvPr id="2" name="Tijdelijke aanduiding voor dia-afbeelding 1"/>
-          <p:cNvSpPr>
-            <a:spLocks noGrp="1" noRot="1" noChangeAspect="1"/>
-          </p:cNvSpPr>
-          <p:nvPr>
-            <p:ph type="sldImg"/>
-          </p:nvPr>
-        </p:nvSpPr>
-        <p:spPr/>
-      </p:sp>
-      <p:sp>
-        <p:nvSpPr>
-          <p:cNvPr id="3" name="Tijdelijke aanduiding voor notities 2"/>
-          <p:cNvSpPr>
-            <a:spLocks noGrp="1"/>
-          </p:cNvSpPr>
-          <p:nvPr>
-            <p:ph type="body" idx="1"/>
-          </p:nvPr>
-        </p:nvSpPr>
-        <p:spPr/>
-        <p:txBody>
-          <a:bodyPr>
-            <a:normAutofit/>
-          </a:bodyPr>
-          <a:lstStyle/>
-          <a:p>
-            <a:endParaRPr lang="nl-NL"/>
-          </a:p>
-        </p:txBody>
-      </p:sp>
-      <p:sp>
-        <p:nvSpPr>
-          <p:cNvPr id="4" name="Tijdelijke aanduiding voor dianummer 3"/>
-          <p:cNvSpPr>
-            <a:spLocks noGrp="1"/>
-          </p:cNvSpPr>
-          <p:nvPr>
-            <p:ph type="sldNum" sz="quarter" idx="10"/>
-          </p:nvPr>
-        </p:nvSpPr>
-        <p:spPr/>
-        <p:txBody>
-          <a:bodyPr/>
-          <a:lstStyle/>
-          <a:p>
-            <a:fld id="{DD9ECD2A-2AC8-46C2-8FC7-36BC96A5D084}" type="slidenum">
-              <a:rPr lang="nl-NL" smtClean="0"/>
-              <a:pPr/>
-              <a:t>34</a:t>
-            </a:fld>
-            <a:endParaRPr lang="nl-NL"/>
-          </a:p>
-        </p:txBody>
-      </p:sp>
-    </p:spTree>
-  </p:cSld>
-  <p:clrMapOvr>
-    <a:masterClrMapping/>
-  </p:clrMapOvr>
-</p:notes>
-</file>
-
-<file path=ppt/notesSlides/notesSlide35.xml><?xml version="1.0" encoding="utf-8"?>
-<p:notes xmlns:a="http://schemas.openxmlformats.org/drawingml/2006/main" xmlns:r="http://schemas.openxmlformats.org/officeDocument/2006/relationships" xmlns:p="http://schemas.openxmlformats.org/presentationml/2006/main">
-  <p:cSld>
-    <p:spTree>
-      <p:nvGrpSpPr>
-        <p:cNvPr id="1" name=""/>
-        <p:cNvGrpSpPr/>
-        <p:nvPr/>
-      </p:nvGrpSpPr>
-      <p:grpSpPr>
-        <a:xfrm>
-          <a:off x="0" y="0"/>
-          <a:ext cx="0" cy="0"/>
-          <a:chOff x="0" y="0"/>
-          <a:chExt cx="0" cy="0"/>
-        </a:xfrm>
-      </p:grpSpPr>
-      <p:sp>
-        <p:nvSpPr>
-          <p:cNvPr id="2" name="Tijdelijke aanduiding voor dia-afbeelding 1"/>
-          <p:cNvSpPr>
-            <a:spLocks noGrp="1" noRot="1" noChangeAspect="1"/>
-          </p:cNvSpPr>
-          <p:nvPr>
-            <p:ph type="sldImg"/>
-          </p:nvPr>
-        </p:nvSpPr>
-        <p:spPr/>
-      </p:sp>
-      <p:sp>
-        <p:nvSpPr>
-          <p:cNvPr id="3" name="Tijdelijke aanduiding voor notities 2"/>
-          <p:cNvSpPr>
-            <a:spLocks noGrp="1"/>
-          </p:cNvSpPr>
-          <p:nvPr>
-            <p:ph type="body" idx="1"/>
-          </p:nvPr>
-        </p:nvSpPr>
-        <p:spPr/>
-        <p:txBody>
-          <a:bodyPr>
-            <a:normAutofit/>
-          </a:bodyPr>
-          <a:lstStyle/>
-          <a:p>
-            <a:endParaRPr lang="nl-NL"/>
-          </a:p>
-        </p:txBody>
-      </p:sp>
-      <p:sp>
-        <p:nvSpPr>
-          <p:cNvPr id="4" name="Tijdelijke aanduiding voor dianummer 3"/>
-          <p:cNvSpPr>
-            <a:spLocks noGrp="1"/>
-          </p:cNvSpPr>
-          <p:nvPr>
-            <p:ph type="sldNum" sz="quarter" idx="10"/>
-          </p:nvPr>
-        </p:nvSpPr>
-        <p:spPr/>
-        <p:txBody>
-          <a:bodyPr/>
-          <a:lstStyle/>
-          <a:p>
-            <a:fld id="{DD9ECD2A-2AC8-46C2-8FC7-36BC96A5D084}" type="slidenum">
-              <a:rPr lang="nl-NL" smtClean="0"/>
-              <a:pPr/>
-              <a:t>35</a:t>
             </a:fld>
             <a:endParaRPr lang="nl-NL"/>
           </a:p>
@@ -3542,7 +2546,7 @@
           </a:lstStyle>
           <a:p>
             <a:r>
-              <a:rPr lang="nl-NL" dirty="0" smtClean="0"/>
+              <a:rPr lang="nl-NL" smtClean="0"/>
               <a:t>Klik om het opmaakprofiel van de modelondertitel te bewerken</a:t>
             </a:r>
             <a:endParaRPr lang="nl-NL" dirty="0"/>
@@ -3663,6 +2667,10 @@
             </a:lvl9pPr>
           </a:lstStyle>
           <a:p>
+            <a:r>
+              <a:rPr lang="nl-NL" smtClean="0"/>
+              <a:t>Klik op het pictogram als u een afbeelding wilt toevoegen</a:t>
+            </a:r>
             <a:endParaRPr lang="nl-NL"/>
           </a:p>
         </p:txBody>
@@ -4010,6 +3018,77 @@
               <a:pPr/>
               <a:t>‹nr.›</a:t>
             </a:fld>
+            <a:endParaRPr lang="nl-NL"/>
+          </a:p>
+        </p:txBody>
+      </p:sp>
+    </p:spTree>
+  </p:cSld>
+  <p:clrMapOvr>
+    <a:masterClrMapping/>
+  </p:clrMapOvr>
+</p:sldLayout>
+</file>
+
+<file path=ppt/slideLayouts/slideLayout13.xml><?xml version="1.0" encoding="utf-8"?>
+<p:sldLayout xmlns:a="http://schemas.openxmlformats.org/drawingml/2006/main" xmlns:r="http://schemas.openxmlformats.org/officeDocument/2006/relationships" xmlns:p="http://schemas.openxmlformats.org/presentationml/2006/main" showMasterSp="0" preserve="1" userDrawn="1">
+  <p:cSld name="1_Scheidingsblad">
+    <p:bg>
+      <p:bgPr>
+        <a:solidFill>
+          <a:srgbClr val="00CC66"/>
+        </a:solidFill>
+        <a:effectLst/>
+      </p:bgPr>
+    </p:bg>
+    <p:spTree>
+      <p:nvGrpSpPr>
+        <p:cNvPr id="1" name=""/>
+        <p:cNvGrpSpPr/>
+        <p:nvPr/>
+      </p:nvGrpSpPr>
+      <p:grpSpPr>
+        <a:xfrm>
+          <a:off x="0" y="0"/>
+          <a:ext cx="0" cy="0"/>
+          <a:chOff x="0" y="0"/>
+          <a:chExt cx="0" cy="0"/>
+        </a:xfrm>
+      </p:grpSpPr>
+      <p:sp>
+        <p:nvSpPr>
+          <p:cNvPr id="2" name="Titel 1"/>
+          <p:cNvSpPr>
+            <a:spLocks noGrp="1"/>
+          </p:cNvSpPr>
+          <p:nvPr>
+            <p:ph type="title"/>
+          </p:nvPr>
+        </p:nvSpPr>
+        <p:spPr>
+          <a:xfrm>
+            <a:off x="467544" y="2139702"/>
+            <a:ext cx="8229600" cy="857250"/>
+          </a:xfrm>
+        </p:spPr>
+        <p:txBody>
+          <a:bodyPr>
+            <a:noAutofit/>
+          </a:bodyPr>
+          <a:lstStyle>
+            <a:lvl1pPr>
+              <a:defRPr sz="7200">
+                <a:solidFill>
+                  <a:schemeClr val="bg1"/>
+                </a:solidFill>
+              </a:defRPr>
+            </a:lvl1pPr>
+          </a:lstStyle>
+          <a:p>
+            <a:r>
+              <a:rPr lang="nl-NL" smtClean="0"/>
+              <a:t>Klik om de stijl te bewerken</a:t>
+            </a:r>
             <a:endParaRPr lang="nl-NL"/>
           </a:p>
         </p:txBody>
@@ -5094,7 +4173,7 @@
 </file>
 
 <file path=ppt/slideLayouts/slideLayout8.xml><?xml version="1.0" encoding="utf-8"?>
-<p:sldLayout xmlns:a="http://schemas.openxmlformats.org/drawingml/2006/main" xmlns:r="http://schemas.openxmlformats.org/officeDocument/2006/relationships" xmlns:p="http://schemas.openxmlformats.org/presentationml/2006/main" showMasterSp="0" preserve="1" userDrawn="1">
+<p:sldLayout xmlns:a="http://schemas.openxmlformats.org/drawingml/2006/main" xmlns:r="http://schemas.openxmlformats.org/officeDocument/2006/relationships" xmlns:p="http://schemas.openxmlformats.org/presentationml/2006/main" showMasterSp="0" preserve="1">
   <p:cSld name="Scheidingsblad">
     <p:bg>
       <p:bgPr>
@@ -5558,7 +4637,7 @@
         <p:nvSpPr>
           <p:cNvPr id="9" name="Tekstvak 8"/>
           <p:cNvSpPr txBox="1"/>
-          <p:nvPr userDrawn="1"/>
+          <p:nvPr/>
         </p:nvSpPr>
         <p:spPr>
           <a:xfrm>
@@ -5598,14 +4677,14 @@
       </p:sp>
       <p:pic>
         <p:nvPicPr>
-          <p:cNvPr id="8" name="Picture 2" descr="C:\Users\M5810video\Documents\Weekendschool\Pi And More\piandmore-big.png"/>
+          <p:cNvPr id="1026" name="Picture 2" descr="Y:\GitHub\scratchClient-Tutorials\scratchClientExtension\Icons\Logo-name256.png"/>
           <p:cNvPicPr>
             <a:picLocks noChangeAspect="1" noChangeArrowheads="1"/>
           </p:cNvPicPr>
-          <p:nvPr userDrawn="1"/>
+          <p:nvPr/>
         </p:nvPicPr>
         <p:blipFill>
-          <a:blip r:embed="rId14" cstate="print"/>
+          <a:blip r:embed="rId15" cstate="print"/>
           <a:srcRect/>
           <a:stretch>
             <a:fillRect/>
@@ -5613,8 +4692,8 @@
         </p:blipFill>
         <p:spPr bwMode="auto">
           <a:xfrm>
-            <a:off x="7089678" y="4682429"/>
-            <a:ext cx="794690" cy="409601"/>
+            <a:off x="8526446" y="14858"/>
+            <a:ext cx="611204" cy="699542"/>
           </a:xfrm>
           <a:prstGeom prst="rect">
             <a:avLst/>
@@ -5622,22 +4701,65 @@
           <a:noFill/>
         </p:spPr>
       </p:pic>
+      <p:sp>
+        <p:nvSpPr>
+          <p:cNvPr id="7" name="Tekstvak 6"/>
+          <p:cNvSpPr txBox="1"/>
+          <p:nvPr userDrawn="1"/>
+        </p:nvSpPr>
+        <p:spPr>
+          <a:xfrm>
+            <a:off x="0" y="4712613"/>
+            <a:ext cx="2051720" cy="261610"/>
+          </a:xfrm>
+          <a:prstGeom prst="rect">
+            <a:avLst/>
+          </a:prstGeom>
+          <a:noFill/>
+        </p:spPr>
+        <p:txBody>
+          <a:bodyPr wrap="square" rtlCol="0">
+            <a:spAutoFit/>
+          </a:bodyPr>
+          <a:lstStyle/>
+          <a:p>
+            <a:r>
+              <a:rPr lang="en-US" sz="1100" dirty="0" smtClean="0"/>
+              <a:t>Hans de </a:t>
+            </a:r>
+            <a:r>
+              <a:rPr lang="en-US" sz="1100" dirty="0" err="1" smtClean="0"/>
+              <a:t>Jong</a:t>
+            </a:r>
+            <a:r>
+              <a:rPr lang="en-US" sz="1100" dirty="0" smtClean="0"/>
+              <a:t> / Gerhard </a:t>
+            </a:r>
+            <a:r>
+              <a:rPr lang="en-US" sz="1100" dirty="0" err="1" smtClean="0"/>
+              <a:t>Hepp</a:t>
+            </a:r>
+            <a:endParaRPr lang="nl-NL" sz="1100" dirty="0"/>
+          </a:p>
+        </p:txBody>
+      </p:sp>
     </p:spTree>
   </p:cSld>
   <p:clrMap bg1="lt1" tx1="dk1" bg2="lt2" tx2="dk2" accent1="accent1" accent2="accent2" accent3="accent3" accent4="accent4" accent5="accent5" accent6="accent6" hlink="hlink" folHlink="folHlink"/>
   <p:sldLayoutIdLst>
-    <p:sldLayoutId id="2147483673" r:id="rId1"/>
-    <p:sldLayoutId id="2147483674" r:id="rId2"/>
-    <p:sldLayoutId id="2147483675" r:id="rId3"/>
-    <p:sldLayoutId id="2147483676" r:id="rId4"/>
-    <p:sldLayoutId id="2147483677" r:id="rId5"/>
-    <p:sldLayoutId id="2147483678" r:id="rId6"/>
-    <p:sldLayoutId id="2147483679" r:id="rId7"/>
-    <p:sldLayoutId id="2147483684" r:id="rId8"/>
-    <p:sldLayoutId id="2147483680" r:id="rId9"/>
-    <p:sldLayoutId id="2147483681" r:id="rId10"/>
-    <p:sldLayoutId id="2147483682" r:id="rId11"/>
-    <p:sldLayoutId id="2147483683" r:id="rId12"/>
+    <p:sldLayoutId id="2147483686" r:id="rId1"/>
+    <p:sldLayoutId id="2147483687" r:id="rId2"/>
+    <p:sldLayoutId id="2147483688" r:id="rId3"/>
+    <p:sldLayoutId id="2147483689" r:id="rId4"/>
+    <p:sldLayoutId id="2147483690" r:id="rId5"/>
+    <p:sldLayoutId id="2147483691" r:id="rId6"/>
+    <p:sldLayoutId id="2147483692" r:id="rId7"/>
+    <p:sldLayoutId id="2147483693" r:id="rId8"/>
+    <p:sldLayoutId id="2147483694" r:id="rId9"/>
+    <p:sldLayoutId id="2147483695" r:id="rId10"/>
+    <p:sldLayoutId id="2147483696" r:id="rId11"/>
+    <p:sldLayoutId id="2147483697" r:id="rId12"/>
+    <p:sldLayoutId id="2147483684" r:id="rId13"/>
   </p:sldLayoutIdLst>
   <p:hf hdr="0" ftr="0" dt="0"/>
   <p:txStyles>
@@ -6136,7 +5258,15 @@
                   <a:schemeClr val="bg1"/>
                 </a:solidFill>
               </a:rPr>
-              <a:t>Stuttgart – 24 February 2017 </a:t>
+              <a:t>Stuttgart – 24 February </a:t>
+            </a:r>
+            <a:r>
+              <a:rPr lang="en-US" dirty="0" smtClean="0">
+                <a:solidFill>
+                  <a:schemeClr val="bg1"/>
+                </a:solidFill>
+              </a:rPr>
+              <a:t>2018 </a:t>
             </a:r>
             <a:endParaRPr lang="nl-NL" dirty="0">
               <a:solidFill>
@@ -6202,6 +5332,30 @@
           </a:p>
         </p:txBody>
       </p:sp>
+      <p:sp>
+        <p:nvSpPr>
+          <p:cNvPr id="5" name="Tijdelijke aanduiding voor dianummer 4"/>
+          <p:cNvSpPr>
+            <a:spLocks noGrp="1"/>
+          </p:cNvSpPr>
+          <p:nvPr>
+            <p:ph type="sldNum" sz="quarter" idx="12"/>
+          </p:nvPr>
+        </p:nvSpPr>
+        <p:spPr/>
+        <p:txBody>
+          <a:bodyPr/>
+          <a:lstStyle/>
+          <a:p>
+            <a:fld id="{6802DAD7-DC19-4A9E-93C3-E71314786426}" type="slidenum">
+              <a:rPr lang="nl-NL" smtClean="0"/>
+              <a:pPr/>
+              <a:t>10</a:t>
+            </a:fld>
+            <a:endParaRPr lang="nl-NL" dirty="0"/>
+          </a:p>
+        </p:txBody>
+      </p:sp>
       <p:pic>
         <p:nvPicPr>
           <p:cNvPr id="8195" name="Picture 3" descr="C:\Users\M5810video\Documents\Weekendschool\Github\Old\pwm.gif"/>
@@ -6278,30 +5432,6 @@
               <a:rPr lang="en-US" dirty="0" smtClean="0"/>
               <a:t>However, no human eye can see more than 100 blinks / second.</a:t>
             </a:r>
-            <a:endParaRPr lang="nl-NL" dirty="0"/>
-          </a:p>
-        </p:txBody>
-      </p:sp>
-      <p:sp>
-        <p:nvSpPr>
-          <p:cNvPr id="5" name="Tijdelijke aanduiding voor dianummer 4"/>
-          <p:cNvSpPr>
-            <a:spLocks noGrp="1"/>
-          </p:cNvSpPr>
-          <p:nvPr>
-            <p:ph type="sldNum" sz="quarter" idx="12"/>
-          </p:nvPr>
-        </p:nvSpPr>
-        <p:spPr/>
-        <p:txBody>
-          <a:bodyPr/>
-          <a:lstStyle/>
-          <a:p>
-            <a:fld id="{6802DAD7-DC19-4A9E-93C3-E71314786426}" type="slidenum">
-              <a:rPr lang="nl-NL" smtClean="0"/>
-              <a:pPr/>
-              <a:t>10</a:t>
-            </a:fld>
             <a:endParaRPr lang="nl-NL" dirty="0"/>
           </a:p>
         </p:txBody>
@@ -7217,7 +6347,7 @@
         <p:spPr/>
         <p:txBody>
           <a:bodyPr>
-            <a:normAutofit lnSpcReduction="10000"/>
+            <a:normAutofit/>
           </a:bodyPr>
           <a:lstStyle/>
           <a:p>
@@ -7274,27 +6404,22 @@
             </a:r>
             <a:r>
               <a:rPr lang="en-US" dirty="0" smtClean="0"/>
-              <a:t>values between 0 and 255</a:t>
-            </a:r>
-          </a:p>
-          <a:p>
-            <a:pPr lvl="1"/>
-            <a:r>
-              <a:rPr lang="en-US" dirty="0" smtClean="0"/>
-              <a:t>You can use the slider on the displayed variable for values between 0 and 100</a:t>
-            </a:r>
-          </a:p>
-          <a:p>
-            <a:pPr lvl="1"/>
-            <a:r>
-              <a:rPr lang="en-US" dirty="0" smtClean="0"/>
-              <a:t>For values above 100 we will use a program, see next slide</a:t>
-            </a:r>
-          </a:p>
-          <a:p>
-            <a:r>
-              <a:rPr lang="en-US" dirty="0" smtClean="0"/>
-              <a:t>Does the LED brightness change?</a:t>
+              <a:t>values between 0 and </a:t>
+            </a:r>
+            <a:r>
+              <a:rPr lang="en-US" dirty="0" smtClean="0"/>
+              <a:t>255</a:t>
+            </a:r>
+            <a:endParaRPr lang="en-US" dirty="0" smtClean="0"/>
+          </a:p>
+          <a:p>
+            <a:r>
+              <a:rPr lang="en-US" dirty="0" smtClean="0"/>
+              <a:t>Does </a:t>
+            </a:r>
+            <a:r>
+              <a:rPr lang="en-US" dirty="0" smtClean="0"/>
+              <a:t>the LED brightness change?</a:t>
             </a:r>
             <a:endParaRPr lang="nl-NL" dirty="0"/>
           </a:p>
@@ -7406,7 +6531,15 @@
           <a:p>
             <a:r>
               <a:rPr lang="en-US" dirty="0" smtClean="0"/>
-              <a:t>Make some code that takes the potentiometer reading (between 0 and 1024) and transforms it into the range 0 to 255 (so divide by 4) and set the value of </a:t>
+              <a:t>Make some code that takes the potentiometer reading (between 0 and </a:t>
+            </a:r>
+            <a:r>
+              <a:rPr lang="en-US" dirty="0" smtClean="0"/>
+              <a:t>1023) </a:t>
+            </a:r>
+            <a:r>
+              <a:rPr lang="en-US" dirty="0" smtClean="0"/>
+              <a:t>and transforms it into the range 0 to 255 (so divide by 4) and set the value of </a:t>
             </a:r>
             <a:r>
               <a:rPr lang="en-US" i="1" dirty="0" err="1" smtClean="0"/>
@@ -7600,6 +6733,30 @@
           </a:p>
         </p:txBody>
       </p:sp>
+      <p:sp>
+        <p:nvSpPr>
+          <p:cNvPr id="5" name="Tijdelijke aanduiding voor dianummer 4"/>
+          <p:cNvSpPr>
+            <a:spLocks noGrp="1"/>
+          </p:cNvSpPr>
+          <p:nvPr>
+            <p:ph type="sldNum" sz="quarter" idx="12"/>
+          </p:nvPr>
+        </p:nvSpPr>
+        <p:spPr/>
+        <p:txBody>
+          <a:bodyPr/>
+          <a:lstStyle/>
+          <a:p>
+            <a:fld id="{6802DAD7-DC19-4A9E-93C3-E71314786426}" type="slidenum">
+              <a:rPr lang="nl-NL" smtClean="0"/>
+              <a:pPr/>
+              <a:t>14</a:t>
+            </a:fld>
+            <a:endParaRPr lang="nl-NL" dirty="0"/>
+          </a:p>
+        </p:txBody>
+      </p:sp>
       <p:pic>
         <p:nvPicPr>
           <p:cNvPr id="7170" name="Picture 2" descr="C:\Users\M5810video\Documents\Weekendschool\Github\Old\pwm.png"/>
@@ -7626,30 +6783,6 @@
           <a:noFill/>
         </p:spPr>
       </p:pic>
-      <p:sp>
-        <p:nvSpPr>
-          <p:cNvPr id="5" name="Tijdelijke aanduiding voor dianummer 4"/>
-          <p:cNvSpPr>
-            <a:spLocks noGrp="1"/>
-          </p:cNvSpPr>
-          <p:nvPr>
-            <p:ph type="sldNum" sz="quarter" idx="12"/>
-          </p:nvPr>
-        </p:nvSpPr>
-        <p:spPr/>
-        <p:txBody>
-          <a:bodyPr/>
-          <a:lstStyle/>
-          <a:p>
-            <a:fld id="{6802DAD7-DC19-4A9E-93C3-E71314786426}" type="slidenum">
-              <a:rPr lang="nl-NL" smtClean="0"/>
-              <a:pPr/>
-              <a:t>14</a:t>
-            </a:fld>
-            <a:endParaRPr lang="nl-NL" dirty="0"/>
-          </a:p>
-        </p:txBody>
-      </p:sp>
     </p:spTree>
   </p:cSld>
   <p:clrMapOvr>
@@ -8425,7 +7558,7 @@
         </p:nvSpPr>
         <p:spPr>
           <a:xfrm rot="10800000">
-            <a:off x="7650416" y="2859782"/>
+            <a:off x="7609036" y="2859782"/>
             <a:ext cx="360040" cy="504056"/>
           </a:xfrm>
           <a:prstGeom prst="upArrow">
@@ -8468,7 +7601,7 @@
         </p:nvSpPr>
         <p:spPr>
           <a:xfrm>
-            <a:off x="7650416" y="3723878"/>
+            <a:off x="7609036" y="3723878"/>
             <a:ext cx="360040" cy="504056"/>
           </a:xfrm>
           <a:prstGeom prst="upArrow">
@@ -8628,7 +7761,7 @@
         <p:spPr/>
         <p:txBody>
           <a:bodyPr>
-            <a:normAutofit fontScale="77500" lnSpcReduction="20000"/>
+            <a:normAutofit lnSpcReduction="10000"/>
           </a:bodyPr>
           <a:lstStyle/>
           <a:p>
@@ -8640,42 +7773,11 @@
           <a:p>
             <a:r>
               <a:rPr lang="en-US" dirty="0" smtClean="0"/>
-              <a:t>In Scratch, create a variable </a:t>
-            </a:r>
-            <a:r>
-              <a:rPr lang="en-US" i="1" dirty="0" smtClean="0"/>
-              <a:t>Servo1 </a:t>
-            </a:r>
-            <a:r>
-              <a:rPr lang="en-US" dirty="0" smtClean="0"/>
-              <a:t>and make it visible.</a:t>
-            </a:r>
-            <a:endParaRPr lang="en-US" i="1" dirty="0" smtClean="0"/>
-          </a:p>
-          <a:p>
-            <a:r>
-              <a:rPr lang="en-US" dirty="0" smtClean="0"/>
-              <a:t>Try out giving it values between 0 and 100 via the slider on the variable.</a:t>
-            </a:r>
-          </a:p>
-          <a:p>
-            <a:pPr lvl="1"/>
-            <a:r>
-              <a:rPr lang="en-US" dirty="0" smtClean="0"/>
-              <a:t>The servo can handle values between 0 and 180</a:t>
-            </a:r>
-          </a:p>
-          <a:p>
-            <a:pPr lvl="1"/>
-            <a:r>
-              <a:rPr lang="en-US" dirty="0" smtClean="0"/>
-              <a:t>Does it move?</a:t>
-            </a:r>
-          </a:p>
-          <a:p>
-            <a:r>
-              <a:rPr lang="en-US" dirty="0" smtClean="0"/>
-              <a:t>Update the loop where you set the </a:t>
+              <a:t>Update </a:t>
+            </a:r>
+            <a:r>
+              <a:rPr lang="en-US" dirty="0" smtClean="0"/>
+              <a:t>the loop where you set the </a:t>
             </a:r>
             <a:r>
               <a:rPr lang="en-US" i="1" dirty="0" smtClean="0"/>
@@ -8788,32 +7890,6 @@
           </a:p>
         </p:txBody>
       </p:sp>
-      <p:pic>
-        <p:nvPicPr>
-          <p:cNvPr id="7170" name="Picture 2" descr="\\NASHANSELMA2\weekendschool\screenshots\piandmore20170621Jun061498073228.jpg"/>
-          <p:cNvPicPr>
-            <a:picLocks noChangeAspect="1" noChangeArrowheads="1"/>
-          </p:cNvPicPr>
-          <p:nvPr/>
-        </p:nvPicPr>
-        <p:blipFill>
-          <a:blip r:embed="rId3" cstate="print"/>
-          <a:srcRect/>
-          <a:stretch>
-            <a:fillRect/>
-          </a:stretch>
-        </p:blipFill>
-        <p:spPr bwMode="auto">
-          <a:xfrm>
-            <a:off x="6084168" y="339502"/>
-            <a:ext cx="2841129" cy="1139373"/>
-          </a:xfrm>
-          <a:prstGeom prst="rect">
-            <a:avLst/>
-          </a:prstGeom>
-          <a:noFill/>
-        </p:spPr>
-      </p:pic>
       <p:cxnSp>
         <p:nvCxnSpPr>
           <p:cNvPr id="7" name="Gebogen verbindingslijn 6"/>
@@ -8822,12 +7898,12 @@
         </p:nvCxnSpPr>
         <p:spPr>
           <a:xfrm rot="5400000" flipH="1" flipV="1">
-            <a:off x="6552220" y="1959682"/>
-            <a:ext cx="1944216" cy="1008112"/>
+            <a:off x="7056276" y="1671650"/>
+            <a:ext cx="1440160" cy="936104"/>
           </a:xfrm>
           <a:prstGeom prst="bentConnector3">
             <a:avLst>
-              <a:gd name="adj1" fmla="val 29"/>
+              <a:gd name="adj1" fmla="val 176"/>
             </a:avLst>
           </a:prstGeom>
           <a:ln w="38100">
@@ -8849,6 +7925,32 @@
           </a:fontRef>
         </p:style>
       </p:cxnSp>
+      <p:pic>
+        <p:nvPicPr>
+          <p:cNvPr id="2050" name="Picture 2" descr="Y:\screenshots\2018-05-21__22-19-1526933958.jpg"/>
+          <p:cNvPicPr>
+            <a:picLocks noChangeAspect="1" noChangeArrowheads="1"/>
+          </p:cNvPicPr>
+          <p:nvPr/>
+        </p:nvPicPr>
+        <p:blipFill>
+          <a:blip r:embed="rId3" cstate="print"/>
+          <a:srcRect/>
+          <a:stretch>
+            <a:fillRect/>
+          </a:stretch>
+        </p:blipFill>
+        <p:spPr bwMode="auto">
+          <a:xfrm>
+            <a:off x="5076056" y="195486"/>
+            <a:ext cx="3174951" cy="1180525"/>
+          </a:xfrm>
+          <a:prstGeom prst="rect">
+            <a:avLst/>
+          </a:prstGeom>
+          <a:noFill/>
+        </p:spPr>
+      </p:pic>
     </p:spTree>
   </p:cSld>
   <p:clrMapOvr>
@@ -10015,7 +9117,7 @@
         <p:spPr/>
         <p:txBody>
           <a:bodyPr>
-            <a:normAutofit fontScale="92500" lnSpcReduction="20000"/>
+            <a:normAutofit/>
           </a:bodyPr>
           <a:lstStyle/>
           <a:p>
@@ -10043,41 +9145,11 @@
           <a:p>
             <a:r>
               <a:rPr lang="en-US" dirty="0" smtClean="0"/>
-              <a:t>Define a variable </a:t>
-            </a:r>
-            <a:r>
-              <a:rPr lang="en-US" i="1" dirty="0" smtClean="0"/>
-              <a:t>Buzzer</a:t>
-            </a:r>
-            <a:r>
-              <a:rPr lang="en-US" dirty="0" smtClean="0"/>
-              <a:t> in Scratch</a:t>
-            </a:r>
-          </a:p>
-          <a:p>
-            <a:r>
-              <a:rPr lang="en-US" dirty="0" smtClean="0"/>
-              <a:t>Give it values between 0 and 100 </a:t>
-            </a:r>
-          </a:p>
-          <a:p>
-            <a:pPr lvl="1"/>
-            <a:r>
-              <a:rPr lang="en-US" dirty="0" smtClean="0"/>
-              <a:t>Using the slider on the variable</a:t>
-            </a:r>
-          </a:p>
-          <a:p>
-            <a:pPr lvl="1"/>
-            <a:r>
-              <a:rPr lang="en-US" dirty="0" smtClean="0"/>
-              <a:t>Does the value have much impact?</a:t>
-            </a:r>
-          </a:p>
-          <a:p>
-            <a:r>
-              <a:rPr lang="en-US" dirty="0" smtClean="0"/>
-              <a:t>Add the setting of the buzzer to the loop where you already set the servo and the Big Blue LED.</a:t>
+              <a:t>Add </a:t>
+            </a:r>
+            <a:r>
+              <a:rPr lang="en-US" dirty="0" smtClean="0"/>
+              <a:t>the setting of the buzzer to the loop where you already set the servo and the Big Blue LED.</a:t>
             </a:r>
           </a:p>
           <a:p>
@@ -10403,40 +9475,13 @@
             <a:pPr algn="ctr"/>
             <a:r>
               <a:rPr lang="en-US" dirty="0" smtClean="0"/>
-              <a:t>Part 9: Make a Scratch program</a:t>
+              <a:t>Part 11: Summary &amp; take </a:t>
+            </a:r>
+            <a:r>
+              <a:rPr lang="en-US" dirty="0" err="1" smtClean="0"/>
+              <a:t>aways</a:t>
             </a:r>
             <a:endParaRPr lang="nl-NL" dirty="0"/>
-          </a:p>
-        </p:txBody>
-      </p:sp>
-      <p:sp>
-        <p:nvSpPr>
-          <p:cNvPr id="6" name="Ondertitel 5"/>
-          <p:cNvSpPr>
-            <a:spLocks noGrp="1"/>
-          </p:cNvSpPr>
-          <p:nvPr>
-            <p:ph type="subTitle" idx="1"/>
-          </p:nvPr>
-        </p:nvSpPr>
-        <p:spPr/>
-        <p:txBody>
-          <a:bodyPr/>
-          <a:lstStyle/>
-          <a:p>
-            <a:r>
-              <a:rPr lang="en-US" dirty="0" smtClean="0">
-                <a:solidFill>
-                  <a:schemeClr val="bg1"/>
-                </a:solidFill>
-              </a:rPr>
-              <a:t>Extra material in case you have time left</a:t>
-            </a:r>
-            <a:endParaRPr lang="nl-NL" dirty="0">
-              <a:solidFill>
-                <a:schemeClr val="bg1"/>
-              </a:solidFill>
-            </a:endParaRPr>
           </a:p>
         </p:txBody>
       </p:sp>
@@ -10506,12 +9551,22 @@
         </p:nvSpPr>
         <p:spPr/>
         <p:txBody>
-          <a:bodyPr/>
-          <a:lstStyle/>
-          <a:p>
-            <a:r>
-              <a:rPr lang="en-US" dirty="0" smtClean="0"/>
-              <a:t>Integrate with sprites</a:t>
+          <a:bodyPr>
+            <a:normAutofit fontScale="90000"/>
+          </a:bodyPr>
+          <a:lstStyle/>
+          <a:p>
+            <a:r>
+              <a:rPr lang="en-US" dirty="0" smtClean="0"/>
+              <a:t>Takeaways </a:t>
+            </a:r>
+            <a:r>
+              <a:rPr lang="en-US" dirty="0" smtClean="0"/>
+              <a:t>of the </a:t>
+            </a:r>
+            <a:r>
+              <a:rPr lang="en-US" dirty="0" smtClean="0"/>
+              <a:t>beginners and intermediate workshops</a:t>
             </a:r>
             <a:endParaRPr lang="nl-NL" dirty="0"/>
           </a:p>
@@ -10524,69 +9579,258 @@
             <a:spLocks noGrp="1"/>
           </p:cNvSpPr>
           <p:nvPr>
-            <p:ph idx="1"/>
-          </p:nvPr>
-        </p:nvSpPr>
-        <p:spPr/>
-        <p:txBody>
-          <a:bodyPr/>
-          <a:lstStyle/>
-          <a:p>
-            <a:r>
-              <a:rPr lang="en-US" dirty="0" smtClean="0"/>
-              <a:t>Load the following sprite</a:t>
+            <p:ph sz="half" idx="1"/>
+          </p:nvPr>
+        </p:nvSpPr>
+        <p:spPr>
+          <a:xfrm>
+            <a:off x="5868144" y="1131590"/>
+            <a:ext cx="2886472" cy="3528392"/>
+          </a:xfrm>
+        </p:spPr>
+        <p:txBody>
+          <a:bodyPr>
+            <a:normAutofit fontScale="55000" lnSpcReduction="20000"/>
+          </a:bodyPr>
+          <a:lstStyle/>
+          <a:p>
+            <a:r>
+              <a:rPr lang="en-US" dirty="0" smtClean="0"/>
+              <a:t>Functions that a pin on </a:t>
+            </a:r>
+            <a:r>
+              <a:rPr lang="en-US" dirty="0" err="1" smtClean="0"/>
+              <a:t>Arduino</a:t>
+            </a:r>
+            <a:r>
+              <a:rPr lang="en-US" dirty="0" smtClean="0"/>
+              <a:t> can have:</a:t>
             </a:r>
           </a:p>
           <a:p>
             <a:pPr lvl="1"/>
             <a:r>
               <a:rPr lang="en-US" dirty="0" smtClean="0"/>
-              <a:t>Big Red LED</a:t>
+              <a:t>Digital In</a:t>
             </a:r>
           </a:p>
           <a:p>
             <a:pPr lvl="1"/>
             <a:r>
               <a:rPr lang="en-US" dirty="0" smtClean="0"/>
-              <a:t>Sits in the </a:t>
-            </a:r>
-            <a:r>
-              <a:rPr lang="en-US" i="1" dirty="0" err="1" smtClean="0"/>
-              <a:t>PiAndMore</a:t>
-            </a:r>
-            <a:r>
-              <a:rPr lang="en-US" dirty="0" smtClean="0"/>
-              <a:t> folder on the desktop in a folder </a:t>
-            </a:r>
+              <a:t>Digital Out</a:t>
+            </a:r>
+          </a:p>
+          <a:p>
+            <a:pPr lvl="1"/>
+            <a:r>
+              <a:rPr lang="en-US" dirty="0" smtClean="0"/>
+              <a:t>Analog In</a:t>
+            </a:r>
+          </a:p>
+          <a:p>
+            <a:pPr lvl="1"/>
             <a:r>
               <a:rPr lang="en-US" i="1" dirty="0" smtClean="0"/>
-              <a:t>Sprites</a:t>
-            </a:r>
-            <a:r>
-              <a:rPr lang="en-US" dirty="0" smtClean="0"/>
-              <a:t>.</a:t>
-            </a:r>
-          </a:p>
-          <a:p>
-            <a:r>
-              <a:rPr lang="en-US" dirty="0" smtClean="0"/>
-              <a:t>Take a look at the code of the sprite.</a:t>
-            </a:r>
-          </a:p>
-          <a:p>
-            <a:r>
-              <a:rPr lang="en-US" dirty="0" smtClean="0"/>
-              <a:t>Update the code that you wrote earlier today for the </a:t>
-            </a:r>
-            <a:r>
-              <a:rPr lang="en-US" i="1" dirty="0" err="1" smtClean="0"/>
-              <a:t>BigRedLED</a:t>
-            </a:r>
-            <a:r>
-              <a:rPr lang="en-US" dirty="0" smtClean="0"/>
-              <a:t> so that it sends messages to the sprite to turn the LED on and off</a:t>
-            </a:r>
-            <a:endParaRPr lang="nl-NL" dirty="0"/>
+              <a:t>No Analog Out</a:t>
+            </a:r>
+          </a:p>
+          <a:p>
+            <a:pPr lvl="1"/>
+            <a:r>
+              <a:rPr lang="en-US" dirty="0" smtClean="0"/>
+              <a:t>Pulse Width Modulation as </a:t>
+            </a:r>
+            <a:r>
+              <a:rPr lang="en-US" dirty="0" smtClean="0"/>
+              <a:t>alternative for Analog Out</a:t>
+            </a:r>
+            <a:endParaRPr lang="en-US" dirty="0" smtClean="0"/>
+          </a:p>
+          <a:p>
+            <a:pPr lvl="2"/>
+            <a:r>
+              <a:rPr lang="en-US" dirty="0" smtClean="0"/>
+              <a:t>For modulating the brightness of a LED</a:t>
+            </a:r>
+          </a:p>
+          <a:p>
+            <a:pPr lvl="2"/>
+            <a:r>
+              <a:rPr lang="en-US" dirty="0" smtClean="0"/>
+              <a:t>For controlling a servo</a:t>
+            </a:r>
+          </a:p>
+          <a:p>
+            <a:pPr lvl="2"/>
+            <a:r>
+              <a:rPr lang="en-US" dirty="0" smtClean="0"/>
+              <a:t>For controlling a buzzer</a:t>
+            </a:r>
+          </a:p>
+          <a:p>
+            <a:pPr lvl="1"/>
+            <a:r>
+              <a:rPr lang="en-US" dirty="0" smtClean="0"/>
+              <a:t>There a few more, see the advanced workshop</a:t>
+            </a:r>
+          </a:p>
+          <a:p>
+            <a:pPr lvl="1"/>
+            <a:r>
+              <a:rPr lang="en-US" dirty="0" smtClean="0"/>
+              <a:t>You can configure pull up resistors on Digital In</a:t>
+            </a:r>
+          </a:p>
+        </p:txBody>
+      </p:sp>
+      <p:sp>
+        <p:nvSpPr>
+          <p:cNvPr id="5" name="Tijdelijke aanduiding voor inhoud 4"/>
+          <p:cNvSpPr>
+            <a:spLocks noGrp="1"/>
+          </p:cNvSpPr>
+          <p:nvPr>
+            <p:ph sz="half" idx="2"/>
+          </p:nvPr>
+        </p:nvSpPr>
+        <p:spPr>
+          <a:xfrm>
+            <a:off x="539552" y="1131590"/>
+            <a:ext cx="5328592" cy="3744416"/>
+          </a:xfrm>
+        </p:spPr>
+        <p:txBody>
+          <a:bodyPr>
+            <a:normAutofit fontScale="55000" lnSpcReduction="20000"/>
+          </a:bodyPr>
+          <a:lstStyle/>
+          <a:p>
+            <a:r>
+              <a:rPr lang="en-US" dirty="0" smtClean="0"/>
+              <a:t>With </a:t>
+            </a:r>
+            <a:r>
+              <a:rPr lang="en-US" dirty="0" err="1" smtClean="0"/>
+              <a:t>scratchClient</a:t>
+            </a:r>
+            <a:r>
+              <a:rPr lang="en-US" dirty="0" smtClean="0"/>
+              <a:t> you </a:t>
+            </a:r>
+            <a:r>
+              <a:rPr lang="en-US" dirty="0" smtClean="0"/>
+              <a:t>define:</a:t>
+            </a:r>
+            <a:endParaRPr lang="en-US" dirty="0" smtClean="0"/>
+          </a:p>
+          <a:p>
+            <a:pPr lvl="1"/>
+            <a:r>
+              <a:rPr lang="en-US" dirty="0" smtClean="0"/>
+              <a:t>Function of each pin</a:t>
+            </a:r>
+          </a:p>
+          <a:p>
+            <a:pPr lvl="1"/>
+            <a:r>
+              <a:rPr lang="en-US" dirty="0" smtClean="0"/>
+              <a:t>Symbolic name for each configured pin</a:t>
+            </a:r>
+          </a:p>
+          <a:p>
+            <a:r>
+              <a:rPr lang="en-US" dirty="0" err="1" smtClean="0"/>
+              <a:t>scratchClient</a:t>
+            </a:r>
+            <a:r>
+              <a:rPr lang="en-US" dirty="0" smtClean="0"/>
+              <a:t> </a:t>
+            </a:r>
+            <a:r>
+              <a:rPr lang="en-US" dirty="0" err="1" smtClean="0"/>
+              <a:t>config</a:t>
+            </a:r>
+            <a:r>
+              <a:rPr lang="en-US" dirty="0" smtClean="0"/>
+              <a:t> is the tool to setup the configuration </a:t>
+            </a:r>
+          </a:p>
+          <a:p>
+            <a:r>
+              <a:rPr lang="en-US" dirty="0" smtClean="0"/>
+              <a:t>Restart </a:t>
+            </a:r>
+            <a:r>
+              <a:rPr lang="en-US" dirty="0" err="1" smtClean="0"/>
+              <a:t>scratchClient</a:t>
+            </a:r>
+            <a:r>
+              <a:rPr lang="en-US" dirty="0" smtClean="0"/>
+              <a:t> after you changed the configuration</a:t>
+            </a:r>
+          </a:p>
+          <a:p>
+            <a:r>
+              <a:rPr lang="en-US" dirty="0" smtClean="0"/>
+              <a:t>Put a resistor in series with LEDs</a:t>
+            </a:r>
+          </a:p>
+          <a:p>
+            <a:r>
+              <a:rPr lang="en-US" dirty="0" smtClean="0"/>
+              <a:t>Put a resistor in series with switches</a:t>
+            </a:r>
+          </a:p>
+          <a:p>
+            <a:r>
+              <a:rPr lang="en-US" dirty="0" smtClean="0"/>
+              <a:t>Put a resistor in series with the middle contact of a potentiometer.</a:t>
+            </a:r>
+          </a:p>
+          <a:p>
+            <a:r>
+              <a:rPr lang="en-US" dirty="0" smtClean="0"/>
+              <a:t>Configure a pull up resistor if the input signal goes between 0 Volt and being open rather than between 0 Volt and 3 to 5 Volt.</a:t>
+            </a:r>
+          </a:p>
+          <a:p>
+            <a:r>
+              <a:rPr lang="en-US" dirty="0" smtClean="0"/>
+              <a:t>Output signals are controlled from Scratch </a:t>
+            </a:r>
+            <a:r>
+              <a:rPr lang="en-US" dirty="0" smtClean="0"/>
+              <a:t>via the extension blocks</a:t>
+            </a:r>
+            <a:endParaRPr lang="en-US" dirty="0" smtClean="0"/>
+          </a:p>
+          <a:p>
+            <a:r>
+              <a:rPr lang="en-US" dirty="0" smtClean="0"/>
+              <a:t>Input signals are </a:t>
+            </a:r>
+            <a:r>
+              <a:rPr lang="en-US" dirty="0" smtClean="0"/>
+              <a:t>obtained via extension blocks</a:t>
+            </a:r>
+            <a:endParaRPr lang="en-US" dirty="0" smtClean="0"/>
+          </a:p>
+          <a:p>
+            <a:r>
+              <a:rPr lang="en-US" dirty="0" smtClean="0"/>
+              <a:t>You can monitor the value of all pins from the browser</a:t>
+            </a:r>
+          </a:p>
+          <a:p>
+            <a:r>
+              <a:rPr lang="en-US" b="1" dirty="0" err="1" smtClean="0"/>
+              <a:t>scratchClient</a:t>
+            </a:r>
+            <a:r>
+              <a:rPr lang="en-US" b="1" dirty="0" smtClean="0"/>
+              <a:t> can do much more…</a:t>
+            </a:r>
           </a:p>
         </p:txBody>
       </p:sp>
@@ -10641,7 +9885,7 @@
       </p:grpSpPr>
       <p:sp>
         <p:nvSpPr>
-          <p:cNvPr id="2" name="Titel 1"/>
+          <p:cNvPr id="5" name="Titel 4"/>
           <p:cNvSpPr>
             <a:spLocks noGrp="1"/>
           </p:cNvSpPr>
@@ -10649,235 +9893,28 @@
             <p:ph type="title"/>
           </p:nvPr>
         </p:nvSpPr>
-        <p:spPr/>
+        <p:spPr>
+          <a:xfrm>
+            <a:off x="467544" y="1635646"/>
+            <a:ext cx="8229600" cy="2081386"/>
+          </a:xfrm>
+        </p:spPr>
         <p:txBody>
           <a:bodyPr/>
           <a:lstStyle/>
           <a:p>
-            <a:r>
-              <a:rPr lang="en-US" dirty="0" smtClean="0"/>
-              <a:t>Add the Big Green LED sprite</a:t>
-            </a:r>
-            <a:endParaRPr lang="nl-NL" dirty="0"/>
-          </a:p>
-        </p:txBody>
-      </p:sp>
-      <p:sp>
-        <p:nvSpPr>
-          <p:cNvPr id="3" name="Tijdelijke aanduiding voor inhoud 2"/>
-          <p:cNvSpPr>
-            <a:spLocks noGrp="1"/>
-          </p:cNvSpPr>
-          <p:nvPr>
-            <p:ph idx="1"/>
-          </p:nvPr>
-        </p:nvSpPr>
-        <p:spPr/>
-        <p:txBody>
-          <a:bodyPr/>
-          <a:lstStyle/>
-          <a:p>
-            <a:r>
-              <a:rPr lang="en-US" dirty="0" smtClean="0"/>
-              <a:t>Same that you did with the Big Red LED sprite, but now for the Big Green LED sprite.</a:t>
-            </a:r>
-            <a:endParaRPr lang="nl-NL" dirty="0"/>
-          </a:p>
-        </p:txBody>
-      </p:sp>
-      <p:sp>
-        <p:nvSpPr>
-          <p:cNvPr id="4" name="Tijdelijke aanduiding voor dianummer 3"/>
-          <p:cNvSpPr>
-            <a:spLocks noGrp="1"/>
-          </p:cNvSpPr>
-          <p:nvPr>
-            <p:ph type="sldNum" sz="quarter" idx="12"/>
-          </p:nvPr>
-        </p:nvSpPr>
-        <p:spPr/>
-        <p:txBody>
-          <a:bodyPr/>
-          <a:lstStyle/>
-          <a:p>
-            <a:fld id="{6802DAD7-DC19-4A9E-93C3-E71314786426}" type="slidenum">
-              <a:rPr lang="nl-NL" smtClean="0"/>
-              <a:pPr/>
-              <a:t>23</a:t>
-            </a:fld>
-            <a:endParaRPr lang="nl-NL" dirty="0"/>
-          </a:p>
-        </p:txBody>
-      </p:sp>
-    </p:spTree>
-  </p:cSld>
-  <p:clrMapOvr>
-    <a:masterClrMapping/>
-  </p:clrMapOvr>
-</p:sld>
-</file>
-
-<file path=ppt/slides/slide24.xml><?xml version="1.0" encoding="utf-8"?>
-<p:sld xmlns:a="http://schemas.openxmlformats.org/drawingml/2006/main" xmlns:r="http://schemas.openxmlformats.org/officeDocument/2006/relationships" xmlns:p="http://schemas.openxmlformats.org/presentationml/2006/main">
-  <p:cSld>
-    <p:spTree>
-      <p:nvGrpSpPr>
-        <p:cNvPr id="1" name=""/>
-        <p:cNvGrpSpPr/>
-        <p:nvPr/>
-      </p:nvGrpSpPr>
-      <p:grpSpPr>
-        <a:xfrm>
-          <a:off x="0" y="0"/>
-          <a:ext cx="0" cy="0"/>
-          <a:chOff x="0" y="0"/>
-          <a:chExt cx="0" cy="0"/>
-        </a:xfrm>
-      </p:grpSpPr>
-      <p:sp>
-        <p:nvSpPr>
-          <p:cNvPr id="2" name="Titel 1"/>
-          <p:cNvSpPr>
-            <a:spLocks noGrp="1"/>
-          </p:cNvSpPr>
-          <p:nvPr>
-            <p:ph type="title"/>
-          </p:nvPr>
-        </p:nvSpPr>
-        <p:spPr/>
-        <p:txBody>
-          <a:bodyPr/>
-          <a:lstStyle/>
-          <a:p>
-            <a:r>
-              <a:rPr lang="en-US" dirty="0" smtClean="0"/>
-              <a:t>Add the Big Blue LED sprite</a:t>
-            </a:r>
-            <a:endParaRPr lang="nl-NL" dirty="0"/>
-          </a:p>
-        </p:txBody>
-      </p:sp>
-      <p:sp>
-        <p:nvSpPr>
-          <p:cNvPr id="3" name="Tijdelijke aanduiding voor inhoud 2"/>
-          <p:cNvSpPr>
-            <a:spLocks noGrp="1"/>
-          </p:cNvSpPr>
-          <p:nvPr>
-            <p:ph idx="1"/>
-          </p:nvPr>
-        </p:nvSpPr>
-        <p:spPr/>
-        <p:txBody>
-          <a:bodyPr/>
-          <a:lstStyle/>
-          <a:p>
-            <a:r>
-              <a:rPr lang="en-US" dirty="0" smtClean="0"/>
-              <a:t>Load the Big Blue LED sprite</a:t>
-            </a:r>
-          </a:p>
-          <a:p>
-            <a:r>
-              <a:rPr lang="en-US" dirty="0" err="1" smtClean="0"/>
-              <a:t>Analyse</a:t>
-            </a:r>
-            <a:r>
-              <a:rPr lang="en-US" dirty="0" smtClean="0"/>
-              <a:t> the code in that sprite, which is different</a:t>
-            </a:r>
-          </a:p>
-          <a:p>
-            <a:pPr lvl="1"/>
-            <a:r>
-              <a:rPr lang="en-US" dirty="0" smtClean="0"/>
-              <a:t>The Big Blue LED sprite will move over the screen as the intensity changes</a:t>
-            </a:r>
-          </a:p>
-          <a:p>
-            <a:pPr lvl="1"/>
-            <a:r>
-              <a:rPr lang="en-US" dirty="0" smtClean="0"/>
-              <a:t>You can also move it with your mouse and see the intensity change.</a:t>
-            </a:r>
-          </a:p>
-          <a:p>
-            <a:r>
-              <a:rPr lang="en-US" dirty="0" smtClean="0"/>
-              <a:t>Update your code that you wrote earlier to make use of the sprite.</a:t>
-            </a:r>
-            <a:endParaRPr lang="nl-NL" dirty="0"/>
-          </a:p>
-        </p:txBody>
-      </p:sp>
-      <p:sp>
-        <p:nvSpPr>
-          <p:cNvPr id="4" name="Tijdelijke aanduiding voor dianummer 3"/>
-          <p:cNvSpPr>
-            <a:spLocks noGrp="1"/>
-          </p:cNvSpPr>
-          <p:nvPr>
-            <p:ph type="sldNum" sz="quarter" idx="12"/>
-          </p:nvPr>
-        </p:nvSpPr>
-        <p:spPr/>
-        <p:txBody>
-          <a:bodyPr/>
-          <a:lstStyle/>
-          <a:p>
-            <a:fld id="{6802DAD7-DC19-4A9E-93C3-E71314786426}" type="slidenum">
-              <a:rPr lang="nl-NL" smtClean="0"/>
-              <a:pPr/>
-              <a:t>24</a:t>
-            </a:fld>
-            <a:endParaRPr lang="nl-NL" dirty="0"/>
-          </a:p>
-        </p:txBody>
-      </p:sp>
-    </p:spTree>
-  </p:cSld>
-  <p:clrMapOvr>
-    <a:masterClrMapping/>
-  </p:clrMapOvr>
-</p:sld>
-</file>
-
-<file path=ppt/slides/slide25.xml><?xml version="1.0" encoding="utf-8"?>
-<p:sld xmlns:a="http://schemas.openxmlformats.org/drawingml/2006/main" xmlns:r="http://schemas.openxmlformats.org/officeDocument/2006/relationships" xmlns:p="http://schemas.openxmlformats.org/presentationml/2006/main">
-  <p:cSld>
-    <p:spTree>
-      <p:nvGrpSpPr>
-        <p:cNvPr id="1" name=""/>
-        <p:cNvGrpSpPr/>
-        <p:nvPr/>
-      </p:nvGrpSpPr>
-      <p:grpSpPr>
-        <a:xfrm>
-          <a:off x="0" y="0"/>
-          <a:ext cx="0" cy="0"/>
-          <a:chOff x="0" y="0"/>
-          <a:chExt cx="0" cy="0"/>
-        </a:xfrm>
-      </p:grpSpPr>
-      <p:sp>
-        <p:nvSpPr>
-          <p:cNvPr id="5" name="Titel 4"/>
-          <p:cNvSpPr>
-            <a:spLocks noGrp="1"/>
-          </p:cNvSpPr>
-          <p:nvPr>
-            <p:ph type="ctrTitle"/>
-          </p:nvPr>
-        </p:nvSpPr>
-        <p:spPr/>
-        <p:txBody>
-          <a:bodyPr/>
-          <a:lstStyle/>
-          <a:p>
             <a:pPr algn="ctr"/>
             <a:r>
               <a:rPr lang="en-US" dirty="0" smtClean="0"/>
-              <a:t>Part 10: Take your work home</a:t>
+              <a:t>End of the </a:t>
+            </a:r>
+            <a:r>
+              <a:rPr lang="en-US" b="1" dirty="0" smtClean="0"/>
+              <a:t>intermediate</a:t>
+            </a:r>
+            <a:r>
+              <a:rPr lang="en-US" dirty="0" smtClean="0"/>
+              <a:t> workshop</a:t>
             </a:r>
             <a:endParaRPr lang="nl-NL" dirty="0"/>
           </a:p>
@@ -10906,639 +9943,7 @@
             <a:fld id="{6802DAD7-DC19-4A9E-93C3-E71314786426}" type="slidenum">
               <a:rPr lang="nl-NL" smtClean="0"/>
               <a:pPr/>
-              <a:t>25</a:t>
-            </a:fld>
-            <a:endParaRPr lang="nl-NL" dirty="0"/>
-          </a:p>
-        </p:txBody>
-      </p:sp>
-    </p:spTree>
-  </p:cSld>
-  <p:clrMapOvr>
-    <a:masterClrMapping/>
-  </p:clrMapOvr>
-</p:sld>
-</file>
-
-<file path=ppt/slides/slide26.xml><?xml version="1.0" encoding="utf-8"?>
-<p:sld xmlns:a="http://schemas.openxmlformats.org/drawingml/2006/main" xmlns:r="http://schemas.openxmlformats.org/officeDocument/2006/relationships" xmlns:p="http://schemas.openxmlformats.org/presentationml/2006/main">
-  <p:cSld>
-    <p:spTree>
-      <p:nvGrpSpPr>
-        <p:cNvPr id="1" name=""/>
-        <p:cNvGrpSpPr/>
-        <p:nvPr/>
-      </p:nvGrpSpPr>
-      <p:grpSpPr>
-        <a:xfrm>
-          <a:off x="0" y="0"/>
-          <a:ext cx="0" cy="0"/>
-          <a:chOff x="0" y="0"/>
-          <a:chExt cx="0" cy="0"/>
-        </a:xfrm>
-      </p:grpSpPr>
-      <p:sp>
-        <p:nvSpPr>
-          <p:cNvPr id="2" name="Titel 1"/>
-          <p:cNvSpPr>
-            <a:spLocks noGrp="1"/>
-          </p:cNvSpPr>
-          <p:nvPr>
-            <p:ph type="title"/>
-          </p:nvPr>
-        </p:nvSpPr>
-        <p:spPr/>
-        <p:txBody>
-          <a:bodyPr>
-            <a:normAutofit fontScale="90000"/>
-          </a:bodyPr>
-          <a:lstStyle/>
-          <a:p>
-            <a:r>
-              <a:rPr lang="en-US" dirty="0" smtClean="0"/>
-              <a:t>Do you want to take your work home?</a:t>
-            </a:r>
-            <a:endParaRPr lang="nl-NL" dirty="0"/>
-          </a:p>
-        </p:txBody>
-      </p:sp>
-      <p:sp>
-        <p:nvSpPr>
-          <p:cNvPr id="3" name="Tijdelijke aanduiding voor inhoud 2"/>
-          <p:cNvSpPr>
-            <a:spLocks noGrp="1"/>
-          </p:cNvSpPr>
-          <p:nvPr>
-            <p:ph idx="1"/>
-          </p:nvPr>
-        </p:nvSpPr>
-        <p:spPr/>
-        <p:txBody>
-          <a:bodyPr/>
-          <a:lstStyle/>
-          <a:p>
-            <a:r>
-              <a:rPr lang="en-US" dirty="0" smtClean="0"/>
-              <a:t>If you brought your own USB stick, then connect it and copy the </a:t>
-            </a:r>
-            <a:r>
-              <a:rPr lang="en-US" i="1" dirty="0" err="1" smtClean="0"/>
-              <a:t>PiAndMore</a:t>
-            </a:r>
-            <a:r>
-              <a:rPr lang="en-US" dirty="0" smtClean="0"/>
-              <a:t> folder on the desktop</a:t>
-            </a:r>
-          </a:p>
-          <a:p>
-            <a:r>
-              <a:rPr lang="en-US" dirty="0" smtClean="0"/>
-              <a:t>The rest of the material you can download from </a:t>
-            </a:r>
-            <a:r>
-              <a:rPr lang="en-US" dirty="0" smtClean="0">
-                <a:hlinkClick r:id="rId3"/>
-              </a:rPr>
-              <a:t>www.github.com</a:t>
-            </a:r>
-            <a:r>
-              <a:rPr lang="en-US" dirty="0" smtClean="0"/>
-              <a:t> </a:t>
-            </a:r>
-          </a:p>
-          <a:p>
-            <a:r>
-              <a:rPr lang="en-US" dirty="0" smtClean="0"/>
-              <a:t>Take the flyer with you to remember where to find the material on </a:t>
-            </a:r>
-            <a:r>
-              <a:rPr lang="en-US" dirty="0" err="1" smtClean="0"/>
-              <a:t>github</a:t>
-            </a:r>
-            <a:r>
-              <a:rPr lang="en-US" dirty="0" smtClean="0"/>
-              <a:t>.</a:t>
-            </a:r>
-            <a:endParaRPr lang="nl-NL" dirty="0"/>
-          </a:p>
-        </p:txBody>
-      </p:sp>
-      <p:sp>
-        <p:nvSpPr>
-          <p:cNvPr id="4" name="Tijdelijke aanduiding voor dianummer 3"/>
-          <p:cNvSpPr>
-            <a:spLocks noGrp="1"/>
-          </p:cNvSpPr>
-          <p:nvPr>
-            <p:ph type="sldNum" sz="quarter" idx="12"/>
-          </p:nvPr>
-        </p:nvSpPr>
-        <p:spPr/>
-        <p:txBody>
-          <a:bodyPr/>
-          <a:lstStyle/>
-          <a:p>
-            <a:fld id="{6802DAD7-DC19-4A9E-93C3-E71314786426}" type="slidenum">
-              <a:rPr lang="nl-NL" smtClean="0"/>
-              <a:pPr/>
-              <a:t>26</a:t>
-            </a:fld>
-            <a:endParaRPr lang="nl-NL" dirty="0"/>
-          </a:p>
-        </p:txBody>
-      </p:sp>
-    </p:spTree>
-  </p:cSld>
-  <p:clrMapOvr>
-    <a:masterClrMapping/>
-  </p:clrMapOvr>
-</p:sld>
-</file>
-
-<file path=ppt/slides/slide27.xml><?xml version="1.0" encoding="utf-8"?>
-<p:sld xmlns:a="http://schemas.openxmlformats.org/drawingml/2006/main" xmlns:r="http://schemas.openxmlformats.org/officeDocument/2006/relationships" xmlns:p="http://schemas.openxmlformats.org/presentationml/2006/main">
-  <p:cSld>
-    <p:spTree>
-      <p:nvGrpSpPr>
-        <p:cNvPr id="1" name=""/>
-        <p:cNvGrpSpPr/>
-        <p:nvPr/>
-      </p:nvGrpSpPr>
-      <p:grpSpPr>
-        <a:xfrm>
-          <a:off x="0" y="0"/>
-          <a:ext cx="0" cy="0"/>
-          <a:chOff x="0" y="0"/>
-          <a:chExt cx="0" cy="0"/>
-        </a:xfrm>
-      </p:grpSpPr>
-      <p:sp>
-        <p:nvSpPr>
-          <p:cNvPr id="5" name="Titel 4"/>
-          <p:cNvSpPr>
-            <a:spLocks noGrp="1"/>
-          </p:cNvSpPr>
-          <p:nvPr>
-            <p:ph type="ctrTitle"/>
-          </p:nvPr>
-        </p:nvSpPr>
-        <p:spPr/>
-        <p:txBody>
-          <a:bodyPr/>
-          <a:lstStyle/>
-          <a:p>
-            <a:pPr algn="ctr"/>
-            <a:r>
-              <a:rPr lang="en-US" dirty="0" smtClean="0"/>
-              <a:t>Part 11: Summary &amp; take </a:t>
-            </a:r>
-            <a:r>
-              <a:rPr lang="en-US" dirty="0" err="1" smtClean="0"/>
-              <a:t>aways</a:t>
-            </a:r>
-            <a:endParaRPr lang="nl-NL" dirty="0"/>
-          </a:p>
-        </p:txBody>
-      </p:sp>
-      <p:sp>
-        <p:nvSpPr>
-          <p:cNvPr id="4" name="Tijdelijke aanduiding voor dianummer 3"/>
-          <p:cNvSpPr>
-            <a:spLocks noGrp="1"/>
-          </p:cNvSpPr>
-          <p:nvPr>
-            <p:ph type="sldNum" sz="quarter" idx="4294967295"/>
-          </p:nvPr>
-        </p:nvSpPr>
-        <p:spPr>
-          <a:xfrm>
-            <a:off x="8629650" y="4767263"/>
-            <a:ext cx="514350" cy="274637"/>
-          </a:xfrm>
-        </p:spPr>
-        <p:txBody>
-          <a:bodyPr/>
-          <a:lstStyle/>
-          <a:p>
-            <a:fld id="{6802DAD7-DC19-4A9E-93C3-E71314786426}" type="slidenum">
-              <a:rPr lang="nl-NL" smtClean="0"/>
-              <a:pPr/>
-              <a:t>27</a:t>
-            </a:fld>
-            <a:endParaRPr lang="nl-NL" dirty="0"/>
-          </a:p>
-        </p:txBody>
-      </p:sp>
-    </p:spTree>
-  </p:cSld>
-  <p:clrMapOvr>
-    <a:masterClrMapping/>
-  </p:clrMapOvr>
-</p:sld>
-</file>
-
-<file path=ppt/slides/slide28.xml><?xml version="1.0" encoding="utf-8"?>
-<p:sld xmlns:a="http://schemas.openxmlformats.org/drawingml/2006/main" xmlns:r="http://schemas.openxmlformats.org/officeDocument/2006/relationships" xmlns:p="http://schemas.openxmlformats.org/presentationml/2006/main">
-  <p:cSld>
-    <p:spTree>
-      <p:nvGrpSpPr>
-        <p:cNvPr id="1" name=""/>
-        <p:cNvGrpSpPr/>
-        <p:nvPr/>
-      </p:nvGrpSpPr>
-      <p:grpSpPr>
-        <a:xfrm>
-          <a:off x="0" y="0"/>
-          <a:ext cx="0" cy="0"/>
-          <a:chOff x="0" y="0"/>
-          <a:chExt cx="0" cy="0"/>
-        </a:xfrm>
-      </p:grpSpPr>
-      <p:sp>
-        <p:nvSpPr>
-          <p:cNvPr id="2" name="Titel 1"/>
-          <p:cNvSpPr>
-            <a:spLocks noGrp="1"/>
-          </p:cNvSpPr>
-          <p:nvPr>
-            <p:ph type="title"/>
-          </p:nvPr>
-        </p:nvSpPr>
-        <p:spPr/>
-        <p:txBody>
-          <a:bodyPr>
-            <a:normAutofit fontScale="90000"/>
-          </a:bodyPr>
-          <a:lstStyle/>
-          <a:p>
-            <a:r>
-              <a:rPr lang="en-US" dirty="0" smtClean="0"/>
-              <a:t>Take </a:t>
-            </a:r>
-            <a:r>
-              <a:rPr lang="en-US" dirty="0" err="1" smtClean="0"/>
-              <a:t>aways</a:t>
-            </a:r>
-            <a:r>
-              <a:rPr lang="en-US" dirty="0" smtClean="0"/>
-              <a:t> of the beginners workshop</a:t>
-            </a:r>
-            <a:endParaRPr lang="nl-NL" dirty="0"/>
-          </a:p>
-        </p:txBody>
-      </p:sp>
-      <p:sp>
-        <p:nvSpPr>
-          <p:cNvPr id="3" name="Tijdelijke aanduiding voor inhoud 2"/>
-          <p:cNvSpPr>
-            <a:spLocks noGrp="1"/>
-          </p:cNvSpPr>
-          <p:nvPr>
-            <p:ph sz="half" idx="1"/>
-          </p:nvPr>
-        </p:nvSpPr>
-        <p:spPr>
-          <a:xfrm>
-            <a:off x="5868144" y="987574"/>
-            <a:ext cx="2886472" cy="3528392"/>
-          </a:xfrm>
-        </p:spPr>
-        <p:txBody>
-          <a:bodyPr>
-            <a:normAutofit fontScale="55000" lnSpcReduction="20000"/>
-          </a:bodyPr>
-          <a:lstStyle/>
-          <a:p>
-            <a:r>
-              <a:rPr lang="en-US" dirty="0" smtClean="0"/>
-              <a:t>Functions that a pin on </a:t>
-            </a:r>
-            <a:r>
-              <a:rPr lang="en-US" dirty="0" err="1" smtClean="0"/>
-              <a:t>Arduino</a:t>
-            </a:r>
-            <a:r>
-              <a:rPr lang="en-US" dirty="0" smtClean="0"/>
-              <a:t> can have:</a:t>
-            </a:r>
-          </a:p>
-          <a:p>
-            <a:pPr lvl="1"/>
-            <a:r>
-              <a:rPr lang="en-US" dirty="0" smtClean="0"/>
-              <a:t>Digital In</a:t>
-            </a:r>
-          </a:p>
-          <a:p>
-            <a:pPr lvl="1"/>
-            <a:r>
-              <a:rPr lang="en-US" dirty="0" smtClean="0"/>
-              <a:t>Digital Out</a:t>
-            </a:r>
-          </a:p>
-          <a:p>
-            <a:pPr lvl="1"/>
-            <a:r>
-              <a:rPr lang="en-US" dirty="0" smtClean="0"/>
-              <a:t>Analog In</a:t>
-            </a:r>
-          </a:p>
-          <a:p>
-            <a:pPr lvl="1"/>
-            <a:r>
-              <a:rPr lang="en-US" i="1" dirty="0" smtClean="0"/>
-              <a:t>No Analog Out</a:t>
-            </a:r>
-          </a:p>
-          <a:p>
-            <a:pPr lvl="1"/>
-            <a:r>
-              <a:rPr lang="en-US" dirty="0" smtClean="0"/>
-              <a:t>Pulse Width Modulation as alternative</a:t>
-            </a:r>
-          </a:p>
-          <a:p>
-            <a:pPr lvl="2"/>
-            <a:r>
-              <a:rPr lang="en-US" dirty="0" smtClean="0"/>
-              <a:t>For modulating the brightness of a LED</a:t>
-            </a:r>
-          </a:p>
-          <a:p>
-            <a:pPr lvl="2"/>
-            <a:r>
-              <a:rPr lang="en-US" dirty="0" smtClean="0"/>
-              <a:t>For controlling a servo</a:t>
-            </a:r>
-          </a:p>
-          <a:p>
-            <a:pPr lvl="2"/>
-            <a:r>
-              <a:rPr lang="en-US" dirty="0" smtClean="0"/>
-              <a:t>For controlling a buzzer</a:t>
-            </a:r>
-          </a:p>
-          <a:p>
-            <a:pPr lvl="1"/>
-            <a:r>
-              <a:rPr lang="en-US" dirty="0" smtClean="0"/>
-              <a:t>There a few more, see the advanced workshop</a:t>
-            </a:r>
-          </a:p>
-          <a:p>
-            <a:pPr lvl="1"/>
-            <a:r>
-              <a:rPr lang="en-US" dirty="0" smtClean="0"/>
-              <a:t>You can configure pull up resistors on Digital In</a:t>
-            </a:r>
-          </a:p>
-        </p:txBody>
-      </p:sp>
-      <p:sp>
-        <p:nvSpPr>
-          <p:cNvPr id="5" name="Tijdelijke aanduiding voor inhoud 4"/>
-          <p:cNvSpPr>
-            <a:spLocks noGrp="1"/>
-          </p:cNvSpPr>
-          <p:nvPr>
-            <p:ph sz="half" idx="2"/>
-          </p:nvPr>
-        </p:nvSpPr>
-        <p:spPr>
-          <a:xfrm>
-            <a:off x="539552" y="987574"/>
-            <a:ext cx="5328592" cy="3744416"/>
-          </a:xfrm>
-        </p:spPr>
-        <p:txBody>
-          <a:bodyPr>
-            <a:normAutofit fontScale="55000" lnSpcReduction="20000"/>
-          </a:bodyPr>
-          <a:lstStyle/>
-          <a:p>
-            <a:r>
-              <a:rPr lang="en-US" dirty="0" smtClean="0"/>
-              <a:t>With </a:t>
-            </a:r>
-            <a:r>
-              <a:rPr lang="en-US" dirty="0" err="1" smtClean="0"/>
-              <a:t>scratchClient</a:t>
-            </a:r>
-            <a:r>
-              <a:rPr lang="en-US" dirty="0" smtClean="0"/>
-              <a:t> you define:</a:t>
-            </a:r>
-          </a:p>
-          <a:p>
-            <a:pPr lvl="1"/>
-            <a:r>
-              <a:rPr lang="en-US" dirty="0" smtClean="0"/>
-              <a:t>Function of each pin</a:t>
-            </a:r>
-          </a:p>
-          <a:p>
-            <a:pPr lvl="1"/>
-            <a:r>
-              <a:rPr lang="en-US" dirty="0" smtClean="0"/>
-              <a:t>Symbolic name for each configured pin</a:t>
-            </a:r>
-          </a:p>
-          <a:p>
-            <a:r>
-              <a:rPr lang="en-US" dirty="0" err="1" smtClean="0"/>
-              <a:t>scratchClient</a:t>
-            </a:r>
-            <a:r>
-              <a:rPr lang="en-US" dirty="0" smtClean="0"/>
-              <a:t> </a:t>
-            </a:r>
-            <a:r>
-              <a:rPr lang="en-US" dirty="0" err="1" smtClean="0"/>
-              <a:t>config</a:t>
-            </a:r>
-            <a:r>
-              <a:rPr lang="en-US" dirty="0" smtClean="0"/>
-              <a:t> is the tool to setup the configuration </a:t>
-            </a:r>
-          </a:p>
-          <a:p>
-            <a:r>
-              <a:rPr lang="en-US" dirty="0" smtClean="0"/>
-              <a:t>Restart </a:t>
-            </a:r>
-            <a:r>
-              <a:rPr lang="en-US" dirty="0" err="1" smtClean="0"/>
-              <a:t>scratchClient</a:t>
-            </a:r>
-            <a:r>
-              <a:rPr lang="en-US" dirty="0" smtClean="0"/>
-              <a:t> after you changed the configuration</a:t>
-            </a:r>
-          </a:p>
-          <a:p>
-            <a:r>
-              <a:rPr lang="en-US" dirty="0" smtClean="0"/>
-              <a:t>Put a resistor in series with LEDs</a:t>
-            </a:r>
-          </a:p>
-          <a:p>
-            <a:r>
-              <a:rPr lang="en-US" dirty="0" smtClean="0"/>
-              <a:t>Put a resistor in series with switches</a:t>
-            </a:r>
-          </a:p>
-          <a:p>
-            <a:r>
-              <a:rPr lang="en-US" dirty="0" smtClean="0"/>
-              <a:t>Put a resistor in series with the middle contact of a potentiometer.</a:t>
-            </a:r>
-          </a:p>
-          <a:p>
-            <a:r>
-              <a:rPr lang="en-US" dirty="0" smtClean="0"/>
-              <a:t>Configure a pull up resistor if the input signal goes between 0 Volt and being open rather than between 0 Volt and 3 to 5 Volt.</a:t>
-            </a:r>
-          </a:p>
-          <a:p>
-            <a:r>
-              <a:rPr lang="en-US" dirty="0" smtClean="0"/>
-              <a:t>Output signals are controlled from Scratch by giving a variable a value</a:t>
-            </a:r>
-          </a:p>
-          <a:p>
-            <a:r>
-              <a:rPr lang="en-US" dirty="0" smtClean="0"/>
-              <a:t>Input signals are monitored by the sensor programming elements</a:t>
-            </a:r>
-          </a:p>
-          <a:p>
-            <a:r>
-              <a:rPr lang="en-US" dirty="0" smtClean="0"/>
-              <a:t>You can monitor the value of all pins from the browser</a:t>
-            </a:r>
-          </a:p>
-          <a:p>
-            <a:r>
-              <a:rPr lang="en-US" b="1" dirty="0" err="1" smtClean="0"/>
-              <a:t>scratchClient</a:t>
-            </a:r>
-            <a:r>
-              <a:rPr lang="en-US" b="1" dirty="0" smtClean="0"/>
-              <a:t> can do much more…</a:t>
-            </a:r>
-          </a:p>
-        </p:txBody>
-      </p:sp>
-      <p:sp>
-        <p:nvSpPr>
-          <p:cNvPr id="4" name="Tijdelijke aanduiding voor dianummer 3"/>
-          <p:cNvSpPr>
-            <a:spLocks noGrp="1"/>
-          </p:cNvSpPr>
-          <p:nvPr>
-            <p:ph type="sldNum" sz="quarter" idx="12"/>
-          </p:nvPr>
-        </p:nvSpPr>
-        <p:spPr/>
-        <p:txBody>
-          <a:bodyPr/>
-          <a:lstStyle/>
-          <a:p>
-            <a:fld id="{6802DAD7-DC19-4A9E-93C3-E71314786426}" type="slidenum">
-              <a:rPr lang="nl-NL" smtClean="0"/>
-              <a:pPr/>
-              <a:t>28</a:t>
-            </a:fld>
-            <a:endParaRPr lang="nl-NL" dirty="0"/>
-          </a:p>
-        </p:txBody>
-      </p:sp>
-    </p:spTree>
-  </p:cSld>
-  <p:clrMapOvr>
-    <a:masterClrMapping/>
-  </p:clrMapOvr>
-</p:sld>
-</file>
-
-<file path=ppt/slides/slide29.xml><?xml version="1.0" encoding="utf-8"?>
-<p:sld xmlns:a="http://schemas.openxmlformats.org/drawingml/2006/main" xmlns:r="http://schemas.openxmlformats.org/officeDocument/2006/relationships" xmlns:p="http://schemas.openxmlformats.org/presentationml/2006/main">
-  <p:cSld>
-    <p:spTree>
-      <p:nvGrpSpPr>
-        <p:cNvPr id="1" name=""/>
-        <p:cNvGrpSpPr/>
-        <p:nvPr/>
-      </p:nvGrpSpPr>
-      <p:grpSpPr>
-        <a:xfrm>
-          <a:off x="0" y="0"/>
-          <a:ext cx="0" cy="0"/>
-          <a:chOff x="0" y="0"/>
-          <a:chExt cx="0" cy="0"/>
-        </a:xfrm>
-      </p:grpSpPr>
-      <p:sp>
-        <p:nvSpPr>
-          <p:cNvPr id="5" name="Titel 4"/>
-          <p:cNvSpPr>
-            <a:spLocks noGrp="1"/>
-          </p:cNvSpPr>
-          <p:nvPr>
-            <p:ph type="title"/>
-          </p:nvPr>
-        </p:nvSpPr>
-        <p:spPr>
-          <a:xfrm>
-            <a:off x="467544" y="1635646"/>
-            <a:ext cx="8229600" cy="2081386"/>
-          </a:xfrm>
-        </p:spPr>
-        <p:txBody>
-          <a:bodyPr/>
-          <a:lstStyle/>
-          <a:p>
-            <a:pPr algn="ctr"/>
-            <a:r>
-              <a:rPr lang="en-US" dirty="0" smtClean="0"/>
-              <a:t>End of the </a:t>
-            </a:r>
-            <a:r>
-              <a:rPr lang="en-US" b="1" dirty="0" smtClean="0"/>
-              <a:t>intermediate</a:t>
-            </a:r>
-            <a:r>
-              <a:rPr lang="en-US" dirty="0" smtClean="0"/>
-              <a:t> workshop</a:t>
-            </a:r>
-            <a:endParaRPr lang="nl-NL" dirty="0"/>
-          </a:p>
-        </p:txBody>
-      </p:sp>
-      <p:sp>
-        <p:nvSpPr>
-          <p:cNvPr id="4" name="Tijdelijke aanduiding voor dianummer 3"/>
-          <p:cNvSpPr>
-            <a:spLocks noGrp="1"/>
-          </p:cNvSpPr>
-          <p:nvPr>
-            <p:ph type="sldNum" sz="quarter" idx="4294967295"/>
-          </p:nvPr>
-        </p:nvSpPr>
-        <p:spPr>
-          <a:xfrm>
-            <a:off x="8629650" y="4767263"/>
-            <a:ext cx="514350" cy="274637"/>
-          </a:xfrm>
-        </p:spPr>
-        <p:txBody>
-          <a:bodyPr/>
-          <a:lstStyle/>
-          <a:p>
-            <a:fld id="{6802DAD7-DC19-4A9E-93C3-E71314786426}" type="slidenum">
-              <a:rPr lang="nl-NL" smtClean="0"/>
-              <a:pPr/>
-              <a:t>29</a:t>
+              <a:t>23</a:t>
             </a:fld>
             <a:endParaRPr lang="nl-NL" dirty="0"/>
           </a:p>
@@ -11648,873 +10053,6 @@
               <a:rPr lang="nl-NL" smtClean="0"/>
               <a:pPr/>
               <a:t>3</a:t>
-            </a:fld>
-            <a:endParaRPr lang="nl-NL" dirty="0"/>
-          </a:p>
-        </p:txBody>
-      </p:sp>
-    </p:spTree>
-  </p:cSld>
-  <p:clrMapOvr>
-    <a:masterClrMapping/>
-  </p:clrMapOvr>
-</p:sld>
-</file>
-
-<file path=ppt/slides/slide30.xml><?xml version="1.0" encoding="utf-8"?>
-<p:sld xmlns:a="http://schemas.openxmlformats.org/drawingml/2006/main" xmlns:r="http://schemas.openxmlformats.org/officeDocument/2006/relationships" xmlns:p="http://schemas.openxmlformats.org/presentationml/2006/main">
-  <p:cSld>
-    <p:spTree>
-      <p:nvGrpSpPr>
-        <p:cNvPr id="1" name=""/>
-        <p:cNvGrpSpPr/>
-        <p:nvPr/>
-      </p:nvGrpSpPr>
-      <p:grpSpPr>
-        <a:xfrm>
-          <a:off x="0" y="0"/>
-          <a:ext cx="0" cy="0"/>
-          <a:chOff x="0" y="0"/>
-          <a:chExt cx="0" cy="0"/>
-        </a:xfrm>
-      </p:grpSpPr>
-      <p:sp>
-        <p:nvSpPr>
-          <p:cNvPr id="6" name="Titel 5"/>
-          <p:cNvSpPr>
-            <a:spLocks noGrp="1"/>
-          </p:cNvSpPr>
-          <p:nvPr>
-            <p:ph type="title"/>
-          </p:nvPr>
-        </p:nvSpPr>
-        <p:spPr/>
-        <p:txBody>
-          <a:bodyPr/>
-          <a:lstStyle/>
-          <a:p>
-            <a:r>
-              <a:rPr lang="en-US" dirty="0" smtClean="0"/>
-              <a:t>If you want to know more …</a:t>
-            </a:r>
-            <a:endParaRPr lang="nl-NL" dirty="0"/>
-          </a:p>
-        </p:txBody>
-      </p:sp>
-      <p:sp>
-        <p:nvSpPr>
-          <p:cNvPr id="7" name="Tijdelijke aanduiding voor inhoud 6"/>
-          <p:cNvSpPr>
-            <a:spLocks noGrp="1"/>
-          </p:cNvSpPr>
-          <p:nvPr>
-            <p:ph idx="1"/>
-          </p:nvPr>
-        </p:nvSpPr>
-        <p:spPr/>
-        <p:txBody>
-          <a:bodyPr/>
-          <a:lstStyle/>
-          <a:p>
-            <a:r>
-              <a:rPr lang="en-US" dirty="0" smtClean="0"/>
-              <a:t>Join the advanced workshop</a:t>
-            </a:r>
-          </a:p>
-          <a:p>
-            <a:r>
-              <a:rPr lang="en-US" dirty="0" smtClean="0"/>
-              <a:t>Download the material and read the extensive documentation</a:t>
-            </a:r>
-            <a:endParaRPr lang="nl-NL" dirty="0"/>
-          </a:p>
-        </p:txBody>
-      </p:sp>
-      <p:sp>
-        <p:nvSpPr>
-          <p:cNvPr id="5" name="Tijdelijke aanduiding voor dianummer 4"/>
-          <p:cNvSpPr>
-            <a:spLocks noGrp="1"/>
-          </p:cNvSpPr>
-          <p:nvPr>
-            <p:ph type="sldNum" sz="quarter" idx="12"/>
-          </p:nvPr>
-        </p:nvSpPr>
-        <p:spPr/>
-        <p:txBody>
-          <a:bodyPr/>
-          <a:lstStyle/>
-          <a:p>
-            <a:fld id="{6802DAD7-DC19-4A9E-93C3-E71314786426}" type="slidenum">
-              <a:rPr lang="nl-NL" smtClean="0"/>
-              <a:pPr/>
-              <a:t>30</a:t>
-            </a:fld>
-            <a:endParaRPr lang="nl-NL"/>
-          </a:p>
-        </p:txBody>
-      </p:sp>
-    </p:spTree>
-  </p:cSld>
-  <p:clrMapOvr>
-    <a:masterClrMapping/>
-  </p:clrMapOvr>
-</p:sld>
-</file>
-
-<file path=ppt/slides/slide31.xml><?xml version="1.0" encoding="utf-8"?>
-<p:sld xmlns:a="http://schemas.openxmlformats.org/drawingml/2006/main" xmlns:r="http://schemas.openxmlformats.org/officeDocument/2006/relationships" xmlns:p="http://schemas.openxmlformats.org/presentationml/2006/main">
-  <p:cSld>
-    <p:spTree>
-      <p:nvGrpSpPr>
-        <p:cNvPr id="1" name=""/>
-        <p:cNvGrpSpPr/>
-        <p:nvPr/>
-      </p:nvGrpSpPr>
-      <p:grpSpPr>
-        <a:xfrm>
-          <a:off x="0" y="0"/>
-          <a:ext cx="0" cy="0"/>
-          <a:chOff x="0" y="0"/>
-          <a:chExt cx="0" cy="0"/>
-        </a:xfrm>
-      </p:grpSpPr>
-      <p:sp>
-        <p:nvSpPr>
-          <p:cNvPr id="5" name="Titel 4"/>
-          <p:cNvSpPr>
-            <a:spLocks noGrp="1"/>
-          </p:cNvSpPr>
-          <p:nvPr>
-            <p:ph type="ctrTitle"/>
-          </p:nvPr>
-        </p:nvSpPr>
-        <p:spPr/>
-        <p:txBody>
-          <a:bodyPr/>
-          <a:lstStyle/>
-          <a:p>
-            <a:pPr algn="ctr"/>
-            <a:r>
-              <a:rPr lang="en-US" dirty="0" smtClean="0"/>
-              <a:t>Part 12: Clean up / teardown</a:t>
-            </a:r>
-            <a:endParaRPr lang="nl-NL" dirty="0"/>
-          </a:p>
-        </p:txBody>
-      </p:sp>
-      <p:sp>
-        <p:nvSpPr>
-          <p:cNvPr id="4" name="Tijdelijke aanduiding voor dianummer 3"/>
-          <p:cNvSpPr>
-            <a:spLocks noGrp="1"/>
-          </p:cNvSpPr>
-          <p:nvPr>
-            <p:ph type="sldNum" sz="quarter" idx="4294967295"/>
-          </p:nvPr>
-        </p:nvSpPr>
-        <p:spPr>
-          <a:xfrm>
-            <a:off x="8629650" y="4767263"/>
-            <a:ext cx="514350" cy="274637"/>
-          </a:xfrm>
-        </p:spPr>
-        <p:txBody>
-          <a:bodyPr/>
-          <a:lstStyle/>
-          <a:p>
-            <a:fld id="{6802DAD7-DC19-4A9E-93C3-E71314786426}" type="slidenum">
-              <a:rPr lang="nl-NL" smtClean="0"/>
-              <a:pPr/>
-              <a:t>31</a:t>
-            </a:fld>
-            <a:endParaRPr lang="nl-NL" dirty="0"/>
-          </a:p>
-        </p:txBody>
-      </p:sp>
-    </p:spTree>
-  </p:cSld>
-  <p:clrMapOvr>
-    <a:masterClrMapping/>
-  </p:clrMapOvr>
-</p:sld>
-</file>
-
-<file path=ppt/slides/slide32.xml><?xml version="1.0" encoding="utf-8"?>
-<p:sld xmlns:a="http://schemas.openxmlformats.org/drawingml/2006/main" xmlns:r="http://schemas.openxmlformats.org/officeDocument/2006/relationships" xmlns:p="http://schemas.openxmlformats.org/presentationml/2006/main">
-  <p:cSld>
-    <p:spTree>
-      <p:nvGrpSpPr>
-        <p:cNvPr id="1" name=""/>
-        <p:cNvGrpSpPr/>
-        <p:nvPr/>
-      </p:nvGrpSpPr>
-      <p:grpSpPr>
-        <a:xfrm>
-          <a:off x="0" y="0"/>
-          <a:ext cx="0" cy="0"/>
-          <a:chOff x="0" y="0"/>
-          <a:chExt cx="0" cy="0"/>
-        </a:xfrm>
-      </p:grpSpPr>
-      <p:sp>
-        <p:nvSpPr>
-          <p:cNvPr id="2" name="Titel 1"/>
-          <p:cNvSpPr>
-            <a:spLocks noGrp="1"/>
-          </p:cNvSpPr>
-          <p:nvPr>
-            <p:ph type="title"/>
-          </p:nvPr>
-        </p:nvSpPr>
-        <p:spPr>
-          <a:xfrm>
-            <a:off x="457200" y="0"/>
-            <a:ext cx="8229600" cy="1275605"/>
-          </a:xfrm>
-        </p:spPr>
-        <p:txBody>
-          <a:bodyPr>
-            <a:normAutofit fontScale="90000"/>
-          </a:bodyPr>
-          <a:lstStyle/>
-          <a:p>
-            <a:r>
-              <a:rPr lang="en-US" dirty="0" smtClean="0"/>
-              <a:t>If you continue to the Advanced Workshop …</a:t>
-            </a:r>
-            <a:endParaRPr lang="nl-NL" dirty="0"/>
-          </a:p>
-        </p:txBody>
-      </p:sp>
-      <p:sp>
-        <p:nvSpPr>
-          <p:cNvPr id="3" name="Tijdelijke aanduiding voor inhoud 2"/>
-          <p:cNvSpPr>
-            <a:spLocks noGrp="1"/>
-          </p:cNvSpPr>
-          <p:nvPr>
-            <p:ph idx="1"/>
-          </p:nvPr>
-        </p:nvSpPr>
-        <p:spPr>
-          <a:xfrm>
-            <a:off x="457200" y="1347613"/>
-            <a:ext cx="8229600" cy="3247009"/>
-          </a:xfrm>
-        </p:spPr>
-        <p:txBody>
-          <a:bodyPr/>
-          <a:lstStyle/>
-          <a:p>
-            <a:r>
-              <a:rPr lang="en-US" dirty="0" smtClean="0"/>
-              <a:t>You can continue to use your setup, with one exception:</a:t>
-            </a:r>
-          </a:p>
-          <a:p>
-            <a:r>
-              <a:rPr lang="en-US" dirty="0" smtClean="0"/>
-              <a:t>You need to move the Big Blue LED to pin 9</a:t>
-            </a:r>
-          </a:p>
-          <a:p>
-            <a:pPr lvl="1"/>
-            <a:r>
-              <a:rPr lang="en-US" dirty="0" smtClean="0"/>
-              <a:t>Direction: out, function: output (so no PWM)</a:t>
-            </a:r>
-          </a:p>
-          <a:p>
-            <a:r>
-              <a:rPr lang="en-US" dirty="0" smtClean="0"/>
-              <a:t>In the mean time you should know how to do this, otherwise please ask.</a:t>
-            </a:r>
-            <a:endParaRPr lang="nl-NL" dirty="0"/>
-          </a:p>
-        </p:txBody>
-      </p:sp>
-      <p:sp>
-        <p:nvSpPr>
-          <p:cNvPr id="4" name="Tijdelijke aanduiding voor dianummer 3"/>
-          <p:cNvSpPr>
-            <a:spLocks noGrp="1"/>
-          </p:cNvSpPr>
-          <p:nvPr>
-            <p:ph type="sldNum" sz="quarter" idx="12"/>
-          </p:nvPr>
-        </p:nvSpPr>
-        <p:spPr/>
-        <p:txBody>
-          <a:bodyPr/>
-          <a:lstStyle/>
-          <a:p>
-            <a:fld id="{6802DAD7-DC19-4A9E-93C3-E71314786426}" type="slidenum">
-              <a:rPr lang="nl-NL" smtClean="0"/>
-              <a:pPr/>
-              <a:t>32</a:t>
-            </a:fld>
-            <a:endParaRPr lang="nl-NL" dirty="0"/>
-          </a:p>
-        </p:txBody>
-      </p:sp>
-    </p:spTree>
-  </p:cSld>
-  <p:clrMapOvr>
-    <a:masterClrMapping/>
-  </p:clrMapOvr>
-</p:sld>
-</file>
-
-<file path=ppt/slides/slide33.xml><?xml version="1.0" encoding="utf-8"?>
-<p:sld xmlns:a="http://schemas.openxmlformats.org/drawingml/2006/main" xmlns:r="http://schemas.openxmlformats.org/officeDocument/2006/relationships" xmlns:p="http://schemas.openxmlformats.org/presentationml/2006/main">
-  <p:cSld>
-    <p:spTree>
-      <p:nvGrpSpPr>
-        <p:cNvPr id="1" name=""/>
-        <p:cNvGrpSpPr/>
-        <p:nvPr/>
-      </p:nvGrpSpPr>
-      <p:grpSpPr>
-        <a:xfrm>
-          <a:off x="0" y="0"/>
-          <a:ext cx="0" cy="0"/>
-          <a:chOff x="0" y="0"/>
-          <a:chExt cx="0" cy="0"/>
-        </a:xfrm>
-      </p:grpSpPr>
-      <p:sp>
-        <p:nvSpPr>
-          <p:cNvPr id="2" name="Titel 1"/>
-          <p:cNvSpPr>
-            <a:spLocks noGrp="1"/>
-          </p:cNvSpPr>
-          <p:nvPr>
-            <p:ph type="title"/>
-          </p:nvPr>
-        </p:nvSpPr>
-        <p:spPr/>
-        <p:txBody>
-          <a:bodyPr>
-            <a:normAutofit fontScale="90000"/>
-          </a:bodyPr>
-          <a:lstStyle/>
-          <a:p>
-            <a:r>
-              <a:rPr lang="en-US" dirty="0" smtClean="0"/>
-              <a:t>If your </a:t>
-            </a:r>
-            <a:r>
-              <a:rPr lang="en-US" dirty="0" err="1" smtClean="0"/>
-              <a:t>scratchClient</a:t>
-            </a:r>
-            <a:r>
-              <a:rPr lang="en-US" dirty="0" smtClean="0"/>
-              <a:t> day ends here …</a:t>
-            </a:r>
-            <a:endParaRPr lang="nl-NL" dirty="0"/>
-          </a:p>
-        </p:txBody>
-      </p:sp>
-      <p:sp>
-        <p:nvSpPr>
-          <p:cNvPr id="3" name="Tijdelijke aanduiding voor inhoud 2"/>
-          <p:cNvSpPr>
-            <a:spLocks noGrp="1"/>
-          </p:cNvSpPr>
-          <p:nvPr>
-            <p:ph idx="1"/>
-          </p:nvPr>
-        </p:nvSpPr>
-        <p:spPr>
-          <a:xfrm>
-            <a:off x="467544" y="1059582"/>
-            <a:ext cx="8229600" cy="3603848"/>
-          </a:xfrm>
-        </p:spPr>
-        <p:txBody>
-          <a:bodyPr>
-            <a:normAutofit fontScale="77500" lnSpcReduction="20000"/>
-          </a:bodyPr>
-          <a:lstStyle/>
-          <a:p>
-            <a:r>
-              <a:rPr lang="en-US" dirty="0" smtClean="0"/>
-              <a:t>Unplug the board from USB and power off the device</a:t>
-            </a:r>
-          </a:p>
-          <a:p>
-            <a:r>
-              <a:rPr lang="en-US" dirty="0" smtClean="0"/>
-              <a:t>Please remove all components and wires from the </a:t>
-            </a:r>
-            <a:r>
-              <a:rPr lang="en-US" b="1" dirty="0" smtClean="0"/>
-              <a:t>breadboard</a:t>
-            </a:r>
-          </a:p>
-          <a:p>
-            <a:r>
-              <a:rPr lang="en-US" dirty="0" smtClean="0"/>
-              <a:t>Remove all wires from the </a:t>
-            </a:r>
-            <a:r>
-              <a:rPr lang="en-US" b="1" dirty="0" err="1" smtClean="0"/>
-              <a:t>Arduino</a:t>
-            </a:r>
-            <a:r>
-              <a:rPr lang="en-US" b="1" dirty="0" smtClean="0"/>
-              <a:t> board</a:t>
-            </a:r>
-            <a:r>
-              <a:rPr lang="en-US" dirty="0" smtClean="0"/>
-              <a:t>.</a:t>
-            </a:r>
-          </a:p>
-          <a:p>
-            <a:r>
-              <a:rPr lang="en-US" b="1" dirty="0" smtClean="0"/>
-              <a:t>Leave the wires on the 3 color LED </a:t>
-            </a:r>
-            <a:r>
-              <a:rPr lang="en-US" dirty="0" smtClean="0"/>
-              <a:t>(you did not use that)</a:t>
-            </a:r>
-          </a:p>
-          <a:p>
-            <a:r>
-              <a:rPr lang="en-US" b="1" dirty="0" smtClean="0"/>
-              <a:t>Leave the wires on the buzzer</a:t>
-            </a:r>
-          </a:p>
-          <a:p>
-            <a:r>
-              <a:rPr lang="en-US" dirty="0" smtClean="0"/>
-              <a:t>If something is broken, please </a:t>
-            </a:r>
-          </a:p>
-          <a:p>
-            <a:pPr lvl="1"/>
-            <a:r>
-              <a:rPr lang="en-US" dirty="0" smtClean="0"/>
-              <a:t>Throw it away or hand it in (if it is unclear)</a:t>
-            </a:r>
-          </a:p>
-          <a:p>
-            <a:pPr lvl="1"/>
-            <a:r>
-              <a:rPr lang="en-US" dirty="0" smtClean="0"/>
-              <a:t>Put a note in the box that it is missing</a:t>
-            </a:r>
-          </a:p>
-          <a:p>
-            <a:pPr lvl="1"/>
-            <a:r>
-              <a:rPr lang="en-US" dirty="0" smtClean="0"/>
-              <a:t>Do not put anything that is broken back in the box</a:t>
-            </a:r>
-          </a:p>
-          <a:p>
-            <a:r>
-              <a:rPr lang="en-US" dirty="0" smtClean="0"/>
-              <a:t>Leave the </a:t>
-            </a:r>
-            <a:r>
-              <a:rPr lang="en-US" dirty="0" err="1" smtClean="0"/>
-              <a:t>Arduino</a:t>
-            </a:r>
-            <a:r>
-              <a:rPr lang="en-US" dirty="0" smtClean="0"/>
-              <a:t> running</a:t>
-            </a:r>
-          </a:p>
-          <a:p>
-            <a:r>
-              <a:rPr lang="en-US" dirty="0" smtClean="0"/>
-              <a:t>Let us know what you thought about this workshop, now orally or later by email</a:t>
-            </a:r>
-          </a:p>
-          <a:p>
-            <a:pPr lvl="1"/>
-            <a:r>
-              <a:rPr lang="en-US" dirty="0" smtClean="0">
-                <a:hlinkClick r:id="rId3"/>
-              </a:rPr>
-              <a:t>hans.piam@hanselma.nl</a:t>
-            </a:r>
-            <a:endParaRPr lang="en-US" dirty="0" smtClean="0"/>
-          </a:p>
-          <a:p>
-            <a:pPr lvl="1"/>
-            <a:r>
-              <a:rPr lang="en-US" dirty="0" smtClean="0">
-                <a:hlinkClick r:id="rId4"/>
-              </a:rPr>
-              <a:t>heppg@web.de</a:t>
-            </a:r>
-            <a:r>
-              <a:rPr lang="en-US" dirty="0" smtClean="0"/>
-              <a:t> </a:t>
-            </a:r>
-          </a:p>
-        </p:txBody>
-      </p:sp>
-      <p:sp>
-        <p:nvSpPr>
-          <p:cNvPr id="4" name="Tijdelijke aanduiding voor dianummer 3"/>
-          <p:cNvSpPr>
-            <a:spLocks noGrp="1"/>
-          </p:cNvSpPr>
-          <p:nvPr>
-            <p:ph type="sldNum" sz="quarter" idx="12"/>
-          </p:nvPr>
-        </p:nvSpPr>
-        <p:spPr/>
-        <p:txBody>
-          <a:bodyPr/>
-          <a:lstStyle/>
-          <a:p>
-            <a:fld id="{6802DAD7-DC19-4A9E-93C3-E71314786426}" type="slidenum">
-              <a:rPr lang="nl-NL" smtClean="0"/>
-              <a:pPr/>
-              <a:t>33</a:t>
-            </a:fld>
-            <a:endParaRPr lang="nl-NL" dirty="0"/>
-          </a:p>
-        </p:txBody>
-      </p:sp>
-    </p:spTree>
-  </p:cSld>
-  <p:clrMapOvr>
-    <a:masterClrMapping/>
-  </p:clrMapOvr>
-</p:sld>
-</file>
-
-<file path=ppt/slides/slide34.xml><?xml version="1.0" encoding="utf-8"?>
-<p:sld xmlns:a="http://schemas.openxmlformats.org/drawingml/2006/main" xmlns:r="http://schemas.openxmlformats.org/officeDocument/2006/relationships" xmlns:p="http://schemas.openxmlformats.org/presentationml/2006/main">
-  <p:cSld>
-    <p:spTree>
-      <p:nvGrpSpPr>
-        <p:cNvPr id="1" name=""/>
-        <p:cNvGrpSpPr/>
-        <p:nvPr/>
-      </p:nvGrpSpPr>
-      <p:grpSpPr>
-        <a:xfrm>
-          <a:off x="0" y="0"/>
-          <a:ext cx="0" cy="0"/>
-          <a:chOff x="0" y="0"/>
-          <a:chExt cx="0" cy="0"/>
-        </a:xfrm>
-      </p:grpSpPr>
-      <p:sp>
-        <p:nvSpPr>
-          <p:cNvPr id="5" name="Rechthoek 4"/>
-          <p:cNvSpPr/>
-          <p:nvPr/>
-        </p:nvSpPr>
-        <p:spPr>
-          <a:xfrm>
-            <a:off x="395536" y="1131590"/>
-            <a:ext cx="7992888" cy="648072"/>
-          </a:xfrm>
-          <a:prstGeom prst="rect">
-            <a:avLst/>
-          </a:prstGeom>
-          <a:solidFill>
-            <a:srgbClr val="FFFF00"/>
-          </a:solidFill>
-        </p:spPr>
-        <p:style>
-          <a:lnRef idx="2">
-            <a:schemeClr val="accent1">
-              <a:shade val="50000"/>
-            </a:schemeClr>
-          </a:lnRef>
-          <a:fillRef idx="1">
-            <a:schemeClr val="accent1"/>
-          </a:fillRef>
-          <a:effectRef idx="0">
-            <a:schemeClr val="accent1"/>
-          </a:effectRef>
-          <a:fontRef idx="minor">
-            <a:schemeClr val="lt1"/>
-          </a:fontRef>
-        </p:style>
-        <p:txBody>
-          <a:bodyPr rtlCol="0" anchor="ctr"/>
-          <a:lstStyle/>
-          <a:p>
-            <a:pPr algn="ctr"/>
-            <a:endParaRPr lang="nl-NL"/>
-          </a:p>
-        </p:txBody>
-      </p:sp>
-      <p:sp>
-        <p:nvSpPr>
-          <p:cNvPr id="2" name="Titel 1"/>
-          <p:cNvSpPr>
-            <a:spLocks noGrp="1"/>
-          </p:cNvSpPr>
-          <p:nvPr>
-            <p:ph type="title"/>
-          </p:nvPr>
-        </p:nvSpPr>
-        <p:spPr/>
-        <p:txBody>
-          <a:bodyPr/>
-          <a:lstStyle/>
-          <a:p>
-            <a:r>
-              <a:rPr lang="en-US" dirty="0" smtClean="0"/>
-              <a:t>More information</a:t>
-            </a:r>
-            <a:endParaRPr lang="nl-NL" dirty="0"/>
-          </a:p>
-        </p:txBody>
-      </p:sp>
-      <p:sp>
-        <p:nvSpPr>
-          <p:cNvPr id="3" name="Tijdelijke aanduiding voor inhoud 2"/>
-          <p:cNvSpPr>
-            <a:spLocks noGrp="1"/>
-          </p:cNvSpPr>
-          <p:nvPr>
-            <p:ph idx="1"/>
-          </p:nvPr>
-        </p:nvSpPr>
-        <p:spPr>
-          <a:xfrm>
-            <a:off x="457200" y="1200150"/>
-            <a:ext cx="8229600" cy="3531839"/>
-          </a:xfrm>
-        </p:spPr>
-        <p:txBody>
-          <a:bodyPr>
-            <a:normAutofit fontScale="85000" lnSpcReduction="20000"/>
-          </a:bodyPr>
-          <a:lstStyle/>
-          <a:p>
-            <a:r>
-              <a:rPr lang="en-US" dirty="0" smtClean="0"/>
-              <a:t>All workshop material</a:t>
-            </a:r>
-          </a:p>
-          <a:p>
-            <a:pPr lvl="1"/>
-            <a:r>
-              <a:rPr lang="en-US" dirty="0" smtClean="0">
-                <a:hlinkClick r:id="rId3"/>
-              </a:rPr>
-              <a:t>www.github.com</a:t>
-            </a:r>
-            <a:r>
-              <a:rPr lang="en-US" dirty="0" smtClean="0"/>
-              <a:t> and search for </a:t>
-            </a:r>
-            <a:r>
-              <a:rPr lang="en-US" i="1" dirty="0" err="1" smtClean="0"/>
-              <a:t>Weekendschool</a:t>
-            </a:r>
-            <a:r>
-              <a:rPr lang="en-US" dirty="0" smtClean="0"/>
-              <a:t> or for </a:t>
-            </a:r>
-            <a:r>
-              <a:rPr lang="en-US" i="1" dirty="0" err="1" smtClean="0"/>
-              <a:t>PiAndMore</a:t>
-            </a:r>
-            <a:endParaRPr lang="en-US" i="1" dirty="0" smtClean="0"/>
-          </a:p>
-          <a:p>
-            <a:r>
-              <a:rPr lang="en-US" dirty="0" err="1" smtClean="0"/>
-              <a:t>scratchClient</a:t>
-            </a:r>
-            <a:endParaRPr lang="en-US" dirty="0" smtClean="0"/>
-          </a:p>
-          <a:p>
-            <a:pPr lvl="1"/>
-            <a:r>
-              <a:rPr lang="nl-NL" dirty="0" smtClean="0">
-                <a:hlinkClick r:id="rId4"/>
-              </a:rPr>
-              <a:t>http://heppg.de/ikg/wordpress/?page_id=6</a:t>
-            </a:r>
-            <a:endParaRPr lang="nl-NL" dirty="0" smtClean="0"/>
-          </a:p>
-          <a:p>
-            <a:r>
-              <a:rPr lang="en-US" dirty="0" smtClean="0"/>
-              <a:t>Scratch</a:t>
-            </a:r>
-          </a:p>
-          <a:p>
-            <a:pPr lvl="1"/>
-            <a:r>
-              <a:rPr lang="nl-NL" dirty="0" smtClean="0">
-                <a:hlinkClick r:id="rId5"/>
-              </a:rPr>
-              <a:t>https://scratch.mit.edu/</a:t>
-            </a:r>
-            <a:endParaRPr lang="nl-NL" dirty="0" smtClean="0"/>
-          </a:p>
-          <a:p>
-            <a:r>
-              <a:rPr lang="en-US" dirty="0" smtClean="0"/>
-              <a:t>Scratch on Raspberry Pi</a:t>
-            </a:r>
-          </a:p>
-          <a:p>
-            <a:pPr lvl="1"/>
-            <a:r>
-              <a:rPr lang="nl-NL" dirty="0" smtClean="0">
-                <a:hlinkClick r:id="rId6"/>
-              </a:rPr>
-              <a:t>https://www.raspberrypi.org/forums/viewforum.php?f=77</a:t>
-            </a:r>
-            <a:endParaRPr lang="en-US" dirty="0" smtClean="0"/>
-          </a:p>
-          <a:p>
-            <a:r>
-              <a:rPr lang="en-US" dirty="0" smtClean="0"/>
-              <a:t>Raspberry Pi</a:t>
-            </a:r>
-          </a:p>
-          <a:p>
-            <a:pPr lvl="1"/>
-            <a:r>
-              <a:rPr lang="nl-NL" dirty="0" smtClean="0">
-                <a:hlinkClick r:id="rId7"/>
-              </a:rPr>
-              <a:t>https://www.raspberrypi.org/</a:t>
-            </a:r>
-            <a:endParaRPr lang="nl-NL" dirty="0" smtClean="0"/>
-          </a:p>
-          <a:p>
-            <a:r>
-              <a:rPr lang="en-US" dirty="0" err="1" smtClean="0"/>
-              <a:t>Arduino</a:t>
-            </a:r>
-            <a:endParaRPr lang="en-US" dirty="0" smtClean="0"/>
-          </a:p>
-          <a:p>
-            <a:pPr lvl="1"/>
-            <a:r>
-              <a:rPr lang="nl-NL" dirty="0" smtClean="0">
-                <a:hlinkClick r:id="rId8"/>
-              </a:rPr>
-              <a:t>https://www.arduino.cc/</a:t>
-            </a:r>
-            <a:endParaRPr lang="nl-NL" dirty="0" smtClean="0"/>
-          </a:p>
-        </p:txBody>
-      </p:sp>
-      <p:sp>
-        <p:nvSpPr>
-          <p:cNvPr id="4" name="Tijdelijke aanduiding voor dianummer 3"/>
-          <p:cNvSpPr>
-            <a:spLocks noGrp="1"/>
-          </p:cNvSpPr>
-          <p:nvPr>
-            <p:ph type="sldNum" sz="quarter" idx="12"/>
-          </p:nvPr>
-        </p:nvSpPr>
-        <p:spPr/>
-        <p:txBody>
-          <a:bodyPr/>
-          <a:lstStyle/>
-          <a:p>
-            <a:fld id="{6802DAD7-DC19-4A9E-93C3-E71314786426}" type="slidenum">
-              <a:rPr lang="nl-NL" smtClean="0"/>
-              <a:pPr/>
-              <a:t>34</a:t>
-            </a:fld>
-            <a:endParaRPr lang="nl-NL"/>
-          </a:p>
-        </p:txBody>
-      </p:sp>
-    </p:spTree>
-  </p:cSld>
-  <p:clrMapOvr>
-    <a:masterClrMapping/>
-  </p:clrMapOvr>
-  <p:timing>
-    <p:tnLst>
-      <p:par>
-        <p:cTn id="1" dur="indefinite" restart="never" nodeType="tmRoot"/>
-      </p:par>
-    </p:tnLst>
-  </p:timing>
-</p:sld>
-</file>
-
-<file path=ppt/slides/slide35.xml><?xml version="1.0" encoding="utf-8"?>
-<p:sld xmlns:a="http://schemas.openxmlformats.org/drawingml/2006/main" xmlns:r="http://schemas.openxmlformats.org/officeDocument/2006/relationships" xmlns:p="http://schemas.openxmlformats.org/presentationml/2006/main">
-  <p:cSld>
-    <p:spTree>
-      <p:nvGrpSpPr>
-        <p:cNvPr id="1" name=""/>
-        <p:cNvGrpSpPr/>
-        <p:nvPr/>
-      </p:nvGrpSpPr>
-      <p:grpSpPr>
-        <a:xfrm>
-          <a:off x="0" y="0"/>
-          <a:ext cx="0" cy="0"/>
-          <a:chOff x="0" y="0"/>
-          <a:chExt cx="0" cy="0"/>
-        </a:xfrm>
-      </p:grpSpPr>
-      <p:sp>
-        <p:nvSpPr>
-          <p:cNvPr id="5" name="Titel 4"/>
-          <p:cNvSpPr>
-            <a:spLocks noGrp="1"/>
-          </p:cNvSpPr>
-          <p:nvPr>
-            <p:ph type="title"/>
-          </p:nvPr>
-        </p:nvSpPr>
-        <p:spPr/>
-        <p:txBody>
-          <a:bodyPr/>
-          <a:lstStyle/>
-          <a:p>
-            <a:pPr algn="ctr"/>
-            <a:r>
-              <a:rPr lang="en-US" dirty="0" smtClean="0"/>
-              <a:t>The End</a:t>
-            </a:r>
-            <a:endParaRPr lang="nl-NL" dirty="0"/>
-          </a:p>
-        </p:txBody>
-      </p:sp>
-      <p:sp>
-        <p:nvSpPr>
-          <p:cNvPr id="4" name="Tijdelijke aanduiding voor dianummer 3"/>
-          <p:cNvSpPr>
-            <a:spLocks noGrp="1"/>
-          </p:cNvSpPr>
-          <p:nvPr>
-            <p:ph type="sldNum" sz="quarter" idx="4294967295"/>
-          </p:nvPr>
-        </p:nvSpPr>
-        <p:spPr>
-          <a:xfrm>
-            <a:off x="8629650" y="4767263"/>
-            <a:ext cx="514350" cy="274637"/>
-          </a:xfrm>
-        </p:spPr>
-        <p:txBody>
-          <a:bodyPr/>
-          <a:lstStyle/>
-          <a:p>
-            <a:fld id="{6802DAD7-DC19-4A9E-93C3-E71314786426}" type="slidenum">
-              <a:rPr lang="nl-NL" smtClean="0"/>
-              <a:pPr/>
-              <a:t>35</a:t>
             </a:fld>
             <a:endParaRPr lang="nl-NL" dirty="0"/>
           </a:p>
@@ -12644,6 +10182,30 @@
               <a:rPr lang="en-US" sz="1800" dirty="0" smtClean="0"/>
               <a:t> resistor in series for the reasons discussed earlier</a:t>
             </a:r>
+          </a:p>
+        </p:txBody>
+      </p:sp>
+      <p:sp>
+        <p:nvSpPr>
+          <p:cNvPr id="25" name="Tijdelijke aanduiding voor dianummer 24"/>
+          <p:cNvSpPr>
+            <a:spLocks noGrp="1"/>
+          </p:cNvSpPr>
+          <p:nvPr>
+            <p:ph type="sldNum" sz="quarter" idx="12"/>
+          </p:nvPr>
+        </p:nvSpPr>
+        <p:spPr/>
+        <p:txBody>
+          <a:bodyPr/>
+          <a:lstStyle/>
+          <a:p>
+            <a:fld id="{6802DAD7-DC19-4A9E-93C3-E71314786426}" type="slidenum">
+              <a:rPr lang="nl-NL" smtClean="0"/>
+              <a:pPr/>
+              <a:t>4</a:t>
+            </a:fld>
+            <a:endParaRPr lang="nl-NL" dirty="0"/>
           </a:p>
         </p:txBody>
       </p:sp>
@@ -13163,7 +10725,7 @@
         <p:spPr>
           <a:xfrm>
             <a:off x="6444208" y="2715766"/>
-            <a:ext cx="2376264" cy="1938992"/>
+            <a:ext cx="2592288" cy="2308324"/>
           </a:xfrm>
           <a:prstGeom prst="rect">
             <a:avLst/>
@@ -13225,33 +10787,35 @@
               <a:rPr lang="en-US" sz="1200" dirty="0" smtClean="0">
                 <a:sym typeface="Wingdings" pitchFamily="2" charset="2"/>
               </a:rPr>
-              <a:t> short circuit!</a:t>
+              <a:t> short circuit</a:t>
+            </a:r>
+            <a:r>
+              <a:rPr lang="en-US" sz="1200" dirty="0" smtClean="0">
+                <a:sym typeface="Wingdings" pitchFamily="2" charset="2"/>
+              </a:rPr>
+              <a:t>!</a:t>
+            </a:r>
+          </a:p>
+          <a:p>
+            <a:r>
+              <a:rPr lang="en-US" sz="1200" dirty="0" smtClean="0">
+                <a:sym typeface="Wingdings" pitchFamily="2" charset="2"/>
+              </a:rPr>
+              <a:t>Likewise if the potentiometer is close to the 5 Volt side and  the </a:t>
+            </a:r>
+            <a:r>
+              <a:rPr lang="en-US" sz="1200" dirty="0" err="1" smtClean="0">
+                <a:sym typeface="Wingdings" pitchFamily="2" charset="2"/>
+              </a:rPr>
+              <a:t>Arduino</a:t>
+            </a:r>
+            <a:r>
+              <a:rPr lang="en-US" sz="1200" dirty="0" smtClean="0">
+                <a:sym typeface="Wingdings" pitchFamily="2" charset="2"/>
+              </a:rPr>
+              <a:t> would output  0 Volt.</a:t>
             </a:r>
             <a:endParaRPr lang="nl-NL" sz="1200" dirty="0"/>
-          </a:p>
-        </p:txBody>
-      </p:sp>
-      <p:sp>
-        <p:nvSpPr>
-          <p:cNvPr id="25" name="Tijdelijke aanduiding voor dianummer 24"/>
-          <p:cNvSpPr>
-            <a:spLocks noGrp="1"/>
-          </p:cNvSpPr>
-          <p:nvPr>
-            <p:ph type="sldNum" sz="quarter" idx="12"/>
-          </p:nvPr>
-        </p:nvSpPr>
-        <p:spPr/>
-        <p:txBody>
-          <a:bodyPr/>
-          <a:lstStyle/>
-          <a:p>
-            <a:fld id="{6802DAD7-DC19-4A9E-93C3-E71314786426}" type="slidenum">
-              <a:rPr lang="nl-NL" smtClean="0"/>
-              <a:pPr/>
-              <a:t>4</a:t>
-            </a:fld>
-            <a:endParaRPr lang="nl-NL" dirty="0"/>
           </a:p>
         </p:txBody>
       </p:sp>
@@ -13266,7 +10830,7 @@
         <p:spPr>
           <a:xfrm>
             <a:off x="7092280" y="2427734"/>
-            <a:ext cx="540060" cy="288032"/>
+            <a:ext cx="648072" cy="288032"/>
           </a:xfrm>
           <a:prstGeom prst="bentConnector2">
             <a:avLst/>
@@ -14619,8 +12183,13 @@
             <a:pPr lvl="1"/>
             <a:r>
               <a:rPr lang="en-US" dirty="0" smtClean="0"/>
-              <a:t>Between about 0 and about 1024</a:t>
-            </a:r>
+              <a:t>Between about 0 and about </a:t>
+            </a:r>
+            <a:r>
+              <a:rPr lang="en-US" dirty="0" smtClean="0"/>
+              <a:t>1023</a:t>
+            </a:r>
+            <a:endParaRPr lang="en-US" dirty="0" smtClean="0"/>
           </a:p>
           <a:p>
             <a:r>
@@ -14656,7 +12225,7 @@
       </p:sp>
       <p:pic>
         <p:nvPicPr>
-          <p:cNvPr id="1026" name="Picture 2" descr="Y:\PiAndMore10.5\Screenshots\2018-02-07__00-03-1517961830.jpg"/>
+          <p:cNvPr id="5" name="Picture 2" descr="Y:\screenshots\2018-05-21__22-19-1526933982.jpg"/>
           <p:cNvPicPr>
             <a:picLocks noChangeAspect="1" noChangeArrowheads="1"/>
           </p:cNvPicPr>
@@ -14671,8 +12240,8 @@
         </p:blipFill>
         <p:spPr bwMode="auto">
           <a:xfrm>
-            <a:off x="6732240" y="1707654"/>
-            <a:ext cx="1314450" cy="1123950"/>
+            <a:off x="6876256" y="1635646"/>
+            <a:ext cx="1962150" cy="1209675"/>
           </a:xfrm>
           <a:prstGeom prst="rect">
             <a:avLst/>
@@ -14913,7 +12482,7 @@
 </file>
 
 <file path=ppt/theme/theme1.xml><?xml version="1.0" encoding="utf-8"?>
-<a:theme xmlns:a="http://schemas.openxmlformats.org/drawingml/2006/main" name="Office-thema">
+<a:theme xmlns:a="http://schemas.openxmlformats.org/drawingml/2006/main" name="UK - 1 - scratchCl Beginners Tutorial">
   <a:themeElements>
     <a:clrScheme name="Kantoor">
       <a:dk1>

--- a/scratchClientTutorial/UK---English/UK - 2 - scratchCl Intermediate Tutorial.pptx
+++ b/scratchClientTutorial/UK---English/UK - 2 - scratchCl Intermediate Tutorial.pptx
@@ -221,7 +221,7 @@
             <a:fld id="{DB6A203D-5BB1-439B-9A8B-0C4974EC0C08}" type="datetimeFigureOut">
               <a:rPr lang="nl-NL" smtClean="0"/>
               <a:pPr/>
-              <a:t>21-5-2018</a:t>
+              <a:t>26-8-2018</a:t>
             </a:fld>
             <a:endParaRPr lang="nl-NL"/>
           </a:p>
@@ -5199,7 +5199,7 @@
         </p:spPr>
         <p:txBody>
           <a:bodyPr>
-            <a:normAutofit lnSpcReduction="10000"/>
+            <a:normAutofit/>
           </a:bodyPr>
           <a:lstStyle/>
           <a:p>
@@ -5248,25 +5248,7 @@
                   <a:schemeClr val="bg1"/>
                 </a:solidFill>
               </a:rPr>
-              <a:t>Pi And More 10 1/2</a:t>
-            </a:r>
-          </a:p>
-          <a:p>
-            <a:r>
-              <a:rPr lang="en-US" dirty="0" smtClean="0">
-                <a:solidFill>
-                  <a:schemeClr val="bg1"/>
-                </a:solidFill>
-              </a:rPr>
-              <a:t>Stuttgart – 24 February </a:t>
-            </a:r>
-            <a:r>
-              <a:rPr lang="en-US" dirty="0" smtClean="0">
-                <a:solidFill>
-                  <a:schemeClr val="bg1"/>
-                </a:solidFill>
-              </a:rPr>
-              <a:t>2018 </a:t>
+              <a:t>Workshop for the Pi And More conference</a:t>
             </a:r>
             <a:endParaRPr lang="nl-NL" dirty="0">
               <a:solidFill>
@@ -6203,7 +6185,7 @@
                   <a:schemeClr val="bg1"/>
                 </a:solidFill>
               </a:rPr>
-              <a:t>Don’t forget: power off and USB cable out before making changes!</a:t>
+              <a:t>Don’t forget: 9V and USB cable out before making changes!</a:t>
             </a:r>
             <a:endParaRPr lang="nl-NL" dirty="0">
               <a:solidFill>
@@ -6353,8 +6335,9 @@
           <a:p>
             <a:r>
               <a:rPr lang="en-US" dirty="0" smtClean="0"/>
-              <a:t>Switch the power on again and reconnect</a:t>
-            </a:r>
+              <a:t>Reconnect USB and 9V adapter</a:t>
+            </a:r>
+            <a:endParaRPr lang="en-US" dirty="0" smtClean="0"/>
           </a:p>
           <a:p>
             <a:r>
@@ -6404,22 +6387,13 @@
             </a:r>
             <a:r>
               <a:rPr lang="en-US" dirty="0" smtClean="0"/>
-              <a:t>values between 0 and </a:t>
-            </a:r>
+              <a:t>values between 0 and 255</a:t>
+            </a:r>
+          </a:p>
+          <a:p>
             <a:r>
               <a:rPr lang="en-US" dirty="0" smtClean="0"/>
-              <a:t>255</a:t>
-            </a:r>
-            <a:endParaRPr lang="en-US" dirty="0" smtClean="0"/>
-          </a:p>
-          <a:p>
-            <a:r>
-              <a:rPr lang="en-US" dirty="0" smtClean="0"/>
-              <a:t>Does </a:t>
-            </a:r>
-            <a:r>
-              <a:rPr lang="en-US" dirty="0" smtClean="0"/>
-              <a:t>the LED brightness change?</a:t>
+              <a:t>Does the LED brightness change?</a:t>
             </a:r>
             <a:endParaRPr lang="nl-NL" dirty="0"/>
           </a:p>
@@ -6531,15 +6505,7 @@
           <a:p>
             <a:r>
               <a:rPr lang="en-US" dirty="0" smtClean="0"/>
-              <a:t>Make some code that takes the potentiometer reading (between 0 and </a:t>
-            </a:r>
-            <a:r>
-              <a:rPr lang="en-US" dirty="0" smtClean="0"/>
-              <a:t>1023) </a:t>
-            </a:r>
-            <a:r>
-              <a:rPr lang="en-US" dirty="0" smtClean="0"/>
-              <a:t>and transforms it into the range 0 to 255 (so divide by 4) and set the value of </a:t>
+              <a:t>Make some code that takes the potentiometer reading (between 0 and 1023) and transforms it into the range 0 to 255 (so divide by 4) and set the value of </a:t>
             </a:r>
             <a:r>
               <a:rPr lang="en-US" i="1" dirty="0" err="1" smtClean="0"/>
@@ -7540,7 +7506,23 @@
                   <a:schemeClr val="bg1"/>
                 </a:solidFill>
               </a:rPr>
-              <a:t>Don’t forget: power off and USB cable out before making changes!</a:t>
+              <a:t>Don’t forget: </a:t>
+            </a:r>
+            <a:r>
+              <a:rPr lang="en-US" dirty="0" smtClean="0">
+                <a:solidFill>
+                  <a:schemeClr val="bg1"/>
+                </a:solidFill>
+              </a:rPr>
+              <a:t>9V and </a:t>
+            </a:r>
+            <a:r>
+              <a:rPr lang="en-US" dirty="0" smtClean="0">
+                <a:solidFill>
+                  <a:schemeClr val="bg1"/>
+                </a:solidFill>
+              </a:rPr>
+              <a:t>USB cable out before making changes!</a:t>
             </a:r>
             <a:endParaRPr lang="nl-NL" dirty="0">
               <a:solidFill>
@@ -7773,11 +7755,7 @@
           <a:p>
             <a:r>
               <a:rPr lang="en-US" dirty="0" smtClean="0"/>
-              <a:t>Update </a:t>
-            </a:r>
-            <a:r>
-              <a:rPr lang="en-US" dirty="0" smtClean="0"/>
-              <a:t>the loop where you set the </a:t>
+              <a:t>Update the loop where you set the </a:t>
             </a:r>
             <a:r>
               <a:rPr lang="en-US" i="1" dirty="0" smtClean="0"/>
@@ -8830,7 +8808,7 @@
                   <a:schemeClr val="bg1"/>
                 </a:solidFill>
               </a:rPr>
-              <a:t>Don’t forget: power off and USB cable out before updating!</a:t>
+              <a:t>Don’t forget: 9V and USB cable out before making changes!</a:t>
             </a:r>
             <a:endParaRPr lang="nl-NL" dirty="0">
               <a:solidFill>
@@ -9145,11 +9123,7 @@
           <a:p>
             <a:r>
               <a:rPr lang="en-US" dirty="0" smtClean="0"/>
-              <a:t>Add </a:t>
-            </a:r>
-            <a:r>
-              <a:rPr lang="en-US" dirty="0" smtClean="0"/>
-              <a:t>the setting of the buzzer to the loop where you already set the servo and the Big Blue LED.</a:t>
+              <a:t>Add the setting of the buzzer to the loop where you already set the servo and the Big Blue LED.</a:t>
             </a:r>
           </a:p>
           <a:p>
@@ -9475,7 +9449,19 @@
             <a:pPr algn="ctr"/>
             <a:r>
               <a:rPr lang="en-US" dirty="0" smtClean="0"/>
-              <a:t>Part 11: Summary &amp; take </a:t>
+              <a:t>Part </a:t>
+            </a:r>
+            <a:r>
+              <a:rPr lang="en-US" dirty="0" smtClean="0"/>
+              <a:t>3</a:t>
+            </a:r>
+            <a:r>
+              <a:rPr lang="en-US" dirty="0" smtClean="0"/>
+              <a:t>: </a:t>
+            </a:r>
+            <a:r>
+              <a:rPr lang="en-US" dirty="0" smtClean="0"/>
+              <a:t>Summary &amp; take </a:t>
             </a:r>
             <a:r>
               <a:rPr lang="en-US" dirty="0" err="1" smtClean="0"/>
@@ -9549,7 +9535,12 @@
             <p:ph type="title"/>
           </p:nvPr>
         </p:nvSpPr>
-        <p:spPr/>
+        <p:spPr>
+          <a:xfrm>
+            <a:off x="395536" y="51470"/>
+            <a:ext cx="8229600" cy="857250"/>
+          </a:xfrm>
+        </p:spPr>
         <p:txBody>
           <a:bodyPr>
             <a:normAutofit fontScale="90000"/>
@@ -9558,15 +9549,7 @@
           <a:p>
             <a:r>
               <a:rPr lang="en-US" dirty="0" smtClean="0"/>
-              <a:t>Takeaways </a:t>
-            </a:r>
-            <a:r>
-              <a:rPr lang="en-US" dirty="0" smtClean="0"/>
-              <a:t>of the </a:t>
-            </a:r>
-            <a:r>
-              <a:rPr lang="en-US" dirty="0" smtClean="0"/>
-              <a:t>beginners and intermediate workshops</a:t>
+              <a:t>Takeaways of the beginners and intermediate workshops</a:t>
             </a:r>
             <a:endParaRPr lang="nl-NL" dirty="0"/>
           </a:p>
@@ -9590,246 +9573,91 @@
         </p:spPr>
         <p:txBody>
           <a:bodyPr>
-            <a:normAutofit fontScale="55000" lnSpcReduction="20000"/>
+            <a:normAutofit/>
           </a:bodyPr>
           <a:lstStyle/>
           <a:p>
             <a:r>
-              <a:rPr lang="en-US" dirty="0" smtClean="0"/>
+              <a:rPr lang="en-US" sz="1400" dirty="0" smtClean="0"/>
               <a:t>Functions that a pin on </a:t>
             </a:r>
             <a:r>
-              <a:rPr lang="en-US" dirty="0" err="1" smtClean="0"/>
+              <a:rPr lang="en-US" sz="1400" dirty="0" err="1" smtClean="0"/>
               <a:t>Arduino</a:t>
             </a:r>
             <a:r>
-              <a:rPr lang="en-US" dirty="0" smtClean="0"/>
+              <a:rPr lang="en-US" sz="1400" dirty="0" smtClean="0"/>
               <a:t> can have:</a:t>
             </a:r>
           </a:p>
           <a:p>
             <a:pPr lvl="1"/>
             <a:r>
-              <a:rPr lang="en-US" dirty="0" smtClean="0"/>
+              <a:rPr lang="en-US" sz="1200" dirty="0" smtClean="0"/>
               <a:t>Digital In</a:t>
             </a:r>
           </a:p>
           <a:p>
             <a:pPr lvl="1"/>
             <a:r>
-              <a:rPr lang="en-US" dirty="0" smtClean="0"/>
+              <a:rPr lang="en-US" sz="1200" dirty="0" smtClean="0"/>
               <a:t>Digital Out</a:t>
             </a:r>
           </a:p>
           <a:p>
             <a:pPr lvl="1"/>
             <a:r>
-              <a:rPr lang="en-US" dirty="0" smtClean="0"/>
+              <a:rPr lang="en-US" sz="1200" dirty="0" smtClean="0"/>
               <a:t>Analog In</a:t>
             </a:r>
           </a:p>
           <a:p>
             <a:pPr lvl="1"/>
             <a:r>
-              <a:rPr lang="en-US" i="1" dirty="0" smtClean="0"/>
+              <a:rPr lang="en-US" sz="1200" i="1" dirty="0" smtClean="0"/>
               <a:t>No Analog Out</a:t>
             </a:r>
           </a:p>
           <a:p>
             <a:pPr lvl="1"/>
             <a:r>
-              <a:rPr lang="en-US" dirty="0" smtClean="0"/>
-              <a:t>Pulse Width Modulation as </a:t>
-            </a:r>
-            <a:r>
-              <a:rPr lang="en-US" dirty="0" smtClean="0"/>
-              <a:t>alternative for Analog Out</a:t>
-            </a:r>
-            <a:endParaRPr lang="en-US" dirty="0" smtClean="0"/>
+              <a:rPr lang="en-US" sz="1200" dirty="0" smtClean="0"/>
+              <a:t>Pulse Width Modulation as alternative for Analog Out</a:t>
+            </a:r>
           </a:p>
           <a:p>
             <a:pPr lvl="2"/>
             <a:r>
-              <a:rPr lang="en-US" dirty="0" smtClean="0"/>
+              <a:rPr lang="en-US" sz="1100" dirty="0" smtClean="0"/>
               <a:t>For modulating the brightness of a LED</a:t>
             </a:r>
           </a:p>
           <a:p>
             <a:pPr lvl="2"/>
             <a:r>
-              <a:rPr lang="en-US" dirty="0" smtClean="0"/>
+              <a:rPr lang="en-US" sz="1100" dirty="0" smtClean="0"/>
               <a:t>For controlling a servo</a:t>
             </a:r>
           </a:p>
           <a:p>
             <a:pPr lvl="2"/>
             <a:r>
-              <a:rPr lang="en-US" dirty="0" smtClean="0"/>
+              <a:rPr lang="en-US" sz="1100" dirty="0" smtClean="0"/>
               <a:t>For controlling a buzzer</a:t>
             </a:r>
           </a:p>
           <a:p>
             <a:pPr lvl="1"/>
             <a:r>
-              <a:rPr lang="en-US" dirty="0" smtClean="0"/>
+              <a:rPr lang="en-US" sz="1200" dirty="0" smtClean="0"/>
               <a:t>There a few more, see the advanced workshop</a:t>
             </a:r>
           </a:p>
           <a:p>
             <a:pPr lvl="1"/>
             <a:r>
-              <a:rPr lang="en-US" dirty="0" smtClean="0"/>
+              <a:rPr lang="en-US" sz="1200" dirty="0" smtClean="0"/>
               <a:t>You can configure pull up resistors on Digital In</a:t>
-            </a:r>
-          </a:p>
-        </p:txBody>
-      </p:sp>
-      <p:sp>
-        <p:nvSpPr>
-          <p:cNvPr id="5" name="Tijdelijke aanduiding voor inhoud 4"/>
-          <p:cNvSpPr>
-            <a:spLocks noGrp="1"/>
-          </p:cNvSpPr>
-          <p:nvPr>
-            <p:ph sz="half" idx="2"/>
-          </p:nvPr>
-        </p:nvSpPr>
-        <p:spPr>
-          <a:xfrm>
-            <a:off x="539552" y="1131590"/>
-            <a:ext cx="5328592" cy="3744416"/>
-          </a:xfrm>
-        </p:spPr>
-        <p:txBody>
-          <a:bodyPr>
-            <a:normAutofit fontScale="55000" lnSpcReduction="20000"/>
-          </a:bodyPr>
-          <a:lstStyle/>
-          <a:p>
-            <a:r>
-              <a:rPr lang="en-US" dirty="0" smtClean="0"/>
-              <a:t>With </a:t>
-            </a:r>
-            <a:r>
-              <a:rPr lang="en-US" dirty="0" err="1" smtClean="0"/>
-              <a:t>scratchClient</a:t>
-            </a:r>
-            <a:r>
-              <a:rPr lang="en-US" dirty="0" smtClean="0"/>
-              <a:t> you </a:t>
-            </a:r>
-            <a:r>
-              <a:rPr lang="en-US" dirty="0" smtClean="0"/>
-              <a:t>define:</a:t>
-            </a:r>
-            <a:endParaRPr lang="en-US" dirty="0" smtClean="0"/>
-          </a:p>
-          <a:p>
-            <a:pPr lvl="1"/>
-            <a:r>
-              <a:rPr lang="en-US" dirty="0" smtClean="0"/>
-              <a:t>Function of each pin</a:t>
-            </a:r>
-          </a:p>
-          <a:p>
-            <a:pPr lvl="1"/>
-            <a:r>
-              <a:rPr lang="en-US" dirty="0" smtClean="0"/>
-              <a:t>Symbolic name for each configured pin</a:t>
-            </a:r>
-          </a:p>
-          <a:p>
-            <a:r>
-              <a:rPr lang="en-US" dirty="0" err="1" smtClean="0"/>
-              <a:t>scratchClient</a:t>
-            </a:r>
-            <a:r>
-              <a:rPr lang="en-US" dirty="0" smtClean="0"/>
-              <a:t> </a:t>
-            </a:r>
-            <a:r>
-              <a:rPr lang="en-US" dirty="0" err="1" smtClean="0"/>
-              <a:t>config</a:t>
-            </a:r>
-            <a:r>
-              <a:rPr lang="en-US" dirty="0" smtClean="0"/>
-              <a:t> is the tool to setup the configuration </a:t>
-            </a:r>
-          </a:p>
-          <a:p>
-            <a:r>
-              <a:rPr lang="en-US" dirty="0" smtClean="0"/>
-              <a:t>Restart </a:t>
-            </a:r>
-            <a:r>
-              <a:rPr lang="en-US" dirty="0" err="1" smtClean="0"/>
-              <a:t>scratchClient</a:t>
-            </a:r>
-            <a:r>
-              <a:rPr lang="en-US" dirty="0" smtClean="0"/>
-              <a:t> after you changed the configuration</a:t>
-            </a:r>
-          </a:p>
-          <a:p>
-            <a:r>
-              <a:rPr lang="en-US" dirty="0" smtClean="0"/>
-              <a:t>Put a resistor in series with LEDs</a:t>
-            </a:r>
-          </a:p>
-          <a:p>
-            <a:r>
-              <a:rPr lang="en-US" dirty="0" smtClean="0"/>
-              <a:t>Put a resistor in series with switches</a:t>
-            </a:r>
-          </a:p>
-          <a:p>
-            <a:r>
-              <a:rPr lang="en-US" dirty="0" smtClean="0"/>
-              <a:t>Put a resistor in series with the middle contact of a potentiometer.</a:t>
-            </a:r>
-          </a:p>
-          <a:p>
-            <a:r>
-              <a:rPr lang="en-US" dirty="0" smtClean="0"/>
-              <a:t>Configure a pull up resistor if the input signal goes between 0 Volt and being open rather than between 0 Volt and 3 to 5 Volt.</a:t>
-            </a:r>
-          </a:p>
-          <a:p>
-            <a:r>
-              <a:rPr lang="en-US" dirty="0" smtClean="0"/>
-              <a:t>Output signals are controlled from Scratch </a:t>
-            </a:r>
-            <a:r>
-              <a:rPr lang="en-US" dirty="0" smtClean="0"/>
-              <a:t>via the extension blocks</a:t>
-            </a:r>
-            <a:endParaRPr lang="en-US" dirty="0" smtClean="0"/>
-          </a:p>
-          <a:p>
-            <a:r>
-              <a:rPr lang="en-US" dirty="0" smtClean="0"/>
-              <a:t>Input signals are </a:t>
-            </a:r>
-            <a:r>
-              <a:rPr lang="en-US" dirty="0" smtClean="0"/>
-              <a:t>obtained via extension blocks</a:t>
-            </a:r>
-            <a:endParaRPr lang="en-US" dirty="0" smtClean="0"/>
-          </a:p>
-          <a:p>
-            <a:r>
-              <a:rPr lang="en-US" dirty="0" smtClean="0"/>
-              <a:t>You can monitor the value of all pins from the browser</a:t>
-            </a:r>
-          </a:p>
-          <a:p>
-            <a:r>
-              <a:rPr lang="en-US" b="1" dirty="0" err="1" smtClean="0"/>
-              <a:t>scratchClient</a:t>
-            </a:r>
-            <a:r>
-              <a:rPr lang="en-US" b="1" dirty="0" smtClean="0"/>
-              <a:t> can do much more…</a:t>
             </a:r>
           </a:p>
         </p:txBody>
@@ -9855,6 +9683,584 @@
               <a:t>22</a:t>
             </a:fld>
             <a:endParaRPr lang="nl-NL" dirty="0"/>
+          </a:p>
+        </p:txBody>
+      </p:sp>
+      <p:sp>
+        <p:nvSpPr>
+          <p:cNvPr id="7" name="Tijdelijke aanduiding voor inhoud 4"/>
+          <p:cNvSpPr txBox="1">
+            <a:spLocks/>
+          </p:cNvSpPr>
+          <p:nvPr/>
+        </p:nvSpPr>
+        <p:spPr>
+          <a:xfrm>
+            <a:off x="539552" y="987574"/>
+            <a:ext cx="5616624" cy="3744416"/>
+          </a:xfrm>
+          <a:prstGeom prst="rect">
+            <a:avLst/>
+          </a:prstGeom>
+        </p:spPr>
+        <p:txBody>
+          <a:bodyPr vert="horz" lIns="91440" tIns="45720" rIns="91440" bIns="45720" rtlCol="0">
+            <a:normAutofit fontScale="55000" lnSpcReduction="20000"/>
+          </a:bodyPr>
+          <a:lstStyle/>
+          <a:p>
+            <a:pPr marL="179388" marR="0" lvl="0" indent="-179388" algn="l" defTabSz="914400" rtl="0" eaLnBrk="1" fontAlgn="auto" latinLnBrk="0" hangingPunct="1">
+              <a:lnSpc>
+                <a:spcPct val="100000"/>
+              </a:lnSpc>
+              <a:spcBef>
+                <a:spcPct val="20000"/>
+              </a:spcBef>
+              <a:spcAft>
+                <a:spcPts val="0"/>
+              </a:spcAft>
+              <a:buClrTx/>
+              <a:buSzTx/>
+              <a:buFont typeface="Arial" pitchFamily="34" charset="0"/>
+              <a:buChar char="•"/>
+              <a:tabLst/>
+              <a:defRPr/>
+            </a:pPr>
+            <a:r>
+              <a:rPr kumimoji="0" lang="en-US" sz="2800" b="0" i="0" u="none" strike="noStrike" kern="1200" cap="none" spc="0" normalizeH="0" baseline="0" noProof="0" smtClean="0">
+                <a:ln>
+                  <a:noFill/>
+                </a:ln>
+                <a:solidFill>
+                  <a:schemeClr val="tx1"/>
+                </a:solidFill>
+                <a:effectLst/>
+                <a:uLnTx/>
+                <a:uFillTx/>
+                <a:latin typeface="+mn-lt"/>
+                <a:ea typeface="+mn-ea"/>
+                <a:cs typeface="+mn-cs"/>
+              </a:rPr>
+              <a:t>With scratchClient you define:</a:t>
+            </a:r>
+          </a:p>
+          <a:p>
+            <a:pPr marL="447675" marR="0" lvl="1" indent="-193675" algn="l" defTabSz="914400" rtl="0" eaLnBrk="1" fontAlgn="auto" latinLnBrk="0" hangingPunct="1">
+              <a:lnSpc>
+                <a:spcPct val="100000"/>
+              </a:lnSpc>
+              <a:spcBef>
+                <a:spcPct val="20000"/>
+              </a:spcBef>
+              <a:spcAft>
+                <a:spcPts val="0"/>
+              </a:spcAft>
+              <a:buClrTx/>
+              <a:buSzTx/>
+              <a:buFont typeface="Arial" pitchFamily="34" charset="0"/>
+              <a:buChar char="–"/>
+              <a:tabLst/>
+              <a:defRPr/>
+            </a:pPr>
+            <a:r>
+              <a:rPr kumimoji="0" lang="en-US" sz="2400" b="0" i="0" u="none" strike="noStrike" kern="1200" cap="none" spc="0" normalizeH="0" baseline="0" noProof="0" smtClean="0">
+                <a:ln>
+                  <a:noFill/>
+                </a:ln>
+                <a:solidFill>
+                  <a:schemeClr val="tx1"/>
+                </a:solidFill>
+                <a:effectLst/>
+                <a:uLnTx/>
+                <a:uFillTx/>
+                <a:latin typeface="+mn-lt"/>
+                <a:ea typeface="+mn-ea"/>
+                <a:cs typeface="+mn-cs"/>
+              </a:rPr>
+              <a:t>Function of each pin</a:t>
+            </a:r>
+          </a:p>
+          <a:p>
+            <a:pPr marL="447675" marR="0" lvl="1" indent="-193675" algn="l" defTabSz="914400" rtl="0" eaLnBrk="1" fontAlgn="auto" latinLnBrk="0" hangingPunct="1">
+              <a:lnSpc>
+                <a:spcPct val="100000"/>
+              </a:lnSpc>
+              <a:spcBef>
+                <a:spcPct val="20000"/>
+              </a:spcBef>
+              <a:spcAft>
+                <a:spcPts val="0"/>
+              </a:spcAft>
+              <a:buClrTx/>
+              <a:buSzTx/>
+              <a:buFont typeface="Arial" pitchFamily="34" charset="0"/>
+              <a:buChar char="–"/>
+              <a:tabLst/>
+              <a:defRPr/>
+            </a:pPr>
+            <a:r>
+              <a:rPr kumimoji="0" lang="en-US" sz="2400" b="0" i="0" u="none" strike="noStrike" kern="1200" cap="none" spc="0" normalizeH="0" baseline="0" noProof="0" smtClean="0">
+                <a:ln>
+                  <a:noFill/>
+                </a:ln>
+                <a:solidFill>
+                  <a:schemeClr val="tx1"/>
+                </a:solidFill>
+                <a:effectLst/>
+                <a:uLnTx/>
+                <a:uFillTx/>
+                <a:latin typeface="+mn-lt"/>
+                <a:ea typeface="+mn-ea"/>
+                <a:cs typeface="+mn-cs"/>
+              </a:rPr>
+              <a:t>Symbolic name for each configured pin</a:t>
+            </a:r>
+          </a:p>
+          <a:p>
+            <a:pPr marL="179388" marR="0" lvl="0" indent="-179388" algn="l" defTabSz="914400" rtl="0" eaLnBrk="1" fontAlgn="auto" latinLnBrk="0" hangingPunct="1">
+              <a:lnSpc>
+                <a:spcPct val="100000"/>
+              </a:lnSpc>
+              <a:spcBef>
+                <a:spcPct val="20000"/>
+              </a:spcBef>
+              <a:spcAft>
+                <a:spcPts val="0"/>
+              </a:spcAft>
+              <a:buClrTx/>
+              <a:buSzTx/>
+              <a:buFont typeface="Arial" pitchFamily="34" charset="0"/>
+              <a:buChar char="•"/>
+              <a:tabLst/>
+              <a:defRPr/>
+            </a:pPr>
+            <a:r>
+              <a:rPr kumimoji="0" lang="en-US" sz="2800" b="0" i="0" u="none" strike="noStrike" kern="1200" cap="none" spc="0" normalizeH="0" baseline="0" noProof="0" smtClean="0">
+                <a:ln>
+                  <a:noFill/>
+                </a:ln>
+                <a:solidFill>
+                  <a:schemeClr val="tx1"/>
+                </a:solidFill>
+                <a:effectLst/>
+                <a:uLnTx/>
+                <a:uFillTx/>
+                <a:latin typeface="+mn-lt"/>
+                <a:ea typeface="+mn-ea"/>
+                <a:cs typeface="+mn-cs"/>
+              </a:rPr>
+              <a:t>scratchClient config is the tool to setup the configuration </a:t>
+            </a:r>
+          </a:p>
+          <a:p>
+            <a:pPr marL="179388" marR="0" lvl="0" indent="-179388" algn="l" defTabSz="914400" rtl="0" eaLnBrk="1" fontAlgn="auto" latinLnBrk="0" hangingPunct="1">
+              <a:lnSpc>
+                <a:spcPct val="100000"/>
+              </a:lnSpc>
+              <a:spcBef>
+                <a:spcPct val="20000"/>
+              </a:spcBef>
+              <a:spcAft>
+                <a:spcPts val="0"/>
+              </a:spcAft>
+              <a:buClrTx/>
+              <a:buSzTx/>
+              <a:buFont typeface="Arial" pitchFamily="34" charset="0"/>
+              <a:buChar char="•"/>
+              <a:tabLst/>
+              <a:defRPr/>
+            </a:pPr>
+            <a:r>
+              <a:rPr kumimoji="0" lang="en-US" sz="2800" b="0" i="0" u="none" strike="noStrike" kern="1200" cap="none" spc="0" normalizeH="0" baseline="0" noProof="0" smtClean="0">
+                <a:ln>
+                  <a:noFill/>
+                </a:ln>
+                <a:solidFill>
+                  <a:schemeClr val="tx1"/>
+                </a:solidFill>
+                <a:effectLst/>
+                <a:uLnTx/>
+                <a:uFillTx/>
+                <a:latin typeface="+mn-lt"/>
+                <a:ea typeface="+mn-ea"/>
+                <a:cs typeface="+mn-cs"/>
+              </a:rPr>
+              <a:t>Restart scratchClient after you changed the configuration</a:t>
+            </a:r>
+          </a:p>
+          <a:p>
+            <a:pPr marL="179388" marR="0" lvl="0" indent="-179388" algn="l" defTabSz="914400" rtl="0" eaLnBrk="1" fontAlgn="auto" latinLnBrk="0" hangingPunct="1">
+              <a:lnSpc>
+                <a:spcPct val="100000"/>
+              </a:lnSpc>
+              <a:spcBef>
+                <a:spcPct val="20000"/>
+              </a:spcBef>
+              <a:spcAft>
+                <a:spcPts val="0"/>
+              </a:spcAft>
+              <a:buClrTx/>
+              <a:buSzTx/>
+              <a:buFont typeface="Arial" pitchFamily="34" charset="0"/>
+              <a:buChar char="•"/>
+              <a:tabLst/>
+              <a:defRPr/>
+            </a:pPr>
+            <a:r>
+              <a:rPr kumimoji="0" lang="en-US" sz="2800" b="0" i="0" u="none" strike="noStrike" kern="1200" cap="none" spc="0" normalizeH="0" baseline="0" noProof="0" smtClean="0">
+                <a:ln>
+                  <a:noFill/>
+                </a:ln>
+                <a:solidFill>
+                  <a:schemeClr val="tx1"/>
+                </a:solidFill>
+                <a:effectLst/>
+                <a:uLnTx/>
+                <a:uFillTx/>
+                <a:latin typeface="+mn-lt"/>
+                <a:ea typeface="+mn-ea"/>
+                <a:cs typeface="+mn-cs"/>
+              </a:rPr>
+              <a:t>Put a resistor in series with LEDs</a:t>
+            </a:r>
+          </a:p>
+          <a:p>
+            <a:pPr marL="179388" marR="0" lvl="0" indent="-179388" algn="l" defTabSz="914400" rtl="0" eaLnBrk="1" fontAlgn="auto" latinLnBrk="0" hangingPunct="1">
+              <a:lnSpc>
+                <a:spcPct val="100000"/>
+              </a:lnSpc>
+              <a:spcBef>
+                <a:spcPct val="20000"/>
+              </a:spcBef>
+              <a:spcAft>
+                <a:spcPts val="0"/>
+              </a:spcAft>
+              <a:buClrTx/>
+              <a:buSzTx/>
+              <a:buFont typeface="Arial" pitchFamily="34" charset="0"/>
+              <a:buChar char="•"/>
+              <a:tabLst/>
+              <a:defRPr/>
+            </a:pPr>
+            <a:r>
+              <a:rPr kumimoji="0" lang="en-US" sz="2800" b="0" i="0" u="none" strike="noStrike" kern="1200" cap="none" spc="0" normalizeH="0" baseline="0" noProof="0" smtClean="0">
+                <a:ln>
+                  <a:noFill/>
+                </a:ln>
+                <a:solidFill>
+                  <a:schemeClr val="tx1"/>
+                </a:solidFill>
+                <a:effectLst/>
+                <a:uLnTx/>
+                <a:uFillTx/>
+                <a:latin typeface="+mn-lt"/>
+                <a:ea typeface="+mn-ea"/>
+                <a:cs typeface="+mn-cs"/>
+              </a:rPr>
+              <a:t>Put a resistor in series with switches</a:t>
+            </a:r>
+          </a:p>
+          <a:p>
+            <a:pPr marL="179388" marR="0" lvl="0" indent="-179388" algn="l" defTabSz="914400" rtl="0" eaLnBrk="1" fontAlgn="auto" latinLnBrk="0" hangingPunct="1">
+              <a:lnSpc>
+                <a:spcPct val="100000"/>
+              </a:lnSpc>
+              <a:spcBef>
+                <a:spcPct val="20000"/>
+              </a:spcBef>
+              <a:spcAft>
+                <a:spcPts val="0"/>
+              </a:spcAft>
+              <a:buClrTx/>
+              <a:buSzTx/>
+              <a:buFont typeface="Arial" pitchFamily="34" charset="0"/>
+              <a:buChar char="•"/>
+              <a:tabLst/>
+              <a:defRPr/>
+            </a:pPr>
+            <a:r>
+              <a:rPr kumimoji="0" lang="en-US" sz="2800" b="0" i="0" u="none" strike="noStrike" kern="1200" cap="none" spc="0" normalizeH="0" baseline="0" noProof="0" smtClean="0">
+                <a:ln>
+                  <a:noFill/>
+                </a:ln>
+                <a:solidFill>
+                  <a:schemeClr val="tx1"/>
+                </a:solidFill>
+                <a:effectLst/>
+                <a:uLnTx/>
+                <a:uFillTx/>
+                <a:latin typeface="+mn-lt"/>
+                <a:ea typeface="+mn-ea"/>
+                <a:cs typeface="+mn-cs"/>
+              </a:rPr>
+              <a:t>Configure a pull up resistor if the input signal goes between 0 Volt and being open rather than between 0 Volt and 3 to 5 Volt.</a:t>
+            </a:r>
+          </a:p>
+          <a:p>
+            <a:pPr marL="179388" marR="0" lvl="0" indent="-179388" algn="l" defTabSz="914400" rtl="0" eaLnBrk="1" fontAlgn="auto" latinLnBrk="0" hangingPunct="1">
+              <a:lnSpc>
+                <a:spcPct val="100000"/>
+              </a:lnSpc>
+              <a:spcBef>
+                <a:spcPct val="20000"/>
+              </a:spcBef>
+              <a:spcAft>
+                <a:spcPts val="0"/>
+              </a:spcAft>
+              <a:buClrTx/>
+              <a:buSzTx/>
+              <a:buFont typeface="Arial" pitchFamily="34" charset="0"/>
+              <a:buChar char="•"/>
+              <a:tabLst/>
+              <a:defRPr/>
+            </a:pPr>
+            <a:r>
+              <a:rPr kumimoji="0" lang="en-US" sz="2800" b="0" i="0" u="none" strike="noStrike" kern="1200" cap="none" spc="0" normalizeH="0" baseline="0" noProof="0" smtClean="0">
+                <a:ln>
+                  <a:noFill/>
+                </a:ln>
+                <a:solidFill>
+                  <a:schemeClr val="tx1"/>
+                </a:solidFill>
+                <a:effectLst/>
+                <a:uLnTx/>
+                <a:uFillTx/>
+                <a:latin typeface="+mn-lt"/>
+                <a:ea typeface="+mn-ea"/>
+                <a:cs typeface="+mn-cs"/>
+              </a:rPr>
+              <a:t>In Scratch 2, you use the extension block for scratchClient to get blocks that you can use to interact with scratchClient</a:t>
+            </a:r>
+          </a:p>
+          <a:p>
+            <a:pPr marL="179388" marR="0" lvl="0" indent="-179388" algn="l" defTabSz="914400" rtl="0" eaLnBrk="1" fontAlgn="auto" latinLnBrk="0" hangingPunct="1">
+              <a:lnSpc>
+                <a:spcPct val="100000"/>
+              </a:lnSpc>
+              <a:spcBef>
+                <a:spcPct val="20000"/>
+              </a:spcBef>
+              <a:spcAft>
+                <a:spcPts val="0"/>
+              </a:spcAft>
+              <a:buClrTx/>
+              <a:buSzTx/>
+              <a:buFont typeface="Arial" pitchFamily="34" charset="0"/>
+              <a:buChar char="•"/>
+              <a:tabLst/>
+              <a:defRPr/>
+            </a:pPr>
+            <a:r>
+              <a:rPr kumimoji="0" lang="en-US" sz="2800" b="0" i="0" u="none" strike="noStrike" kern="1200" cap="none" spc="0" normalizeH="0" baseline="0" noProof="0" smtClean="0">
+                <a:ln>
+                  <a:noFill/>
+                </a:ln>
+                <a:solidFill>
+                  <a:schemeClr val="tx1"/>
+                </a:solidFill>
+                <a:effectLst/>
+                <a:uLnTx/>
+                <a:uFillTx/>
+                <a:latin typeface="+mn-lt"/>
+                <a:ea typeface="+mn-ea"/>
+                <a:cs typeface="+mn-cs"/>
+              </a:rPr>
+              <a:t>You can monitor the value of all pins from the browser</a:t>
+            </a:r>
+          </a:p>
+          <a:p>
+            <a:pPr marL="179388" marR="0" lvl="0" indent="-179388" algn="l" defTabSz="914400" rtl="0" eaLnBrk="1" fontAlgn="auto" latinLnBrk="0" hangingPunct="1">
+              <a:lnSpc>
+                <a:spcPct val="100000"/>
+              </a:lnSpc>
+              <a:spcBef>
+                <a:spcPct val="20000"/>
+              </a:spcBef>
+              <a:spcAft>
+                <a:spcPts val="0"/>
+              </a:spcAft>
+              <a:buClrTx/>
+              <a:buSzTx/>
+              <a:buFont typeface="Arial" pitchFamily="34" charset="0"/>
+              <a:buChar char="•"/>
+              <a:tabLst/>
+              <a:defRPr/>
+            </a:pPr>
+            <a:r>
+              <a:rPr kumimoji="0" lang="en-US" sz="2800" b="1" i="0" u="none" strike="noStrike" kern="1200" cap="none" spc="0" normalizeH="0" baseline="0" noProof="0" smtClean="0">
+                <a:ln>
+                  <a:noFill/>
+                </a:ln>
+                <a:solidFill>
+                  <a:schemeClr val="tx1"/>
+                </a:solidFill>
+                <a:effectLst/>
+                <a:uLnTx/>
+                <a:uFillTx/>
+                <a:latin typeface="+mn-lt"/>
+                <a:ea typeface="+mn-ea"/>
+                <a:cs typeface="+mn-cs"/>
+              </a:rPr>
+              <a:t>scratchClient can do much more…</a:t>
+            </a:r>
+          </a:p>
+          <a:p>
+            <a:pPr marL="179388" marR="0" lvl="0" indent="-179388" algn="l" defTabSz="914400" rtl="0" eaLnBrk="1" fontAlgn="auto" latinLnBrk="0" hangingPunct="1">
+              <a:lnSpc>
+                <a:spcPct val="100000"/>
+              </a:lnSpc>
+              <a:spcBef>
+                <a:spcPct val="20000"/>
+              </a:spcBef>
+              <a:spcAft>
+                <a:spcPts val="0"/>
+              </a:spcAft>
+              <a:buClrTx/>
+              <a:buSzTx/>
+              <a:buFont typeface="Arial" pitchFamily="34" charset="0"/>
+              <a:buChar char="•"/>
+              <a:tabLst/>
+              <a:defRPr/>
+            </a:pPr>
+            <a:r>
+              <a:rPr kumimoji="0" lang="en-US" sz="2800" b="0" i="0" u="none" strike="noStrike" kern="1200" cap="none" spc="0" normalizeH="0" baseline="0" noProof="0" smtClean="0">
+                <a:ln>
+                  <a:noFill/>
+                </a:ln>
+                <a:solidFill>
+                  <a:schemeClr val="tx1"/>
+                </a:solidFill>
+                <a:effectLst/>
+                <a:uLnTx/>
+                <a:uFillTx/>
+                <a:latin typeface="+mn-lt"/>
+                <a:ea typeface="+mn-ea"/>
+                <a:cs typeface="+mn-cs"/>
+              </a:rPr>
+              <a:t>There are some anomalies, therefore </a:t>
+            </a:r>
+          </a:p>
+          <a:p>
+            <a:pPr marL="447675" marR="0" lvl="1" indent="-193675" algn="l" defTabSz="914400" rtl="0" eaLnBrk="1" fontAlgn="auto" latinLnBrk="0" hangingPunct="1">
+              <a:lnSpc>
+                <a:spcPct val="100000"/>
+              </a:lnSpc>
+              <a:spcBef>
+                <a:spcPct val="20000"/>
+              </a:spcBef>
+              <a:spcAft>
+                <a:spcPts val="0"/>
+              </a:spcAft>
+              <a:buClrTx/>
+              <a:buSzTx/>
+              <a:buFont typeface="Arial" pitchFamily="34" charset="0"/>
+              <a:buChar char="–"/>
+              <a:tabLst/>
+              <a:defRPr/>
+            </a:pPr>
+            <a:r>
+              <a:rPr kumimoji="0" lang="en-US" sz="2400" b="0" i="0" u="none" strike="noStrike" kern="1200" cap="none" spc="0" normalizeH="0" baseline="0" noProof="0" smtClean="0">
+                <a:ln>
+                  <a:noFill/>
+                </a:ln>
+                <a:solidFill>
+                  <a:schemeClr val="tx1"/>
+                </a:solidFill>
+                <a:effectLst/>
+                <a:uLnTx/>
+                <a:uFillTx/>
+                <a:latin typeface="+mn-lt"/>
+                <a:ea typeface="+mn-ea"/>
+                <a:cs typeface="+mn-cs"/>
+              </a:rPr>
+              <a:t>Save the Scratch 2 files in the home folder (as Scratch 2 proposes)</a:t>
+            </a:r>
+          </a:p>
+          <a:p>
+            <a:pPr marL="447675" marR="0" lvl="1" indent="-193675" algn="l" defTabSz="914400" rtl="0" eaLnBrk="1" fontAlgn="auto" latinLnBrk="0" hangingPunct="1">
+              <a:lnSpc>
+                <a:spcPct val="100000"/>
+              </a:lnSpc>
+              <a:spcBef>
+                <a:spcPct val="20000"/>
+              </a:spcBef>
+              <a:spcAft>
+                <a:spcPts val="0"/>
+              </a:spcAft>
+              <a:buClrTx/>
+              <a:buSzTx/>
+              <a:buFont typeface="Arial" pitchFamily="34" charset="0"/>
+              <a:buChar char="–"/>
+              <a:tabLst/>
+              <a:defRPr/>
+            </a:pPr>
+            <a:r>
+              <a:rPr kumimoji="0" lang="en-US" sz="2400" b="0" i="0" u="none" strike="noStrike" kern="1200" cap="none" spc="0" normalizeH="0" baseline="0" noProof="0" smtClean="0">
+                <a:ln>
+                  <a:noFill/>
+                </a:ln>
+                <a:solidFill>
+                  <a:schemeClr val="tx1"/>
+                </a:solidFill>
+                <a:effectLst/>
+                <a:uLnTx/>
+                <a:uFillTx/>
+                <a:latin typeface="+mn-lt"/>
+                <a:ea typeface="+mn-ea"/>
+                <a:cs typeface="+mn-cs"/>
+              </a:rPr>
+              <a:t>Run CleanUpScratchFiles.sh on the desktop (once after start up of the RPi)</a:t>
+            </a:r>
+          </a:p>
+          <a:p>
+            <a:pPr marL="447675" marR="0" lvl="1" indent="-193675" algn="l" defTabSz="914400" rtl="0" eaLnBrk="1" fontAlgn="auto" latinLnBrk="0" hangingPunct="1">
+              <a:lnSpc>
+                <a:spcPct val="100000"/>
+              </a:lnSpc>
+              <a:spcBef>
+                <a:spcPct val="20000"/>
+              </a:spcBef>
+              <a:spcAft>
+                <a:spcPts val="0"/>
+              </a:spcAft>
+              <a:buClrTx/>
+              <a:buSzTx/>
+              <a:buFont typeface="Arial" pitchFamily="34" charset="0"/>
+              <a:buChar char="–"/>
+              <a:tabLst/>
+              <a:defRPr/>
+            </a:pPr>
+            <a:r>
+              <a:rPr kumimoji="0" lang="en-US" sz="2400" b="0" i="0" u="none" strike="noStrike" kern="1200" cap="none" spc="0" normalizeH="0" baseline="0" noProof="0" smtClean="0">
+                <a:ln>
+                  <a:noFill/>
+                </a:ln>
+                <a:solidFill>
+                  <a:schemeClr val="tx1"/>
+                </a:solidFill>
+                <a:effectLst/>
+                <a:uLnTx/>
+                <a:uFillTx/>
+                <a:latin typeface="+mn-lt"/>
+                <a:ea typeface="+mn-ea"/>
+                <a:cs typeface="+mn-cs"/>
+              </a:rPr>
+              <a:t>Use the files on the desktop</a:t>
+            </a:r>
+            <a:endParaRPr kumimoji="0" lang="en-US" sz="2400" b="0" i="0" u="none" strike="noStrike" kern="1200" cap="none" spc="0" normalizeH="0" baseline="0" noProof="0" dirty="0" smtClean="0">
+              <a:ln>
+                <a:noFill/>
+              </a:ln>
+              <a:solidFill>
+                <a:schemeClr val="tx1"/>
+              </a:solidFill>
+              <a:effectLst/>
+              <a:uLnTx/>
+              <a:uFillTx/>
+              <a:latin typeface="+mn-lt"/>
+              <a:ea typeface="+mn-ea"/>
+              <a:cs typeface="+mn-cs"/>
+            </a:endParaRPr>
           </a:p>
         </p:txBody>
       </p:sp>
@@ -10021,14 +10427,38 @@
             <a:pPr lvl="1"/>
             <a:r>
               <a:rPr lang="en-US" dirty="0" smtClean="0"/>
-              <a:t>First pull the USB cable out</a:t>
-            </a:r>
-          </a:p>
-          <a:p>
-            <a:pPr lvl="1"/>
+              <a:t>First pull </a:t>
+            </a:r>
             <a:r>
               <a:rPr lang="en-US" dirty="0" smtClean="0"/>
-              <a:t>Switch off the 9V supply</a:t>
+              <a:t>out the power </a:t>
+            </a:r>
+          </a:p>
+          <a:p>
+            <a:pPr lvl="2"/>
+            <a:r>
+              <a:rPr lang="en-US" dirty="0" smtClean="0"/>
+              <a:t>the </a:t>
+            </a:r>
+            <a:r>
+              <a:rPr lang="en-US" dirty="0" smtClean="0"/>
+              <a:t>USB </a:t>
+            </a:r>
+            <a:r>
+              <a:rPr lang="en-US" dirty="0" smtClean="0"/>
+              <a:t>cable</a:t>
+            </a:r>
+            <a:endParaRPr lang="en-US" dirty="0" smtClean="0"/>
+          </a:p>
+          <a:p>
+            <a:pPr lvl="2"/>
+            <a:r>
+              <a:rPr lang="en-US" dirty="0" smtClean="0"/>
+              <a:t>the 9V </a:t>
+            </a:r>
+            <a:r>
+              <a:rPr lang="en-US" dirty="0" smtClean="0"/>
+              <a:t>supply</a:t>
             </a:r>
             <a:endParaRPr lang="nl-NL" dirty="0"/>
           </a:p>
@@ -10244,22 +10674,18 @@
           </a:fontRef>
         </p:style>
         <p:txBody>
-          <a:bodyPr rtlCol="0" anchor="ctr"/>
-          <a:lstStyle/>
-          <a:p>
-            <a:pPr algn="ctr"/>
+          <a:bodyPr rtlCol="0" anchor="b" anchorCtr="0"/>
+          <a:lstStyle/>
+          <a:p>
             <a:endParaRPr lang="en-US" dirty="0" smtClean="0"/>
           </a:p>
           <a:p>
-            <a:pPr algn="ctr"/>
             <a:endParaRPr lang="en-US" dirty="0" smtClean="0"/>
           </a:p>
           <a:p>
-            <a:pPr algn="ctr"/>
             <a:endParaRPr lang="en-US" dirty="0" smtClean="0"/>
           </a:p>
           <a:p>
-            <a:pPr algn="ctr"/>
             <a:r>
               <a:rPr lang="en-US" dirty="0" err="1" smtClean="0"/>
               <a:t>Arduino</a:t>
@@ -10656,9 +11082,9 @@
           <p:nvPr/>
         </p:nvCxnSpPr>
         <p:spPr>
-          <a:xfrm flipH="1" flipV="1">
-            <a:off x="2123728" y="3649088"/>
-            <a:ext cx="1008112" cy="2782"/>
+          <a:xfrm flipH="1">
+            <a:off x="2528218" y="3651870"/>
+            <a:ext cx="603622" cy="392"/>
           </a:xfrm>
           <a:prstGeom prst="line">
             <a:avLst/>
@@ -10681,43 +11107,6 @@
       </p:cxnSp>
       <p:sp>
         <p:nvSpPr>
-          <p:cNvPr id="32" name="Tekstvak 31"/>
-          <p:cNvSpPr txBox="1"/>
-          <p:nvPr/>
-        </p:nvSpPr>
-        <p:spPr>
-          <a:xfrm>
-            <a:off x="1575222" y="3464422"/>
-            <a:ext cx="548506" cy="369332"/>
-          </a:xfrm>
-          <a:prstGeom prst="rect">
-            <a:avLst/>
-          </a:prstGeom>
-          <a:solidFill>
-            <a:srgbClr val="FFFF00"/>
-          </a:solidFill>
-          <a:ln w="19050">
-            <a:solidFill>
-              <a:schemeClr val="tx1"/>
-            </a:solidFill>
-          </a:ln>
-        </p:spPr>
-        <p:txBody>
-          <a:bodyPr wrap="square" rtlCol="0">
-            <a:spAutoFit/>
-          </a:bodyPr>
-          <a:lstStyle/>
-          <a:p>
-            <a:r>
-              <a:rPr lang="en-US" sz="900" dirty="0" smtClean="0"/>
-              <a:t>Analog input</a:t>
-            </a:r>
-            <a:endParaRPr lang="nl-NL" sz="900" dirty="0"/>
-          </a:p>
-        </p:txBody>
-      </p:sp>
-      <p:sp>
-        <p:nvSpPr>
           <p:cNvPr id="38" name="Tekstvak 37"/>
           <p:cNvSpPr txBox="1"/>
           <p:nvPr/>
@@ -10787,13 +11176,7 @@
               <a:rPr lang="en-US" sz="1200" dirty="0" smtClean="0">
                 <a:sym typeface="Wingdings" pitchFamily="2" charset="2"/>
               </a:rPr>
-              <a:t> short circuit</a:t>
-            </a:r>
-            <a:r>
-              <a:rPr lang="en-US" sz="1200" dirty="0" smtClean="0">
-                <a:sym typeface="Wingdings" pitchFamily="2" charset="2"/>
-              </a:rPr>
-              <a:t>!</a:t>
+              <a:t> short circuit!</a:t>
             </a:r>
           </a:p>
           <a:p>
@@ -10891,9 +11274,9 @@
           <p:nvPr/>
         </p:nvCxnSpPr>
         <p:spPr>
-          <a:xfrm flipV="1">
-            <a:off x="2339752" y="4731990"/>
-            <a:ext cx="0" cy="216024"/>
+          <a:xfrm flipH="1" flipV="1">
+            <a:off x="2339752" y="3795886"/>
+            <a:ext cx="2" cy="1152128"/>
           </a:xfrm>
           <a:prstGeom prst="line">
             <a:avLst/>
@@ -11009,6 +11392,43 @@
           </a:fontRef>
         </p:style>
       </p:cxnSp>
+      <p:sp>
+        <p:nvSpPr>
+          <p:cNvPr id="32" name="Tekstvak 31"/>
+          <p:cNvSpPr txBox="1"/>
+          <p:nvPr/>
+        </p:nvSpPr>
+        <p:spPr>
+          <a:xfrm>
+            <a:off x="1979712" y="3467596"/>
+            <a:ext cx="548506" cy="369332"/>
+          </a:xfrm>
+          <a:prstGeom prst="rect">
+            <a:avLst/>
+          </a:prstGeom>
+          <a:solidFill>
+            <a:srgbClr val="FFFF00"/>
+          </a:solidFill>
+          <a:ln w="19050">
+            <a:solidFill>
+              <a:schemeClr val="tx1"/>
+            </a:solidFill>
+          </a:ln>
+        </p:spPr>
+        <p:txBody>
+          <a:bodyPr wrap="square" rtlCol="0">
+            <a:spAutoFit/>
+          </a:bodyPr>
+          <a:lstStyle/>
+          <a:p>
+            <a:r>
+              <a:rPr lang="en-US" sz="900" dirty="0" smtClean="0"/>
+              <a:t>Analog input</a:t>
+            </a:r>
+            <a:endParaRPr lang="nl-NL" sz="900" dirty="0"/>
+          </a:p>
+        </p:txBody>
+      </p:sp>
     </p:spTree>
   </p:cSld>
   <p:clrMapOvr>
@@ -11846,7 +12266,7 @@
                   <a:schemeClr val="bg1"/>
                 </a:solidFill>
               </a:rPr>
-              <a:t>Don’t forget: power off and USB cable out before making changes!</a:t>
+              <a:t>Don’t forget: 9V and USB cable out before making changes!</a:t>
             </a:r>
             <a:endParaRPr lang="nl-NL" dirty="0">
               <a:solidFill>
@@ -12183,13 +12603,8 @@
             <a:pPr lvl="1"/>
             <a:r>
               <a:rPr lang="en-US" dirty="0" smtClean="0"/>
-              <a:t>Between about 0 and about </a:t>
-            </a:r>
-            <a:r>
-              <a:rPr lang="en-US" dirty="0" smtClean="0"/>
-              <a:t>1023</a:t>
-            </a:r>
-            <a:endParaRPr lang="en-US" dirty="0" smtClean="0"/>
+              <a:t>Between about 0 and about 1023</a:t>
+            </a:r>
           </a:p>
           <a:p>
             <a:r>

--- a/scratchClientTutorial/UK---English/UK - 2 - scratchCl Intermediate Tutorial.pptx
+++ b/scratchClientTutorial/UK---English/UK - 2 - scratchCl Intermediate Tutorial.pptx
@@ -221,7 +221,7 @@
             <a:fld id="{DB6A203D-5BB1-439B-9A8B-0C4974EC0C08}" type="datetimeFigureOut">
               <a:rPr lang="nl-NL" smtClean="0"/>
               <a:pPr/>
-              <a:t>26-8-2018</a:t>
+              <a:t>2-9-2018</a:t>
             </a:fld>
             <a:endParaRPr lang="nl-NL"/>
           </a:p>
@@ -2379,7 +2379,7 @@
     <p:bg>
       <p:bgPr>
         <a:solidFill>
-          <a:srgbClr val="FF3300"/>
+          <a:srgbClr val="FF9900"/>
         </a:solidFill>
         <a:effectLst/>
       </p:bgPr>
@@ -5248,7 +5248,15 @@
                   <a:schemeClr val="bg1"/>
                 </a:solidFill>
               </a:rPr>
-              <a:t>Workshop for the Pi And More conference</a:t>
+              <a:t>Workshop for the Pi And More </a:t>
+            </a:r>
+            <a:r>
+              <a:rPr lang="en-US" dirty="0" smtClean="0">
+                <a:solidFill>
+                  <a:schemeClr val="bg1"/>
+                </a:solidFill>
+              </a:rPr>
+              <a:t>and Maker Faire conferences</a:t>
             </a:r>
             <a:endParaRPr lang="nl-NL" dirty="0">
               <a:solidFill>
@@ -6337,7 +6345,6 @@
               <a:rPr lang="en-US" dirty="0" smtClean="0"/>
               <a:t>Reconnect USB and 9V adapter</a:t>
             </a:r>
-            <a:endParaRPr lang="en-US" dirty="0" smtClean="0"/>
           </a:p>
           <a:p>
             <a:r>
@@ -7506,23 +7513,7 @@
                   <a:schemeClr val="bg1"/>
                 </a:solidFill>
               </a:rPr>
-              <a:t>Don’t forget: </a:t>
-            </a:r>
-            <a:r>
-              <a:rPr lang="en-US" dirty="0" smtClean="0">
-                <a:solidFill>
-                  <a:schemeClr val="bg1"/>
-                </a:solidFill>
-              </a:rPr>
-              <a:t>9V and </a:t>
-            </a:r>
-            <a:r>
-              <a:rPr lang="en-US" dirty="0" smtClean="0">
-                <a:solidFill>
-                  <a:schemeClr val="bg1"/>
-                </a:solidFill>
-              </a:rPr>
-              <a:t>USB cable out before making changes!</a:t>
+              <a:t>Don’t forget: 9V and USB cable out before making changes!</a:t>
             </a:r>
             <a:endParaRPr lang="nl-NL" dirty="0">
               <a:solidFill>
@@ -9449,19 +9440,7 @@
             <a:pPr algn="ctr"/>
             <a:r>
               <a:rPr lang="en-US" dirty="0" smtClean="0"/>
-              <a:t>Part </a:t>
-            </a:r>
-            <a:r>
-              <a:rPr lang="en-US" dirty="0" smtClean="0"/>
-              <a:t>3</a:t>
-            </a:r>
-            <a:r>
-              <a:rPr lang="en-US" dirty="0" smtClean="0"/>
-              <a:t>: </a:t>
-            </a:r>
-            <a:r>
-              <a:rPr lang="en-US" dirty="0" smtClean="0"/>
-              <a:t>Summary &amp; take </a:t>
+              <a:t>Part 3: Summary &amp; take </a:t>
             </a:r>
             <a:r>
               <a:rPr lang="en-US" dirty="0" err="1" smtClean="0"/>
@@ -9727,7 +9706,7 @@
               <a:defRPr/>
             </a:pPr>
             <a:r>
-              <a:rPr kumimoji="0" lang="en-US" sz="2800" b="0" i="0" u="none" strike="noStrike" kern="1200" cap="none" spc="0" normalizeH="0" baseline="0" noProof="0" smtClean="0">
+              <a:rPr kumimoji="0" lang="en-US" sz="2800" b="0" i="0" u="none" strike="noStrike" kern="1200" cap="none" spc="0" normalizeH="0" baseline="0" noProof="0" dirty="0" smtClean="0">
                 <a:ln>
                   <a:noFill/>
                 </a:ln>
@@ -9741,7 +9720,41 @@
                 <a:ea typeface="+mn-ea"/>
                 <a:cs typeface="+mn-cs"/>
               </a:rPr>
-              <a:t>With scratchClient you define:</a:t>
+              <a:t>With </a:t>
+            </a:r>
+            <a:r>
+              <a:rPr kumimoji="0" lang="en-US" sz="2800" b="0" i="0" u="none" strike="noStrike" kern="1200" cap="none" spc="0" normalizeH="0" baseline="0" noProof="0" dirty="0" err="1" smtClean="0">
+                <a:ln>
+                  <a:noFill/>
+                </a:ln>
+                <a:solidFill>
+                  <a:schemeClr val="tx1"/>
+                </a:solidFill>
+                <a:effectLst/>
+                <a:uLnTx/>
+                <a:uFillTx/>
+                <a:latin typeface="+mn-lt"/>
+                <a:ea typeface="+mn-ea"/>
+                <a:cs typeface="+mn-cs"/>
+              </a:rPr>
+              <a:t>scratchClient</a:t>
+            </a:r>
+            <a:r>
+              <a:rPr kumimoji="0" lang="en-US" sz="2800" b="0" i="0" u="none" strike="noStrike" kern="1200" cap="none" spc="0" normalizeH="0" baseline="0" noProof="0" dirty="0" smtClean="0">
+                <a:ln>
+                  <a:noFill/>
+                </a:ln>
+                <a:solidFill>
+                  <a:schemeClr val="tx1"/>
+                </a:solidFill>
+                <a:effectLst/>
+                <a:uLnTx/>
+                <a:uFillTx/>
+                <a:latin typeface="+mn-lt"/>
+                <a:ea typeface="+mn-ea"/>
+                <a:cs typeface="+mn-cs"/>
+              </a:rPr>
+              <a:t> you define:</a:t>
             </a:r>
           </a:p>
           <a:p>
@@ -9763,7 +9776,7 @@
               <a:defRPr/>
             </a:pPr>
             <a:r>
-              <a:rPr kumimoji="0" lang="en-US" sz="2400" b="0" i="0" u="none" strike="noStrike" kern="1200" cap="none" spc="0" normalizeH="0" baseline="0" noProof="0" smtClean="0">
+              <a:rPr kumimoji="0" lang="en-US" sz="2400" b="0" i="0" u="none" strike="noStrike" kern="1200" cap="none" spc="0" normalizeH="0" baseline="0" noProof="0" dirty="0" smtClean="0">
                 <a:ln>
                   <a:noFill/>
                 </a:ln>
@@ -9799,7 +9812,7 @@
               <a:defRPr/>
             </a:pPr>
             <a:r>
-              <a:rPr kumimoji="0" lang="en-US" sz="2400" b="0" i="0" u="none" strike="noStrike" kern="1200" cap="none" spc="0" normalizeH="0" baseline="0" noProof="0" smtClean="0">
+              <a:rPr kumimoji="0" lang="en-US" sz="2400" b="0" i="0" u="none" strike="noStrike" kern="1200" cap="none" spc="0" normalizeH="0" baseline="0" noProof="0" dirty="0" smtClean="0">
                 <a:ln>
                   <a:noFill/>
                 </a:ln>
@@ -9835,7 +9848,7 @@
               <a:defRPr/>
             </a:pPr>
             <a:r>
-              <a:rPr kumimoji="0" lang="en-US" sz="2800" b="0" i="0" u="none" strike="noStrike" kern="1200" cap="none" spc="0" normalizeH="0" baseline="0" noProof="0" smtClean="0">
+              <a:rPr kumimoji="0" lang="en-US" sz="2800" b="0" i="0" u="none" strike="noStrike" kern="1200" cap="none" spc="0" normalizeH="0" baseline="0" noProof="0" dirty="0" err="1" smtClean="0">
                 <a:ln>
                   <a:noFill/>
                 </a:ln>
@@ -9849,7 +9862,58 @@
                 <a:ea typeface="+mn-ea"/>
                 <a:cs typeface="+mn-cs"/>
               </a:rPr>
-              <a:t>scratchClient config is the tool to setup the configuration </a:t>
+              <a:t>scratchClient</a:t>
+            </a:r>
+            <a:r>
+              <a:rPr kumimoji="0" lang="en-US" sz="2800" b="0" i="0" u="none" strike="noStrike" kern="1200" cap="none" spc="0" normalizeH="0" baseline="0" noProof="0" dirty="0" smtClean="0">
+                <a:ln>
+                  <a:noFill/>
+                </a:ln>
+                <a:solidFill>
+                  <a:schemeClr val="tx1"/>
+                </a:solidFill>
+                <a:effectLst/>
+                <a:uLnTx/>
+                <a:uFillTx/>
+                <a:latin typeface="+mn-lt"/>
+                <a:ea typeface="+mn-ea"/>
+                <a:cs typeface="+mn-cs"/>
+              </a:rPr>
+              <a:t> </a:t>
+            </a:r>
+            <a:r>
+              <a:rPr kumimoji="0" lang="en-US" sz="2800" b="0" i="0" u="none" strike="noStrike" kern="1200" cap="none" spc="0" normalizeH="0" baseline="0" noProof="0" dirty="0" err="1" smtClean="0">
+                <a:ln>
+                  <a:noFill/>
+                </a:ln>
+                <a:solidFill>
+                  <a:schemeClr val="tx1"/>
+                </a:solidFill>
+                <a:effectLst/>
+                <a:uLnTx/>
+                <a:uFillTx/>
+                <a:latin typeface="+mn-lt"/>
+                <a:ea typeface="+mn-ea"/>
+                <a:cs typeface="+mn-cs"/>
+              </a:rPr>
+              <a:t>config</a:t>
+            </a:r>
+            <a:r>
+              <a:rPr kumimoji="0" lang="en-US" sz="2800" b="0" i="0" u="none" strike="noStrike" kern="1200" cap="none" spc="0" normalizeH="0" baseline="0" noProof="0" dirty="0" smtClean="0">
+                <a:ln>
+                  <a:noFill/>
+                </a:ln>
+                <a:solidFill>
+                  <a:schemeClr val="tx1"/>
+                </a:solidFill>
+                <a:effectLst/>
+                <a:uLnTx/>
+                <a:uFillTx/>
+                <a:latin typeface="+mn-lt"/>
+                <a:ea typeface="+mn-ea"/>
+                <a:cs typeface="+mn-cs"/>
+              </a:rPr>
+              <a:t> is the tool to setup the configuration </a:t>
             </a:r>
           </a:p>
           <a:p>
@@ -9871,7 +9935,7 @@
               <a:defRPr/>
             </a:pPr>
             <a:r>
-              <a:rPr kumimoji="0" lang="en-US" sz="2800" b="0" i="0" u="none" strike="noStrike" kern="1200" cap="none" spc="0" normalizeH="0" baseline="0" noProof="0" smtClean="0">
+              <a:rPr kumimoji="0" lang="en-US" sz="2800" b="0" i="0" u="none" strike="noStrike" kern="1200" cap="none" spc="0" normalizeH="0" baseline="0" noProof="0" dirty="0" smtClean="0">
                 <a:ln>
                   <a:noFill/>
                 </a:ln>
@@ -9885,7 +9949,41 @@
                 <a:ea typeface="+mn-ea"/>
                 <a:cs typeface="+mn-cs"/>
               </a:rPr>
-              <a:t>Restart scratchClient after you changed the configuration</a:t>
+              <a:t>Restart </a:t>
+            </a:r>
+            <a:r>
+              <a:rPr kumimoji="0" lang="en-US" sz="2800" b="0" i="0" u="none" strike="noStrike" kern="1200" cap="none" spc="0" normalizeH="0" baseline="0" noProof="0" dirty="0" err="1" smtClean="0">
+                <a:ln>
+                  <a:noFill/>
+                </a:ln>
+                <a:solidFill>
+                  <a:schemeClr val="tx1"/>
+                </a:solidFill>
+                <a:effectLst/>
+                <a:uLnTx/>
+                <a:uFillTx/>
+                <a:latin typeface="+mn-lt"/>
+                <a:ea typeface="+mn-ea"/>
+                <a:cs typeface="+mn-cs"/>
+              </a:rPr>
+              <a:t>scratchClient</a:t>
+            </a:r>
+            <a:r>
+              <a:rPr kumimoji="0" lang="en-US" sz="2800" b="0" i="0" u="none" strike="noStrike" kern="1200" cap="none" spc="0" normalizeH="0" baseline="0" noProof="0" dirty="0" smtClean="0">
+                <a:ln>
+                  <a:noFill/>
+                </a:ln>
+                <a:solidFill>
+                  <a:schemeClr val="tx1"/>
+                </a:solidFill>
+                <a:effectLst/>
+                <a:uLnTx/>
+                <a:uFillTx/>
+                <a:latin typeface="+mn-lt"/>
+                <a:ea typeface="+mn-ea"/>
+                <a:cs typeface="+mn-cs"/>
+              </a:rPr>
+              <a:t> after you changed the configuration</a:t>
             </a:r>
           </a:p>
           <a:p>
@@ -9907,7 +10005,7 @@
               <a:defRPr/>
             </a:pPr>
             <a:r>
-              <a:rPr kumimoji="0" lang="en-US" sz="2800" b="0" i="0" u="none" strike="noStrike" kern="1200" cap="none" spc="0" normalizeH="0" baseline="0" noProof="0" smtClean="0">
+              <a:rPr kumimoji="0" lang="en-US" sz="2800" b="0" i="0" u="none" strike="noStrike" kern="1200" cap="none" spc="0" normalizeH="0" baseline="0" noProof="0" dirty="0" smtClean="0">
                 <a:ln>
                   <a:noFill/>
                 </a:ln>
@@ -9943,7 +10041,7 @@
               <a:defRPr/>
             </a:pPr>
             <a:r>
-              <a:rPr kumimoji="0" lang="en-US" sz="2800" b="0" i="0" u="none" strike="noStrike" kern="1200" cap="none" spc="0" normalizeH="0" baseline="0" noProof="0" smtClean="0">
+              <a:rPr kumimoji="0" lang="en-US" sz="2800" b="0" i="0" u="none" strike="noStrike" kern="1200" cap="none" spc="0" normalizeH="0" baseline="0" noProof="0" dirty="0" smtClean="0">
                 <a:ln>
                   <a:noFill/>
                 </a:ln>
@@ -9979,7 +10077,7 @@
               <a:defRPr/>
             </a:pPr>
             <a:r>
-              <a:rPr kumimoji="0" lang="en-US" sz="2800" b="0" i="0" u="none" strike="noStrike" kern="1200" cap="none" spc="0" normalizeH="0" baseline="0" noProof="0" smtClean="0">
+              <a:rPr kumimoji="0" lang="en-US" sz="2800" b="0" i="0" u="none" strike="noStrike" kern="1200" cap="none" spc="0" normalizeH="0" baseline="0" noProof="0" dirty="0" smtClean="0">
                 <a:ln>
                   <a:noFill/>
                 </a:ln>
@@ -9993,7 +10091,7 @@
                 <a:ea typeface="+mn-ea"/>
                 <a:cs typeface="+mn-cs"/>
               </a:rPr>
-              <a:t>Configure a pull up resistor if the input signal goes between 0 Volt and being open rather than between 0 Volt and 3 to 5 Volt.</a:t>
+              <a:t>Configure a pull up resistor if the input signal goes between 0 volt and being open rather than between 0 volt and 3 to 5 volt.</a:t>
             </a:r>
           </a:p>
           <a:p>
@@ -10015,7 +10113,7 @@
               <a:defRPr/>
             </a:pPr>
             <a:r>
-              <a:rPr kumimoji="0" lang="en-US" sz="2800" b="0" i="0" u="none" strike="noStrike" kern="1200" cap="none" spc="0" normalizeH="0" baseline="0" noProof="0" smtClean="0">
+              <a:rPr kumimoji="0" lang="en-US" sz="2800" b="0" i="0" u="none" strike="noStrike" kern="1200" cap="none" spc="0" normalizeH="0" baseline="0" noProof="0" dirty="0" smtClean="0">
                 <a:ln>
                   <a:noFill/>
                 </a:ln>
@@ -10029,8 +10127,73 @@
                 <a:ea typeface="+mn-ea"/>
                 <a:cs typeface="+mn-cs"/>
               </a:rPr>
-              <a:t>In Scratch 2, you use the extension block for scratchClient to get blocks that you can use to interact with scratchClient</a:t>
-            </a:r>
+              <a:t>In Scratch 2, you use the extension block for </a:t>
+            </a:r>
+            <a:r>
+              <a:rPr kumimoji="0" lang="en-US" sz="2800" b="0" i="0" u="none" strike="noStrike" kern="1200" cap="none" spc="0" normalizeH="0" baseline="0" noProof="0" dirty="0" err="1" smtClean="0">
+                <a:ln>
+                  <a:noFill/>
+                </a:ln>
+                <a:solidFill>
+                  <a:schemeClr val="tx1"/>
+                </a:solidFill>
+                <a:effectLst/>
+                <a:uLnTx/>
+                <a:uFillTx/>
+                <a:latin typeface="+mn-lt"/>
+                <a:ea typeface="+mn-ea"/>
+                <a:cs typeface="+mn-cs"/>
+              </a:rPr>
+              <a:t>scratchClient</a:t>
+            </a:r>
+            <a:r>
+              <a:rPr kumimoji="0" lang="en-US" sz="2800" b="0" i="0" u="none" strike="noStrike" kern="1200" cap="none" spc="0" normalizeH="0" baseline="0" noProof="0" dirty="0" smtClean="0">
+                <a:ln>
+                  <a:noFill/>
+                </a:ln>
+                <a:solidFill>
+                  <a:schemeClr val="tx1"/>
+                </a:solidFill>
+                <a:effectLst/>
+                <a:uLnTx/>
+                <a:uFillTx/>
+                <a:latin typeface="+mn-lt"/>
+                <a:ea typeface="+mn-ea"/>
+                <a:cs typeface="+mn-cs"/>
+              </a:rPr>
+              <a:t> to get blocks that you can use to interact with </a:t>
+            </a:r>
+            <a:r>
+              <a:rPr kumimoji="0" lang="en-US" sz="2800" b="0" i="0" u="none" strike="noStrike" kern="1200" cap="none" spc="0" normalizeH="0" baseline="0" noProof="0" dirty="0" err="1" smtClean="0">
+                <a:ln>
+                  <a:noFill/>
+                </a:ln>
+                <a:solidFill>
+                  <a:schemeClr val="tx1"/>
+                </a:solidFill>
+                <a:effectLst/>
+                <a:uLnTx/>
+                <a:uFillTx/>
+                <a:latin typeface="+mn-lt"/>
+                <a:ea typeface="+mn-ea"/>
+                <a:cs typeface="+mn-cs"/>
+              </a:rPr>
+              <a:t>scratchClient</a:t>
+            </a:r>
+            <a:endParaRPr kumimoji="0" lang="en-US" sz="2800" b="0" i="0" u="none" strike="noStrike" kern="1200" cap="none" spc="0" normalizeH="0" baseline="0" noProof="0" dirty="0" smtClean="0">
+              <a:ln>
+                <a:noFill/>
+              </a:ln>
+              <a:solidFill>
+                <a:schemeClr val="tx1"/>
+              </a:solidFill>
+              <a:effectLst/>
+              <a:uLnTx/>
+              <a:uFillTx/>
+              <a:latin typeface="+mn-lt"/>
+              <a:ea typeface="+mn-ea"/>
+              <a:cs typeface="+mn-cs"/>
+            </a:endParaRPr>
           </a:p>
           <a:p>
             <a:pPr marL="179388" marR="0" lvl="0" indent="-179388" algn="l" defTabSz="914400" rtl="0" eaLnBrk="1" fontAlgn="auto" latinLnBrk="0" hangingPunct="1">
@@ -10051,7 +10214,7 @@
               <a:defRPr/>
             </a:pPr>
             <a:r>
-              <a:rPr kumimoji="0" lang="en-US" sz="2800" b="0" i="0" u="none" strike="noStrike" kern="1200" cap="none" spc="0" normalizeH="0" baseline="0" noProof="0" smtClean="0">
+              <a:rPr kumimoji="0" lang="en-US" sz="2800" b="0" i="0" u="none" strike="noStrike" kern="1200" cap="none" spc="0" normalizeH="0" baseline="0" noProof="0" dirty="0" smtClean="0">
                 <a:ln>
                   <a:noFill/>
                 </a:ln>
@@ -10087,7 +10250,7 @@
               <a:defRPr/>
             </a:pPr>
             <a:r>
-              <a:rPr kumimoji="0" lang="en-US" sz="2800" b="1" i="0" u="none" strike="noStrike" kern="1200" cap="none" spc="0" normalizeH="0" baseline="0" noProof="0" smtClean="0">
+              <a:rPr kumimoji="0" lang="en-US" sz="2800" b="1" i="0" u="none" strike="noStrike" kern="1200" cap="none" spc="0" normalizeH="0" baseline="0" noProof="0" dirty="0" err="1" smtClean="0">
                 <a:ln>
                   <a:noFill/>
                 </a:ln>
@@ -10101,7 +10264,24 @@
                 <a:ea typeface="+mn-ea"/>
                 <a:cs typeface="+mn-cs"/>
               </a:rPr>
-              <a:t>scratchClient can do much more…</a:t>
+              <a:t>scratchClient</a:t>
+            </a:r>
+            <a:r>
+              <a:rPr kumimoji="0" lang="en-US" sz="2800" b="1" i="0" u="none" strike="noStrike" kern="1200" cap="none" spc="0" normalizeH="0" baseline="0" noProof="0" dirty="0" smtClean="0">
+                <a:ln>
+                  <a:noFill/>
+                </a:ln>
+                <a:solidFill>
+                  <a:schemeClr val="tx1"/>
+                </a:solidFill>
+                <a:effectLst/>
+                <a:uLnTx/>
+                <a:uFillTx/>
+                <a:latin typeface="+mn-lt"/>
+                <a:ea typeface="+mn-ea"/>
+                <a:cs typeface="+mn-cs"/>
+              </a:rPr>
+              <a:t> can do much more…</a:t>
             </a:r>
           </a:p>
           <a:p>
@@ -10123,7 +10303,7 @@
               <a:defRPr/>
             </a:pPr>
             <a:r>
-              <a:rPr kumimoji="0" lang="en-US" sz="2800" b="0" i="0" u="none" strike="noStrike" kern="1200" cap="none" spc="0" normalizeH="0" baseline="0" noProof="0" smtClean="0">
+              <a:rPr kumimoji="0" lang="en-US" sz="2800" b="0" i="0" u="none" strike="noStrike" kern="1200" cap="none" spc="0" normalizeH="0" baseline="0" noProof="0" dirty="0" smtClean="0">
                 <a:ln>
                   <a:noFill/>
                 </a:ln>
@@ -10159,7 +10339,7 @@
               <a:defRPr/>
             </a:pPr>
             <a:r>
-              <a:rPr kumimoji="0" lang="en-US" sz="2400" b="0" i="0" u="none" strike="noStrike" kern="1200" cap="none" spc="0" normalizeH="0" baseline="0" noProof="0" smtClean="0">
+              <a:rPr kumimoji="0" lang="en-US" sz="2400" b="0" i="0" u="none" strike="noStrike" kern="1200" cap="none" spc="0" normalizeH="0" baseline="0" noProof="0" dirty="0" smtClean="0">
                 <a:ln>
                   <a:noFill/>
                 </a:ln>
@@ -10195,7 +10375,7 @@
               <a:defRPr/>
             </a:pPr>
             <a:r>
-              <a:rPr kumimoji="0" lang="en-US" sz="2400" b="0" i="0" u="none" strike="noStrike" kern="1200" cap="none" spc="0" normalizeH="0" baseline="0" noProof="0" smtClean="0">
+              <a:rPr kumimoji="0" lang="en-US" sz="2400" b="0" i="0" u="none" strike="noStrike" kern="1200" cap="none" spc="0" normalizeH="0" baseline="0" noProof="0" dirty="0" smtClean="0">
                 <a:ln>
                   <a:noFill/>
                 </a:ln>
@@ -10209,7 +10389,41 @@
                 <a:ea typeface="+mn-ea"/>
                 <a:cs typeface="+mn-cs"/>
               </a:rPr>
-              <a:t>Run CleanUpScratchFiles.sh on the desktop (once after start up of the RPi)</a:t>
+              <a:t>Run CleanUpScratchFiles.sh on the desktop (once after start up of the </a:t>
+            </a:r>
+            <a:r>
+              <a:rPr kumimoji="0" lang="en-US" sz="2400" b="0" i="0" u="none" strike="noStrike" kern="1200" cap="none" spc="0" normalizeH="0" baseline="0" noProof="0" dirty="0" err="1" smtClean="0">
+                <a:ln>
+                  <a:noFill/>
+                </a:ln>
+                <a:solidFill>
+                  <a:schemeClr val="tx1"/>
+                </a:solidFill>
+                <a:effectLst/>
+                <a:uLnTx/>
+                <a:uFillTx/>
+                <a:latin typeface="+mn-lt"/>
+                <a:ea typeface="+mn-ea"/>
+                <a:cs typeface="+mn-cs"/>
+              </a:rPr>
+              <a:t>RPi</a:t>
+            </a:r>
+            <a:r>
+              <a:rPr kumimoji="0" lang="en-US" sz="2400" b="0" i="0" u="none" strike="noStrike" kern="1200" cap="none" spc="0" normalizeH="0" baseline="0" noProof="0" dirty="0" smtClean="0">
+                <a:ln>
+                  <a:noFill/>
+                </a:ln>
+                <a:solidFill>
+                  <a:schemeClr val="tx1"/>
+                </a:solidFill>
+                <a:effectLst/>
+                <a:uLnTx/>
+                <a:uFillTx/>
+                <a:latin typeface="+mn-lt"/>
+                <a:ea typeface="+mn-ea"/>
+                <a:cs typeface="+mn-cs"/>
+              </a:rPr>
+              <a:t>)</a:t>
             </a:r>
           </a:p>
           <a:p>
@@ -10231,7 +10445,7 @@
               <a:defRPr/>
             </a:pPr>
             <a:r>
-              <a:rPr kumimoji="0" lang="en-US" sz="2400" b="0" i="0" u="none" strike="noStrike" kern="1200" cap="none" spc="0" normalizeH="0" baseline="0" noProof="0" smtClean="0">
+              <a:rPr kumimoji="0" lang="en-US" sz="2400" b="0" i="0" u="none" strike="noStrike" kern="1200" cap="none" spc="0" normalizeH="0" baseline="0" noProof="0" dirty="0" smtClean="0">
                 <a:ln>
                   <a:noFill/>
                 </a:ln>
@@ -10247,20 +10461,6 @@
               </a:rPr>
               <a:t>Use the files on the desktop</a:t>
             </a:r>
-            <a:endParaRPr kumimoji="0" lang="en-US" sz="2400" b="0" i="0" u="none" strike="noStrike" kern="1200" cap="none" spc="0" normalizeH="0" baseline="0" noProof="0" dirty="0" smtClean="0">
-              <a:ln>
-                <a:noFill/>
-              </a:ln>
-              <a:solidFill>
-                <a:schemeClr val="tx1"/>
-              </a:solidFill>
-              <a:effectLst/>
-              <a:uLnTx/>
-              <a:uFillTx/>
-              <a:latin typeface="+mn-lt"/>
-              <a:ea typeface="+mn-ea"/>
-              <a:cs typeface="+mn-cs"/>
-            </a:endParaRPr>
           </a:p>
         </p:txBody>
       </p:sp>
@@ -10296,17 +10496,14 @@
             <a:spLocks noGrp="1"/>
           </p:cNvSpPr>
           <p:nvPr>
-            <p:ph type="title"/>
-          </p:nvPr>
-        </p:nvSpPr>
-        <p:spPr>
-          <a:xfrm>
-            <a:off x="467544" y="1635646"/>
-            <a:ext cx="8229600" cy="2081386"/>
-          </a:xfrm>
-        </p:spPr>
-        <p:txBody>
-          <a:bodyPr/>
+            <p:ph type="ctrTitle"/>
+          </p:nvPr>
+        </p:nvSpPr>
+        <p:spPr/>
+        <p:txBody>
+          <a:bodyPr>
+            <a:normAutofit fontScale="90000"/>
+          </a:bodyPr>
           <a:lstStyle/>
           <a:p>
             <a:pPr algn="ctr"/>
@@ -10323,6 +10520,25 @@
               <a:t> workshop</a:t>
             </a:r>
             <a:endParaRPr lang="nl-NL" dirty="0"/>
+          </a:p>
+        </p:txBody>
+      </p:sp>
+      <p:sp>
+        <p:nvSpPr>
+          <p:cNvPr id="6" name="Ondertitel 5"/>
+          <p:cNvSpPr>
+            <a:spLocks noGrp="1"/>
+          </p:cNvSpPr>
+          <p:nvPr>
+            <p:ph type="subTitle" idx="1"/>
+          </p:nvPr>
+        </p:nvSpPr>
+        <p:spPr/>
+        <p:txBody>
+          <a:bodyPr/>
+          <a:lstStyle/>
+          <a:p>
+            <a:endParaRPr lang="nl-NL"/>
           </a:p>
         </p:txBody>
       </p:sp>
@@ -10427,38 +10643,21 @@
             <a:pPr lvl="1"/>
             <a:r>
               <a:rPr lang="en-US" dirty="0" smtClean="0"/>
-              <a:t>First pull </a:t>
-            </a:r>
+              <a:t>First pull out the power </a:t>
+            </a:r>
+          </a:p>
+          <a:p>
+            <a:pPr lvl="2"/>
             <a:r>
               <a:rPr lang="en-US" dirty="0" smtClean="0"/>
-              <a:t>out the power </a:t>
+              <a:t>the USB cable</a:t>
             </a:r>
           </a:p>
           <a:p>
             <a:pPr lvl="2"/>
             <a:r>
               <a:rPr lang="en-US" dirty="0" smtClean="0"/>
-              <a:t>the </a:t>
-            </a:r>
-            <a:r>
-              <a:rPr lang="en-US" dirty="0" smtClean="0"/>
-              <a:t>USB </a:t>
-            </a:r>
-            <a:r>
-              <a:rPr lang="en-US" dirty="0" smtClean="0"/>
-              <a:t>cable</a:t>
-            </a:r>
-            <a:endParaRPr lang="en-US" dirty="0" smtClean="0"/>
-          </a:p>
-          <a:p>
-            <a:pPr lvl="2"/>
-            <a:r>
-              <a:rPr lang="en-US" dirty="0" smtClean="0"/>
-              <a:t>the 9V </a:t>
-            </a:r>
-            <a:r>
-              <a:rPr lang="en-US" dirty="0" smtClean="0"/>
-              <a:t>supply</a:t>
+              <a:t>the 9V supply</a:t>
             </a:r>
             <a:endParaRPr lang="nl-NL" dirty="0"/>
           </a:p>
@@ -10589,7 +10788,7 @@
             <a:pPr lvl="1"/>
             <a:r>
               <a:rPr lang="en-US" sz="1400" dirty="0" smtClean="0"/>
-              <a:t>E.g. in the middle it would be 2.5 Volt</a:t>
+              <a:t>E.g. in the middle it would be 2.5 volt</a:t>
             </a:r>
           </a:p>
           <a:p>
@@ -10606,7 +10805,7 @@
             </a:r>
             <a:r>
               <a:rPr lang="en-US" sz="1800" dirty="0" err="1" smtClean="0"/>
-              <a:t>kOhm</a:t>
+              <a:t>kohm</a:t>
             </a:r>
             <a:r>
               <a:rPr lang="en-US" sz="1800" dirty="0" smtClean="0"/>
@@ -10866,7 +11065,7 @@
           <a:p>
             <a:r>
               <a:rPr lang="en-US" dirty="0" smtClean="0"/>
-              <a:t>+5 Volt</a:t>
+              <a:t>+5 volt</a:t>
             </a:r>
             <a:endParaRPr lang="nl-NL" dirty="0"/>
           </a:p>
@@ -10896,7 +11095,7 @@
           <a:p>
             <a:r>
               <a:rPr lang="en-US" dirty="0" smtClean="0"/>
-              <a:t>0 Volt</a:t>
+              <a:t>0 volt</a:t>
             </a:r>
             <a:endParaRPr lang="nl-NL" dirty="0"/>
           </a:p>
@@ -11032,7 +11231,7 @@
             </a:r>
             <a:r>
               <a:rPr lang="en-US" dirty="0" err="1" smtClean="0"/>
-              <a:t>kOhm</a:t>
+              <a:t>kohm</a:t>
             </a:r>
             <a:endParaRPr lang="nl-NL" dirty="0"/>
           </a:p>
@@ -11066,7 +11265,7 @@
             </a:r>
             <a:r>
               <a:rPr lang="en-US" dirty="0" err="1" smtClean="0"/>
-              <a:t>kOhm</a:t>
+              <a:t>kohm</a:t>
             </a:r>
             <a:endParaRPr lang="nl-NL" dirty="0"/>
           </a:p>
@@ -11133,7 +11332,7 @@
             </a:r>
             <a:r>
               <a:rPr lang="en-US" sz="1200" dirty="0" err="1" smtClean="0"/>
-              <a:t>kOhm</a:t>
+              <a:t>kohm</a:t>
             </a:r>
             <a:r>
               <a:rPr lang="en-US" sz="1200" dirty="0" smtClean="0"/>
@@ -11145,7 +11344,7 @@
             </a:r>
             <a:r>
               <a:rPr lang="en-US" sz="1200" dirty="0" smtClean="0"/>
-              <a:t> positioned  close to the 0 Volt side.</a:t>
+              <a:t> positioned  close to the 0 volt side.</a:t>
             </a:r>
           </a:p>
           <a:p>
@@ -11162,7 +11361,7 @@
             </a:r>
             <a:r>
               <a:rPr lang="en-US" sz="1200" dirty="0" smtClean="0"/>
-              <a:t> would output 5 Volt, and the </a:t>
+              <a:t> would output 5 volt, and the </a:t>
             </a:r>
             <a:r>
               <a:rPr lang="en-US" sz="1200" dirty="0" err="1" smtClean="0"/>
@@ -11170,7 +11369,7 @@
             </a:r>
             <a:r>
               <a:rPr lang="en-US" sz="1200" dirty="0" smtClean="0"/>
-              <a:t> is directly leading it to the 0 Volt line </a:t>
+              <a:t> is directly leading it to the 0 volt line </a:t>
             </a:r>
             <a:r>
               <a:rPr lang="en-US" sz="1200" dirty="0" smtClean="0">
@@ -11184,7 +11383,7 @@
               <a:rPr lang="en-US" sz="1200" dirty="0" smtClean="0">
                 <a:sym typeface="Wingdings" pitchFamily="2" charset="2"/>
               </a:rPr>
-              <a:t>Likewise if the potentiometer is close to the 5 Volt side and  the </a:t>
+              <a:t>Likewise if the potentiometer is close to the 5 volt side and  the </a:t>
             </a:r>
             <a:r>
               <a:rPr lang="en-US" sz="1200" dirty="0" err="1" smtClean="0">
@@ -11196,7 +11395,7 @@
               <a:rPr lang="en-US" sz="1200" dirty="0" smtClean="0">
                 <a:sym typeface="Wingdings" pitchFamily="2" charset="2"/>
               </a:rPr>
-              <a:t> would output  0 Volt.</a:t>
+              <a:t> would output  0 volt.</a:t>
             </a:r>
             <a:endParaRPr lang="nl-NL" sz="1200" dirty="0"/>
           </a:p>
@@ -12362,12 +12561,16 @@
               <a:t> file again (right click </a:t>
             </a:r>
             <a:r>
-              <a:rPr lang="en-US" i="1" dirty="0" smtClean="0"/>
-              <a:t>PiAndMoreConfig.scl</a:t>
+              <a:rPr lang="nl-NL" i="1" dirty="0" err="1" smtClean="0"/>
+              <a:t>scratchClientTutorial.scl</a:t>
+            </a:r>
+            <a:r>
+              <a:rPr lang="nl-NL" dirty="0" smtClean="0"/>
+              <a:t> </a:t>
             </a:r>
             <a:r>
               <a:rPr lang="en-US" dirty="0" smtClean="0"/>
-              <a:t> on the desktop, </a:t>
+              <a:t>on the desktop, </a:t>
             </a:r>
             <a:r>
               <a:rPr lang="en-US" dirty="0" err="1" smtClean="0"/>
@@ -12571,8 +12774,8 @@
               <a:t> by double clicking </a:t>
             </a:r>
             <a:r>
-              <a:rPr lang="en-US" i="1" dirty="0" smtClean="0"/>
-              <a:t>PiAndMoreConfig.scl</a:t>
+              <a:rPr lang="nl-NL" i="1" dirty="0" err="1" smtClean="0"/>
+              <a:t>scratchClientTutorial.scl</a:t>
             </a:r>
             <a:r>
               <a:rPr lang="en-US" dirty="0" smtClean="0"/>
